--- a/Wikidocs/pics/pics_graphics_objects.pptx
+++ b/Wikidocs/pics/pics_graphics_objects.pptx
@@ -261,7 +261,7 @@
           <a:p>
             <a:fld id="{EF3CE426-6BA1-4BB9-A87B-AB60B1F5516A}" type="datetimeFigureOut">
               <a:rPr lang="en-US" smtClean="0"/>
-              <a:t>1/26/2023</a:t>
+              <a:t>1/27/2023</a:t>
             </a:fld>
             <a:endParaRPr lang="en-US"/>
           </a:p>
@@ -459,7 +459,7 @@
           <a:p>
             <a:fld id="{EF3CE426-6BA1-4BB9-A87B-AB60B1F5516A}" type="datetimeFigureOut">
               <a:rPr lang="en-US" smtClean="0"/>
-              <a:t>1/26/2023</a:t>
+              <a:t>1/27/2023</a:t>
             </a:fld>
             <a:endParaRPr lang="en-US"/>
           </a:p>
@@ -667,7 +667,7 @@
           <a:p>
             <a:fld id="{EF3CE426-6BA1-4BB9-A87B-AB60B1F5516A}" type="datetimeFigureOut">
               <a:rPr lang="en-US" smtClean="0"/>
-              <a:t>1/26/2023</a:t>
+              <a:t>1/27/2023</a:t>
             </a:fld>
             <a:endParaRPr lang="en-US"/>
           </a:p>
@@ -865,7 +865,7 @@
           <a:p>
             <a:fld id="{EF3CE426-6BA1-4BB9-A87B-AB60B1F5516A}" type="datetimeFigureOut">
               <a:rPr lang="en-US" smtClean="0"/>
-              <a:t>1/26/2023</a:t>
+              <a:t>1/27/2023</a:t>
             </a:fld>
             <a:endParaRPr lang="en-US"/>
           </a:p>
@@ -1140,7 +1140,7 @@
           <a:p>
             <a:fld id="{EF3CE426-6BA1-4BB9-A87B-AB60B1F5516A}" type="datetimeFigureOut">
               <a:rPr lang="en-US" smtClean="0"/>
-              <a:t>1/26/2023</a:t>
+              <a:t>1/27/2023</a:t>
             </a:fld>
             <a:endParaRPr lang="en-US"/>
           </a:p>
@@ -1405,7 +1405,7 @@
           <a:p>
             <a:fld id="{EF3CE426-6BA1-4BB9-A87B-AB60B1F5516A}" type="datetimeFigureOut">
               <a:rPr lang="en-US" smtClean="0"/>
-              <a:t>1/26/2023</a:t>
+              <a:t>1/27/2023</a:t>
             </a:fld>
             <a:endParaRPr lang="en-US"/>
           </a:p>
@@ -1817,7 +1817,7 @@
           <a:p>
             <a:fld id="{EF3CE426-6BA1-4BB9-A87B-AB60B1F5516A}" type="datetimeFigureOut">
               <a:rPr lang="en-US" smtClean="0"/>
-              <a:t>1/26/2023</a:t>
+              <a:t>1/27/2023</a:t>
             </a:fld>
             <a:endParaRPr lang="en-US"/>
           </a:p>
@@ -1958,7 +1958,7 @@
           <a:p>
             <a:fld id="{EF3CE426-6BA1-4BB9-A87B-AB60B1F5516A}" type="datetimeFigureOut">
               <a:rPr lang="en-US" smtClean="0"/>
-              <a:t>1/26/2023</a:t>
+              <a:t>1/27/2023</a:t>
             </a:fld>
             <a:endParaRPr lang="en-US"/>
           </a:p>
@@ -2071,7 +2071,7 @@
           <a:p>
             <a:fld id="{EF3CE426-6BA1-4BB9-A87B-AB60B1F5516A}" type="datetimeFigureOut">
               <a:rPr lang="en-US" smtClean="0"/>
-              <a:t>1/26/2023</a:t>
+              <a:t>1/27/2023</a:t>
             </a:fld>
             <a:endParaRPr lang="en-US"/>
           </a:p>
@@ -2382,7 +2382,7 @@
           <a:p>
             <a:fld id="{EF3CE426-6BA1-4BB9-A87B-AB60B1F5516A}" type="datetimeFigureOut">
               <a:rPr lang="en-US" smtClean="0"/>
-              <a:t>1/26/2023</a:t>
+              <a:t>1/27/2023</a:t>
             </a:fld>
             <a:endParaRPr lang="en-US"/>
           </a:p>
@@ -2670,7 +2670,7 @@
           <a:p>
             <a:fld id="{EF3CE426-6BA1-4BB9-A87B-AB60B1F5516A}" type="datetimeFigureOut">
               <a:rPr lang="en-US" smtClean="0"/>
-              <a:t>1/26/2023</a:t>
+              <a:t>1/27/2023</a:t>
             </a:fld>
             <a:endParaRPr lang="en-US"/>
           </a:p>
@@ -2911,7 +2911,7 @@
           <a:p>
             <a:fld id="{EF3CE426-6BA1-4BB9-A87B-AB60B1F5516A}" type="datetimeFigureOut">
               <a:rPr lang="en-US" smtClean="0"/>
-              <a:t>1/26/2023</a:t>
+              <a:t>1/27/2023</a:t>
             </a:fld>
             <a:endParaRPr lang="en-US"/>
           </a:p>
@@ -19332,7770 +19332,154 @@
           <a:chExt cx="0" cy="0"/>
         </a:xfrm>
       </p:grpSpPr>
-      <p:grpSp>
-        <p:nvGrpSpPr>
-          <p:cNvPr id="84" name="Group 83">
+      <p:pic>
+        <p:nvPicPr>
+          <p:cNvPr id="3" name="Picture 2">
             <a:extLst>
               <a:ext uri="{FF2B5EF4-FFF2-40B4-BE49-F238E27FC236}">
-                <a16:creationId xmlns:a16="http://schemas.microsoft.com/office/drawing/2014/main" id="{844E8A1C-E65B-823F-4CEB-1843B4AE9C3F}"/>
+                <a16:creationId xmlns:a16="http://schemas.microsoft.com/office/drawing/2014/main" id="{2861D588-E35B-3C40-2346-2FDAF16B2483}"/>
               </a:ext>
             </a:extLst>
           </p:cNvPr>
-          <p:cNvGrpSpPr/>
+          <p:cNvPicPr>
+            <a:picLocks noChangeAspect="1"/>
+          </p:cNvPicPr>
           <p:nvPr/>
-        </p:nvGrpSpPr>
-        <p:grpSpPr>
+        </p:nvPicPr>
+        <p:blipFill>
+          <a:blip r:embed="rId2"/>
+          <a:stretch>
+            <a:fillRect/>
+          </a:stretch>
+        </p:blipFill>
+        <p:spPr>
           <a:xfrm>
-            <a:off x="3648075" y="1658938"/>
-            <a:ext cx="4760913" cy="3798887"/>
-            <a:chOff x="3648075" y="1658938"/>
-            <a:chExt cx="4760913" cy="3798887"/>
+            <a:off x="3331601" y="1237986"/>
+            <a:ext cx="5528799" cy="4382029"/>
           </a:xfrm>
-          <a:effectLst>
-            <a:outerShdw blurRad="88900" dist="38100" dir="2700000" algn="tl" rotWithShape="0">
-              <a:prstClr val="black">
-                <a:alpha val="40000"/>
-              </a:prstClr>
-            </a:outerShdw>
-          </a:effectLst>
-          <a:scene3d>
-            <a:camera prst="isometricOffAxis2Top"/>
-            <a:lightRig rig="threePt" dir="t"/>
-          </a:scene3d>
-        </p:grpSpPr>
-        <p:sp>
-          <p:nvSpPr>
-            <p:cNvPr id="83" name="Rectangle 82">
-              <a:extLst>
-                <a:ext uri="{FF2B5EF4-FFF2-40B4-BE49-F238E27FC236}">
-                  <a16:creationId xmlns:a16="http://schemas.microsoft.com/office/drawing/2014/main" id="{2904986A-D0D9-FAC8-9454-C9D5B5180867}"/>
-                </a:ext>
-              </a:extLst>
-            </p:cNvPr>
-            <p:cNvSpPr/>
-            <p:nvPr/>
-          </p:nvSpPr>
-          <p:spPr>
-            <a:xfrm>
-              <a:off x="4125913" y="1724025"/>
-              <a:ext cx="4140199" cy="3275012"/>
-            </a:xfrm>
-            <a:prstGeom prst="rect">
-              <a:avLst/>
-            </a:prstGeom>
-            <a:solidFill>
-              <a:schemeClr val="bg1"/>
-            </a:solidFill>
-            <a:ln>
-              <a:noFill/>
-            </a:ln>
-          </p:spPr>
-          <p:style>
-            <a:lnRef idx="2">
-              <a:schemeClr val="accent1">
-                <a:shade val="50000"/>
-              </a:schemeClr>
-            </a:lnRef>
-            <a:fillRef idx="1">
-              <a:schemeClr val="accent1"/>
-            </a:fillRef>
-            <a:effectRef idx="0">
-              <a:schemeClr val="accent1"/>
-            </a:effectRef>
-            <a:fontRef idx="minor">
-              <a:schemeClr val="lt1"/>
-            </a:fontRef>
-          </p:style>
-          <p:txBody>
-            <a:bodyPr rtlCol="0" anchor="ctr"/>
-            <a:lstStyle/>
-            <a:p>
-              <a:pPr algn="ctr"/>
-              <a:endParaRPr lang="en-US"/>
-            </a:p>
-          </p:txBody>
-        </p:sp>
-        <p:sp>
-          <p:nvSpPr>
-            <p:cNvPr id="9" name="Line 6">
-              <a:extLst>
-                <a:ext uri="{FF2B5EF4-FFF2-40B4-BE49-F238E27FC236}">
-                  <a16:creationId xmlns:a16="http://schemas.microsoft.com/office/drawing/2014/main" id="{6FBB52C8-D620-A6C2-868B-00E3A8B7CC22}"/>
-                </a:ext>
-              </a:extLst>
-            </p:cNvPr>
-            <p:cNvSpPr>
-              <a:spLocks noChangeShapeType="1"/>
-            </p:cNvSpPr>
-            <p:nvPr/>
-          </p:nvSpPr>
-          <p:spPr bwMode="auto">
-            <a:xfrm>
-              <a:off x="4125913" y="4999038"/>
-              <a:ext cx="4140200" cy="0"/>
-            </a:xfrm>
-            <a:prstGeom prst="line">
-              <a:avLst/>
-            </a:prstGeom>
-            <a:noFill/>
-            <a:ln w="6350" cap="flat">
-              <a:solidFill>
-                <a:srgbClr val="262626"/>
-              </a:solidFill>
-              <a:prstDash val="solid"/>
-              <a:round/>
-              <a:headEnd/>
-              <a:tailEnd/>
-            </a:ln>
+          <a:prstGeom prst="rect">
+            <a:avLst/>
+          </a:prstGeom>
+        </p:spPr>
+      </p:pic>
+      <p:cxnSp>
+        <p:nvCxnSpPr>
+          <p:cNvPr id="5" name="Straight Arrow Connector 4">
             <a:extLst>
-              <a:ext uri="{909E8E84-426E-40DD-AFC4-6F175D3DCCD1}">
-                <a14:hiddenFill xmlns:a14="http://schemas.microsoft.com/office/drawing/2010/main">
-                  <a:noFill/>
-                </a14:hiddenFill>
+              <a:ext uri="{FF2B5EF4-FFF2-40B4-BE49-F238E27FC236}">
+                <a16:creationId xmlns:a16="http://schemas.microsoft.com/office/drawing/2014/main" id="{E7081F07-8269-91C6-B5B0-894C17C7DD92}"/>
               </a:ext>
             </a:extLst>
-          </p:spPr>
-          <p:txBody>
-            <a:bodyPr vert="horz" wrap="square" lIns="91440" tIns="45720" rIns="91440" bIns="45720" numCol="1" anchor="t" anchorCtr="0" compatLnSpc="1">
-              <a:prstTxWarp prst="textNoShape">
-                <a:avLst/>
-              </a:prstTxWarp>
-            </a:bodyPr>
-            <a:lstStyle/>
-            <a:p>
-              <a:endParaRPr lang="en-US"/>
-            </a:p>
-          </p:txBody>
-        </p:sp>
-        <p:sp>
-          <p:nvSpPr>
-            <p:cNvPr id="10" name="Line 7">
-              <a:extLst>
-                <a:ext uri="{FF2B5EF4-FFF2-40B4-BE49-F238E27FC236}">
-                  <a16:creationId xmlns:a16="http://schemas.microsoft.com/office/drawing/2014/main" id="{FE704AC2-ECA9-923D-0B13-20AC430D818F}"/>
-                </a:ext>
-              </a:extLst>
-            </p:cNvPr>
-            <p:cNvSpPr>
-              <a:spLocks noChangeShapeType="1"/>
-            </p:cNvSpPr>
-            <p:nvPr/>
-          </p:nvSpPr>
-          <p:spPr bwMode="auto">
-            <a:xfrm>
-              <a:off x="4125913" y="1724025"/>
-              <a:ext cx="4140200" cy="0"/>
-            </a:xfrm>
-            <a:prstGeom prst="line">
-              <a:avLst/>
-            </a:prstGeom>
-            <a:noFill/>
-            <a:ln w="6350" cap="flat">
-              <a:solidFill>
-                <a:srgbClr val="262626"/>
-              </a:solidFill>
-              <a:prstDash val="solid"/>
-              <a:round/>
-              <a:headEnd/>
-              <a:tailEnd/>
-            </a:ln>
+          </p:cNvPr>
+          <p:cNvCxnSpPr>
+            <a:cxnSpLocks/>
+          </p:cNvCxnSpPr>
+          <p:nvPr/>
+        </p:nvCxnSpPr>
+        <p:spPr>
+          <a:xfrm flipV="1">
+            <a:off x="7831667" y="1786467"/>
+            <a:ext cx="160866" cy="589802"/>
+          </a:xfrm>
+          <a:prstGeom prst="straightConnector1">
+            <a:avLst/>
+          </a:prstGeom>
+          <a:ln w="57150">
+            <a:solidFill>
+              <a:srgbClr val="FF0000"/>
+            </a:solidFill>
+            <a:tailEnd type="triangle"/>
+          </a:ln>
+        </p:spPr>
+        <p:style>
+          <a:lnRef idx="1">
+            <a:schemeClr val="accent1"/>
+          </a:lnRef>
+          <a:fillRef idx="0">
+            <a:schemeClr val="accent1"/>
+          </a:fillRef>
+          <a:effectRef idx="0">
+            <a:schemeClr val="accent1"/>
+          </a:effectRef>
+          <a:fontRef idx="minor">
+            <a:schemeClr val="tx1"/>
+          </a:fontRef>
+        </p:style>
+      </p:cxnSp>
+      <p:sp>
+        <p:nvSpPr>
+          <p:cNvPr id="7" name="TextBox 6">
             <a:extLst>
-              <a:ext uri="{909E8E84-426E-40DD-AFC4-6F175D3DCCD1}">
-                <a14:hiddenFill xmlns:a14="http://schemas.microsoft.com/office/drawing/2010/main">
-                  <a:noFill/>
-                </a14:hiddenFill>
+              <a:ext uri="{FF2B5EF4-FFF2-40B4-BE49-F238E27FC236}">
+                <a16:creationId xmlns:a16="http://schemas.microsoft.com/office/drawing/2014/main" id="{9334ABB0-5547-4856-42D7-ED26CE5EAAB8}"/>
               </a:ext>
             </a:extLst>
-          </p:spPr>
-          <p:txBody>
-            <a:bodyPr vert="horz" wrap="square" lIns="91440" tIns="45720" rIns="91440" bIns="45720" numCol="1" anchor="t" anchorCtr="0" compatLnSpc="1">
-              <a:prstTxWarp prst="textNoShape">
-                <a:avLst/>
-              </a:prstTxWarp>
-            </a:bodyPr>
-            <a:lstStyle/>
-            <a:p>
-              <a:endParaRPr lang="en-US"/>
-            </a:p>
-          </p:txBody>
-        </p:sp>
-        <p:sp>
-          <p:nvSpPr>
-            <p:cNvPr id="11" name="Line 8">
-              <a:extLst>
-                <a:ext uri="{FF2B5EF4-FFF2-40B4-BE49-F238E27FC236}">
-                  <a16:creationId xmlns:a16="http://schemas.microsoft.com/office/drawing/2014/main" id="{F9223917-30D6-5DE7-13E2-FD78E1E49620}"/>
-                </a:ext>
-              </a:extLst>
-            </p:cNvPr>
-            <p:cNvSpPr>
-              <a:spLocks noChangeShapeType="1"/>
-            </p:cNvSpPr>
-            <p:nvPr/>
-          </p:nvSpPr>
-          <p:spPr bwMode="auto">
-            <a:xfrm flipV="1">
-              <a:off x="4125913" y="4957763"/>
-              <a:ext cx="0" cy="41275"/>
-            </a:xfrm>
-            <a:prstGeom prst="line">
-              <a:avLst/>
-            </a:prstGeom>
-            <a:noFill/>
-            <a:ln w="6350" cap="flat">
-              <a:solidFill>
-                <a:srgbClr val="262626"/>
-              </a:solidFill>
-              <a:prstDash val="solid"/>
-              <a:round/>
-              <a:headEnd/>
-              <a:tailEnd/>
-            </a:ln>
-            <a:extLst>
-              <a:ext uri="{909E8E84-426E-40DD-AFC4-6F175D3DCCD1}">
-                <a14:hiddenFill xmlns:a14="http://schemas.microsoft.com/office/drawing/2010/main">
-                  <a:noFill/>
-                </a14:hiddenFill>
-              </a:ext>
-            </a:extLst>
-          </p:spPr>
-          <p:txBody>
-            <a:bodyPr vert="horz" wrap="square" lIns="91440" tIns="45720" rIns="91440" bIns="45720" numCol="1" anchor="t" anchorCtr="0" compatLnSpc="1">
-              <a:prstTxWarp prst="textNoShape">
-                <a:avLst/>
-              </a:prstTxWarp>
-            </a:bodyPr>
-            <a:lstStyle/>
-            <a:p>
-              <a:endParaRPr lang="en-US"/>
-            </a:p>
-          </p:txBody>
-        </p:sp>
-        <p:sp>
-          <p:nvSpPr>
-            <p:cNvPr id="12" name="Line 9">
-              <a:extLst>
-                <a:ext uri="{FF2B5EF4-FFF2-40B4-BE49-F238E27FC236}">
-                  <a16:creationId xmlns:a16="http://schemas.microsoft.com/office/drawing/2014/main" id="{2C52BC38-8D5A-9DFA-1E68-3FE902600D92}"/>
-                </a:ext>
-              </a:extLst>
-            </p:cNvPr>
-            <p:cNvSpPr>
-              <a:spLocks noChangeShapeType="1"/>
-            </p:cNvSpPr>
-            <p:nvPr/>
-          </p:nvSpPr>
-          <p:spPr bwMode="auto">
-            <a:xfrm flipV="1">
-              <a:off x="4816475" y="4957763"/>
-              <a:ext cx="0" cy="41275"/>
-            </a:xfrm>
-            <a:prstGeom prst="line">
-              <a:avLst/>
-            </a:prstGeom>
-            <a:noFill/>
-            <a:ln w="6350" cap="flat">
-              <a:solidFill>
-                <a:srgbClr val="262626"/>
-              </a:solidFill>
-              <a:prstDash val="solid"/>
-              <a:round/>
-              <a:headEnd/>
-              <a:tailEnd/>
-            </a:ln>
-            <a:extLst>
-              <a:ext uri="{909E8E84-426E-40DD-AFC4-6F175D3DCCD1}">
-                <a14:hiddenFill xmlns:a14="http://schemas.microsoft.com/office/drawing/2010/main">
-                  <a:noFill/>
-                </a14:hiddenFill>
-              </a:ext>
-            </a:extLst>
-          </p:spPr>
-          <p:txBody>
-            <a:bodyPr vert="horz" wrap="square" lIns="91440" tIns="45720" rIns="91440" bIns="45720" numCol="1" anchor="t" anchorCtr="0" compatLnSpc="1">
-              <a:prstTxWarp prst="textNoShape">
-                <a:avLst/>
-              </a:prstTxWarp>
-            </a:bodyPr>
-            <a:lstStyle/>
-            <a:p>
-              <a:endParaRPr lang="en-US"/>
-            </a:p>
-          </p:txBody>
-        </p:sp>
-        <p:sp>
-          <p:nvSpPr>
-            <p:cNvPr id="13" name="Line 10">
-              <a:extLst>
-                <a:ext uri="{FF2B5EF4-FFF2-40B4-BE49-F238E27FC236}">
-                  <a16:creationId xmlns:a16="http://schemas.microsoft.com/office/drawing/2014/main" id="{C653ABCF-0084-7187-A728-330472F323C3}"/>
-                </a:ext>
-              </a:extLst>
-            </p:cNvPr>
-            <p:cNvSpPr>
-              <a:spLocks noChangeShapeType="1"/>
-            </p:cNvSpPr>
-            <p:nvPr/>
-          </p:nvSpPr>
-          <p:spPr bwMode="auto">
-            <a:xfrm flipV="1">
-              <a:off x="5505450" y="4957763"/>
-              <a:ext cx="0" cy="41275"/>
-            </a:xfrm>
-            <a:prstGeom prst="line">
-              <a:avLst/>
-            </a:prstGeom>
-            <a:noFill/>
-            <a:ln w="6350" cap="flat">
-              <a:solidFill>
-                <a:srgbClr val="262626"/>
-              </a:solidFill>
-              <a:prstDash val="solid"/>
-              <a:round/>
-              <a:headEnd/>
-              <a:tailEnd/>
-            </a:ln>
-            <a:extLst>
-              <a:ext uri="{909E8E84-426E-40DD-AFC4-6F175D3DCCD1}">
-                <a14:hiddenFill xmlns:a14="http://schemas.microsoft.com/office/drawing/2010/main">
-                  <a:noFill/>
-                </a14:hiddenFill>
-              </a:ext>
-            </a:extLst>
-          </p:spPr>
-          <p:txBody>
-            <a:bodyPr vert="horz" wrap="square" lIns="91440" tIns="45720" rIns="91440" bIns="45720" numCol="1" anchor="t" anchorCtr="0" compatLnSpc="1">
-              <a:prstTxWarp prst="textNoShape">
-                <a:avLst/>
-              </a:prstTxWarp>
-            </a:bodyPr>
-            <a:lstStyle/>
-            <a:p>
-              <a:endParaRPr lang="en-US"/>
-            </a:p>
-          </p:txBody>
-        </p:sp>
-        <p:sp>
-          <p:nvSpPr>
-            <p:cNvPr id="14" name="Line 11">
-              <a:extLst>
-                <a:ext uri="{FF2B5EF4-FFF2-40B4-BE49-F238E27FC236}">
-                  <a16:creationId xmlns:a16="http://schemas.microsoft.com/office/drawing/2014/main" id="{F913212D-9F60-BA10-49EE-AC534046517D}"/>
-                </a:ext>
-              </a:extLst>
-            </p:cNvPr>
-            <p:cNvSpPr>
-              <a:spLocks noChangeShapeType="1"/>
-            </p:cNvSpPr>
-            <p:nvPr/>
-          </p:nvSpPr>
-          <p:spPr bwMode="auto">
-            <a:xfrm flipV="1">
-              <a:off x="6196013" y="4957763"/>
-              <a:ext cx="0" cy="41275"/>
-            </a:xfrm>
-            <a:prstGeom prst="line">
-              <a:avLst/>
-            </a:prstGeom>
-            <a:noFill/>
-            <a:ln w="6350" cap="flat">
-              <a:solidFill>
-                <a:srgbClr val="262626"/>
-              </a:solidFill>
-              <a:prstDash val="solid"/>
-              <a:round/>
-              <a:headEnd/>
-              <a:tailEnd/>
-            </a:ln>
-            <a:extLst>
-              <a:ext uri="{909E8E84-426E-40DD-AFC4-6F175D3DCCD1}">
-                <a14:hiddenFill xmlns:a14="http://schemas.microsoft.com/office/drawing/2010/main">
-                  <a:noFill/>
-                </a14:hiddenFill>
-              </a:ext>
-            </a:extLst>
-          </p:spPr>
-          <p:txBody>
-            <a:bodyPr vert="horz" wrap="square" lIns="91440" tIns="45720" rIns="91440" bIns="45720" numCol="1" anchor="t" anchorCtr="0" compatLnSpc="1">
-              <a:prstTxWarp prst="textNoShape">
-                <a:avLst/>
-              </a:prstTxWarp>
-            </a:bodyPr>
-            <a:lstStyle/>
-            <a:p>
-              <a:endParaRPr lang="en-US"/>
-            </a:p>
-          </p:txBody>
-        </p:sp>
-        <p:sp>
-          <p:nvSpPr>
-            <p:cNvPr id="15" name="Line 12">
-              <a:extLst>
-                <a:ext uri="{FF2B5EF4-FFF2-40B4-BE49-F238E27FC236}">
-                  <a16:creationId xmlns:a16="http://schemas.microsoft.com/office/drawing/2014/main" id="{D438C963-B733-7AF5-8835-D444732F005E}"/>
-                </a:ext>
-              </a:extLst>
-            </p:cNvPr>
-            <p:cNvSpPr>
-              <a:spLocks noChangeShapeType="1"/>
-            </p:cNvSpPr>
-            <p:nvPr/>
-          </p:nvSpPr>
-          <p:spPr bwMode="auto">
-            <a:xfrm flipV="1">
-              <a:off x="6886575" y="4957763"/>
-              <a:ext cx="0" cy="41275"/>
-            </a:xfrm>
-            <a:prstGeom prst="line">
-              <a:avLst/>
-            </a:prstGeom>
-            <a:noFill/>
-            <a:ln w="6350" cap="flat">
-              <a:solidFill>
-                <a:srgbClr val="262626"/>
-              </a:solidFill>
-              <a:prstDash val="solid"/>
-              <a:round/>
-              <a:headEnd/>
-              <a:tailEnd/>
-            </a:ln>
-            <a:extLst>
-              <a:ext uri="{909E8E84-426E-40DD-AFC4-6F175D3DCCD1}">
-                <a14:hiddenFill xmlns:a14="http://schemas.microsoft.com/office/drawing/2010/main">
-                  <a:noFill/>
-                </a14:hiddenFill>
-              </a:ext>
-            </a:extLst>
-          </p:spPr>
-          <p:txBody>
-            <a:bodyPr vert="horz" wrap="square" lIns="91440" tIns="45720" rIns="91440" bIns="45720" numCol="1" anchor="t" anchorCtr="0" compatLnSpc="1">
-              <a:prstTxWarp prst="textNoShape">
-                <a:avLst/>
-              </a:prstTxWarp>
-            </a:bodyPr>
-            <a:lstStyle/>
-            <a:p>
-              <a:endParaRPr lang="en-US"/>
-            </a:p>
-          </p:txBody>
-        </p:sp>
-        <p:sp>
-          <p:nvSpPr>
-            <p:cNvPr id="16" name="Line 13">
-              <a:extLst>
-                <a:ext uri="{FF2B5EF4-FFF2-40B4-BE49-F238E27FC236}">
-                  <a16:creationId xmlns:a16="http://schemas.microsoft.com/office/drawing/2014/main" id="{05F054AF-9995-DE81-EC74-5B1134865A0E}"/>
-                </a:ext>
-              </a:extLst>
-            </p:cNvPr>
-            <p:cNvSpPr>
-              <a:spLocks noChangeShapeType="1"/>
-            </p:cNvSpPr>
-            <p:nvPr/>
-          </p:nvSpPr>
-          <p:spPr bwMode="auto">
-            <a:xfrm flipV="1">
-              <a:off x="7577138" y="4957763"/>
-              <a:ext cx="0" cy="41275"/>
-            </a:xfrm>
-            <a:prstGeom prst="line">
-              <a:avLst/>
-            </a:prstGeom>
-            <a:noFill/>
-            <a:ln w="6350" cap="flat">
-              <a:solidFill>
-                <a:srgbClr val="262626"/>
-              </a:solidFill>
-              <a:prstDash val="solid"/>
-              <a:round/>
-              <a:headEnd/>
-              <a:tailEnd/>
-            </a:ln>
-            <a:extLst>
-              <a:ext uri="{909E8E84-426E-40DD-AFC4-6F175D3DCCD1}">
-                <a14:hiddenFill xmlns:a14="http://schemas.microsoft.com/office/drawing/2010/main">
-                  <a:noFill/>
-                </a14:hiddenFill>
-              </a:ext>
-            </a:extLst>
-          </p:spPr>
-          <p:txBody>
-            <a:bodyPr vert="horz" wrap="square" lIns="91440" tIns="45720" rIns="91440" bIns="45720" numCol="1" anchor="t" anchorCtr="0" compatLnSpc="1">
-              <a:prstTxWarp prst="textNoShape">
-                <a:avLst/>
-              </a:prstTxWarp>
-            </a:bodyPr>
-            <a:lstStyle/>
-            <a:p>
-              <a:endParaRPr lang="en-US"/>
-            </a:p>
-          </p:txBody>
-        </p:sp>
-        <p:sp>
-          <p:nvSpPr>
-            <p:cNvPr id="17" name="Line 14">
-              <a:extLst>
-                <a:ext uri="{FF2B5EF4-FFF2-40B4-BE49-F238E27FC236}">
-                  <a16:creationId xmlns:a16="http://schemas.microsoft.com/office/drawing/2014/main" id="{AE63F251-DB43-614C-8E26-6CA5987559C1}"/>
-                </a:ext>
-              </a:extLst>
-            </p:cNvPr>
-            <p:cNvSpPr>
-              <a:spLocks noChangeShapeType="1"/>
-            </p:cNvSpPr>
-            <p:nvPr/>
-          </p:nvSpPr>
-          <p:spPr bwMode="auto">
-            <a:xfrm flipV="1">
-              <a:off x="8266113" y="4957763"/>
-              <a:ext cx="0" cy="41275"/>
-            </a:xfrm>
-            <a:prstGeom prst="line">
-              <a:avLst/>
-            </a:prstGeom>
-            <a:noFill/>
-            <a:ln w="6350" cap="flat">
-              <a:solidFill>
-                <a:srgbClr val="262626"/>
-              </a:solidFill>
-              <a:prstDash val="solid"/>
-              <a:round/>
-              <a:headEnd/>
-              <a:tailEnd/>
-            </a:ln>
-            <a:extLst>
-              <a:ext uri="{909E8E84-426E-40DD-AFC4-6F175D3DCCD1}">
-                <a14:hiddenFill xmlns:a14="http://schemas.microsoft.com/office/drawing/2010/main">
-                  <a:noFill/>
-                </a14:hiddenFill>
-              </a:ext>
-            </a:extLst>
-          </p:spPr>
-          <p:txBody>
-            <a:bodyPr vert="horz" wrap="square" lIns="91440" tIns="45720" rIns="91440" bIns="45720" numCol="1" anchor="t" anchorCtr="0" compatLnSpc="1">
-              <a:prstTxWarp prst="textNoShape">
-                <a:avLst/>
-              </a:prstTxWarp>
-            </a:bodyPr>
-            <a:lstStyle/>
-            <a:p>
-              <a:endParaRPr lang="en-US"/>
-            </a:p>
-          </p:txBody>
-        </p:sp>
-        <p:sp>
-          <p:nvSpPr>
-            <p:cNvPr id="18" name="Line 15">
-              <a:extLst>
-                <a:ext uri="{FF2B5EF4-FFF2-40B4-BE49-F238E27FC236}">
-                  <a16:creationId xmlns:a16="http://schemas.microsoft.com/office/drawing/2014/main" id="{FBBDD94A-4ADE-68AA-245E-3F70FFEF92AE}"/>
-                </a:ext>
-              </a:extLst>
-            </p:cNvPr>
-            <p:cNvSpPr>
-              <a:spLocks noChangeShapeType="1"/>
-            </p:cNvSpPr>
-            <p:nvPr/>
-          </p:nvSpPr>
-          <p:spPr bwMode="auto">
-            <a:xfrm>
-              <a:off x="4125913" y="1724025"/>
-              <a:ext cx="0" cy="42863"/>
-            </a:xfrm>
-            <a:prstGeom prst="line">
-              <a:avLst/>
-            </a:prstGeom>
-            <a:noFill/>
-            <a:ln w="6350" cap="flat">
-              <a:solidFill>
-                <a:srgbClr val="262626"/>
-              </a:solidFill>
-              <a:prstDash val="solid"/>
-              <a:round/>
-              <a:headEnd/>
-              <a:tailEnd/>
-            </a:ln>
-            <a:extLst>
-              <a:ext uri="{909E8E84-426E-40DD-AFC4-6F175D3DCCD1}">
-                <a14:hiddenFill xmlns:a14="http://schemas.microsoft.com/office/drawing/2010/main">
-                  <a:noFill/>
-                </a14:hiddenFill>
-              </a:ext>
-            </a:extLst>
-          </p:spPr>
-          <p:txBody>
-            <a:bodyPr vert="horz" wrap="square" lIns="91440" tIns="45720" rIns="91440" bIns="45720" numCol="1" anchor="t" anchorCtr="0" compatLnSpc="1">
-              <a:prstTxWarp prst="textNoShape">
-                <a:avLst/>
-              </a:prstTxWarp>
-            </a:bodyPr>
-            <a:lstStyle/>
-            <a:p>
-              <a:endParaRPr lang="en-US"/>
-            </a:p>
-          </p:txBody>
-        </p:sp>
-        <p:sp>
-          <p:nvSpPr>
-            <p:cNvPr id="19" name="Line 16">
-              <a:extLst>
-                <a:ext uri="{FF2B5EF4-FFF2-40B4-BE49-F238E27FC236}">
-                  <a16:creationId xmlns:a16="http://schemas.microsoft.com/office/drawing/2014/main" id="{836ED266-090C-C9C7-0677-D0AC1BE23FF5}"/>
-                </a:ext>
-              </a:extLst>
-            </p:cNvPr>
-            <p:cNvSpPr>
-              <a:spLocks noChangeShapeType="1"/>
-            </p:cNvSpPr>
-            <p:nvPr/>
-          </p:nvSpPr>
-          <p:spPr bwMode="auto">
-            <a:xfrm>
-              <a:off x="4816475" y="1724025"/>
-              <a:ext cx="0" cy="42863"/>
-            </a:xfrm>
-            <a:prstGeom prst="line">
-              <a:avLst/>
-            </a:prstGeom>
-            <a:noFill/>
-            <a:ln w="6350" cap="flat">
-              <a:solidFill>
-                <a:srgbClr val="262626"/>
-              </a:solidFill>
-              <a:prstDash val="solid"/>
-              <a:round/>
-              <a:headEnd/>
-              <a:tailEnd/>
-            </a:ln>
-            <a:extLst>
-              <a:ext uri="{909E8E84-426E-40DD-AFC4-6F175D3DCCD1}">
-                <a14:hiddenFill xmlns:a14="http://schemas.microsoft.com/office/drawing/2010/main">
-                  <a:noFill/>
-                </a14:hiddenFill>
-              </a:ext>
-            </a:extLst>
-          </p:spPr>
-          <p:txBody>
-            <a:bodyPr vert="horz" wrap="square" lIns="91440" tIns="45720" rIns="91440" bIns="45720" numCol="1" anchor="t" anchorCtr="0" compatLnSpc="1">
-              <a:prstTxWarp prst="textNoShape">
-                <a:avLst/>
-              </a:prstTxWarp>
-            </a:bodyPr>
-            <a:lstStyle/>
-            <a:p>
-              <a:endParaRPr lang="en-US"/>
-            </a:p>
-          </p:txBody>
-        </p:sp>
-        <p:sp>
-          <p:nvSpPr>
-            <p:cNvPr id="20" name="Line 17">
-              <a:extLst>
-                <a:ext uri="{FF2B5EF4-FFF2-40B4-BE49-F238E27FC236}">
-                  <a16:creationId xmlns:a16="http://schemas.microsoft.com/office/drawing/2014/main" id="{8B044279-786B-5452-3AD7-5BABFB8A32DD}"/>
-                </a:ext>
-              </a:extLst>
-            </p:cNvPr>
-            <p:cNvSpPr>
-              <a:spLocks noChangeShapeType="1"/>
-            </p:cNvSpPr>
-            <p:nvPr/>
-          </p:nvSpPr>
-          <p:spPr bwMode="auto">
-            <a:xfrm>
-              <a:off x="5505450" y="1724025"/>
-              <a:ext cx="0" cy="42863"/>
-            </a:xfrm>
-            <a:prstGeom prst="line">
-              <a:avLst/>
-            </a:prstGeom>
-            <a:noFill/>
-            <a:ln w="6350" cap="flat">
-              <a:solidFill>
-                <a:srgbClr val="262626"/>
-              </a:solidFill>
-              <a:prstDash val="solid"/>
-              <a:round/>
-              <a:headEnd/>
-              <a:tailEnd/>
-            </a:ln>
-            <a:extLst>
-              <a:ext uri="{909E8E84-426E-40DD-AFC4-6F175D3DCCD1}">
-                <a14:hiddenFill xmlns:a14="http://schemas.microsoft.com/office/drawing/2010/main">
-                  <a:noFill/>
-                </a14:hiddenFill>
-              </a:ext>
-            </a:extLst>
-          </p:spPr>
-          <p:txBody>
-            <a:bodyPr vert="horz" wrap="square" lIns="91440" tIns="45720" rIns="91440" bIns="45720" numCol="1" anchor="t" anchorCtr="0" compatLnSpc="1">
-              <a:prstTxWarp prst="textNoShape">
-                <a:avLst/>
-              </a:prstTxWarp>
-            </a:bodyPr>
-            <a:lstStyle/>
-            <a:p>
-              <a:endParaRPr lang="en-US"/>
-            </a:p>
-          </p:txBody>
-        </p:sp>
-        <p:sp>
-          <p:nvSpPr>
-            <p:cNvPr id="21" name="Line 18">
-              <a:extLst>
-                <a:ext uri="{FF2B5EF4-FFF2-40B4-BE49-F238E27FC236}">
-                  <a16:creationId xmlns:a16="http://schemas.microsoft.com/office/drawing/2014/main" id="{4E58DC30-E9DB-24FF-CE18-C14550E6BBBF}"/>
-                </a:ext>
-              </a:extLst>
-            </p:cNvPr>
-            <p:cNvSpPr>
-              <a:spLocks noChangeShapeType="1"/>
-            </p:cNvSpPr>
-            <p:nvPr/>
-          </p:nvSpPr>
-          <p:spPr bwMode="auto">
-            <a:xfrm>
-              <a:off x="6196013" y="1724025"/>
-              <a:ext cx="0" cy="42863"/>
-            </a:xfrm>
-            <a:prstGeom prst="line">
-              <a:avLst/>
-            </a:prstGeom>
-            <a:noFill/>
-            <a:ln w="6350" cap="flat">
-              <a:solidFill>
-                <a:srgbClr val="262626"/>
-              </a:solidFill>
-              <a:prstDash val="solid"/>
-              <a:round/>
-              <a:headEnd/>
-              <a:tailEnd/>
-            </a:ln>
-            <a:extLst>
-              <a:ext uri="{909E8E84-426E-40DD-AFC4-6F175D3DCCD1}">
-                <a14:hiddenFill xmlns:a14="http://schemas.microsoft.com/office/drawing/2010/main">
-                  <a:noFill/>
-                </a14:hiddenFill>
-              </a:ext>
-            </a:extLst>
-          </p:spPr>
-          <p:txBody>
-            <a:bodyPr vert="horz" wrap="square" lIns="91440" tIns="45720" rIns="91440" bIns="45720" numCol="1" anchor="t" anchorCtr="0" compatLnSpc="1">
-              <a:prstTxWarp prst="textNoShape">
-                <a:avLst/>
-              </a:prstTxWarp>
-            </a:bodyPr>
-            <a:lstStyle/>
-            <a:p>
-              <a:endParaRPr lang="en-US"/>
-            </a:p>
-          </p:txBody>
-        </p:sp>
-        <p:sp>
-          <p:nvSpPr>
-            <p:cNvPr id="22" name="Line 19">
-              <a:extLst>
-                <a:ext uri="{FF2B5EF4-FFF2-40B4-BE49-F238E27FC236}">
-                  <a16:creationId xmlns:a16="http://schemas.microsoft.com/office/drawing/2014/main" id="{A876CD6C-859A-DBA3-0021-CCA8F360A56E}"/>
-                </a:ext>
-              </a:extLst>
-            </p:cNvPr>
-            <p:cNvSpPr>
-              <a:spLocks noChangeShapeType="1"/>
-            </p:cNvSpPr>
-            <p:nvPr/>
-          </p:nvSpPr>
-          <p:spPr bwMode="auto">
-            <a:xfrm>
-              <a:off x="6886575" y="1724025"/>
-              <a:ext cx="0" cy="42863"/>
-            </a:xfrm>
-            <a:prstGeom prst="line">
-              <a:avLst/>
-            </a:prstGeom>
-            <a:noFill/>
-            <a:ln w="6350" cap="flat">
-              <a:solidFill>
-                <a:srgbClr val="262626"/>
-              </a:solidFill>
-              <a:prstDash val="solid"/>
-              <a:round/>
-              <a:headEnd/>
-              <a:tailEnd/>
-            </a:ln>
-            <a:extLst>
-              <a:ext uri="{909E8E84-426E-40DD-AFC4-6F175D3DCCD1}">
-                <a14:hiddenFill xmlns:a14="http://schemas.microsoft.com/office/drawing/2010/main">
-                  <a:noFill/>
-                </a14:hiddenFill>
-              </a:ext>
-            </a:extLst>
-          </p:spPr>
-          <p:txBody>
-            <a:bodyPr vert="horz" wrap="square" lIns="91440" tIns="45720" rIns="91440" bIns="45720" numCol="1" anchor="t" anchorCtr="0" compatLnSpc="1">
-              <a:prstTxWarp prst="textNoShape">
-                <a:avLst/>
-              </a:prstTxWarp>
-            </a:bodyPr>
-            <a:lstStyle/>
-            <a:p>
-              <a:endParaRPr lang="en-US"/>
-            </a:p>
-          </p:txBody>
-        </p:sp>
-        <p:sp>
-          <p:nvSpPr>
-            <p:cNvPr id="23" name="Line 20">
-              <a:extLst>
-                <a:ext uri="{FF2B5EF4-FFF2-40B4-BE49-F238E27FC236}">
-                  <a16:creationId xmlns:a16="http://schemas.microsoft.com/office/drawing/2014/main" id="{9B714F1B-1AB8-5B94-89C7-4B7DF25D63C2}"/>
-                </a:ext>
-              </a:extLst>
-            </p:cNvPr>
-            <p:cNvSpPr>
-              <a:spLocks noChangeShapeType="1"/>
-            </p:cNvSpPr>
-            <p:nvPr/>
-          </p:nvSpPr>
-          <p:spPr bwMode="auto">
-            <a:xfrm>
-              <a:off x="7577138" y="1724025"/>
-              <a:ext cx="0" cy="42863"/>
-            </a:xfrm>
-            <a:prstGeom prst="line">
-              <a:avLst/>
-            </a:prstGeom>
-            <a:noFill/>
-            <a:ln w="6350" cap="flat">
-              <a:solidFill>
-                <a:srgbClr val="262626"/>
-              </a:solidFill>
-              <a:prstDash val="solid"/>
-              <a:round/>
-              <a:headEnd/>
-              <a:tailEnd/>
-            </a:ln>
-            <a:extLst>
-              <a:ext uri="{909E8E84-426E-40DD-AFC4-6F175D3DCCD1}">
-                <a14:hiddenFill xmlns:a14="http://schemas.microsoft.com/office/drawing/2010/main">
-                  <a:noFill/>
-                </a14:hiddenFill>
-              </a:ext>
-            </a:extLst>
-          </p:spPr>
-          <p:txBody>
-            <a:bodyPr vert="horz" wrap="square" lIns="91440" tIns="45720" rIns="91440" bIns="45720" numCol="1" anchor="t" anchorCtr="0" compatLnSpc="1">
-              <a:prstTxWarp prst="textNoShape">
-                <a:avLst/>
-              </a:prstTxWarp>
-            </a:bodyPr>
-            <a:lstStyle/>
-            <a:p>
-              <a:endParaRPr lang="en-US"/>
-            </a:p>
-          </p:txBody>
-        </p:sp>
-        <p:sp>
-          <p:nvSpPr>
-            <p:cNvPr id="24" name="Line 21">
-              <a:extLst>
-                <a:ext uri="{FF2B5EF4-FFF2-40B4-BE49-F238E27FC236}">
-                  <a16:creationId xmlns:a16="http://schemas.microsoft.com/office/drawing/2014/main" id="{2050AF94-1DE9-5D81-8123-654DF6F802B3}"/>
-                </a:ext>
-              </a:extLst>
-            </p:cNvPr>
-            <p:cNvSpPr>
-              <a:spLocks noChangeShapeType="1"/>
-            </p:cNvSpPr>
-            <p:nvPr/>
-          </p:nvSpPr>
-          <p:spPr bwMode="auto">
-            <a:xfrm>
-              <a:off x="8266113" y="1724025"/>
-              <a:ext cx="0" cy="42863"/>
-            </a:xfrm>
-            <a:prstGeom prst="line">
-              <a:avLst/>
-            </a:prstGeom>
-            <a:noFill/>
-            <a:ln w="6350" cap="flat">
-              <a:solidFill>
-                <a:srgbClr val="262626"/>
-              </a:solidFill>
-              <a:prstDash val="solid"/>
-              <a:round/>
-              <a:headEnd/>
-              <a:tailEnd/>
-            </a:ln>
-            <a:extLst>
-              <a:ext uri="{909E8E84-426E-40DD-AFC4-6F175D3DCCD1}">
-                <a14:hiddenFill xmlns:a14="http://schemas.microsoft.com/office/drawing/2010/main">
-                  <a:noFill/>
-                </a14:hiddenFill>
-              </a:ext>
-            </a:extLst>
-          </p:spPr>
-          <p:txBody>
-            <a:bodyPr vert="horz" wrap="square" lIns="91440" tIns="45720" rIns="91440" bIns="45720" numCol="1" anchor="t" anchorCtr="0" compatLnSpc="1">
-              <a:prstTxWarp prst="textNoShape">
-                <a:avLst/>
-              </a:prstTxWarp>
-            </a:bodyPr>
-            <a:lstStyle/>
-            <a:p>
-              <a:endParaRPr lang="en-US"/>
-            </a:p>
-          </p:txBody>
-        </p:sp>
-        <p:sp>
-          <p:nvSpPr>
-            <p:cNvPr id="25" name="Rectangle 22">
-              <a:extLst>
-                <a:ext uri="{FF2B5EF4-FFF2-40B4-BE49-F238E27FC236}">
-                  <a16:creationId xmlns:a16="http://schemas.microsoft.com/office/drawing/2014/main" id="{A41D3A50-0B7A-570A-E28D-E62D6E3C55ED}"/>
-                </a:ext>
-              </a:extLst>
-            </p:cNvPr>
-            <p:cNvSpPr>
-              <a:spLocks noChangeArrowheads="1"/>
-            </p:cNvSpPr>
-            <p:nvPr/>
-          </p:nvSpPr>
-          <p:spPr bwMode="auto">
-            <a:xfrm>
-              <a:off x="4087813" y="5067300"/>
-              <a:ext cx="123825" cy="152400"/>
-            </a:xfrm>
-            <a:prstGeom prst="rect">
-              <a:avLst/>
-            </a:prstGeom>
-            <a:noFill/>
-            <a:ln>
-              <a:noFill/>
-            </a:ln>
-            <a:extLst>
-              <a:ext uri="{909E8E84-426E-40DD-AFC4-6F175D3DCCD1}">
-                <a14:hiddenFill xmlns:a14="http://schemas.microsoft.com/office/drawing/2010/main">
-                  <a:solidFill>
-                    <a:srgbClr val="FFFFFF"/>
-                  </a:solidFill>
-                </a14:hiddenFill>
-              </a:ext>
-              <a:ext uri="{91240B29-F687-4F45-9708-019B960494DF}">
-                <a14:hiddenLine xmlns:a14="http://schemas.microsoft.com/office/drawing/2010/main" w="9525">
-                  <a:solidFill>
-                    <a:srgbClr val="000000"/>
-                  </a:solidFill>
-                  <a:miter lim="800000"/>
-                  <a:headEnd/>
-                  <a:tailEnd/>
-                </a14:hiddenLine>
-              </a:ext>
-            </a:extLst>
-          </p:spPr>
-          <p:txBody>
-            <a:bodyPr vert="horz" wrap="none" lIns="0" tIns="0" rIns="0" bIns="0" numCol="1" anchor="t" anchorCtr="0" compatLnSpc="1">
-              <a:prstTxWarp prst="textNoShape">
-                <a:avLst/>
-              </a:prstTxWarp>
-              <a:spAutoFit/>
-            </a:bodyPr>
-            <a:lstStyle>
-              <a:lvl1pPr eaLnBrk="0" fontAlgn="base" hangingPunct="0">
-                <a:spcBef>
-                  <a:spcPct val="0"/>
-                </a:spcBef>
-                <a:spcAft>
-                  <a:spcPct val="0"/>
-                </a:spcAft>
-                <a:defRPr>
-                  <a:solidFill>
-                    <a:schemeClr val="tx1"/>
-                  </a:solidFill>
-                  <a:latin typeface="Arial" panose="020B0604020202020204" pitchFamily="34" charset="0"/>
-                </a:defRPr>
-              </a:lvl1pPr>
-              <a:lvl2pPr eaLnBrk="0" fontAlgn="base" hangingPunct="0">
-                <a:spcBef>
-                  <a:spcPct val="0"/>
-                </a:spcBef>
-                <a:spcAft>
-                  <a:spcPct val="0"/>
-                </a:spcAft>
-                <a:defRPr>
-                  <a:solidFill>
-                    <a:schemeClr val="tx1"/>
-                  </a:solidFill>
-                  <a:latin typeface="Arial" panose="020B0604020202020204" pitchFamily="34" charset="0"/>
-                </a:defRPr>
-              </a:lvl2pPr>
-              <a:lvl3pPr eaLnBrk="0" fontAlgn="base" hangingPunct="0">
-                <a:spcBef>
-                  <a:spcPct val="0"/>
-                </a:spcBef>
-                <a:spcAft>
-                  <a:spcPct val="0"/>
-                </a:spcAft>
-                <a:defRPr>
-                  <a:solidFill>
-                    <a:schemeClr val="tx1"/>
-                  </a:solidFill>
-                  <a:latin typeface="Arial" panose="020B0604020202020204" pitchFamily="34" charset="0"/>
-                </a:defRPr>
-              </a:lvl3pPr>
-              <a:lvl4pPr eaLnBrk="0" fontAlgn="base" hangingPunct="0">
-                <a:spcBef>
-                  <a:spcPct val="0"/>
-                </a:spcBef>
-                <a:spcAft>
-                  <a:spcPct val="0"/>
-                </a:spcAft>
-                <a:defRPr>
-                  <a:solidFill>
-                    <a:schemeClr val="tx1"/>
-                  </a:solidFill>
-                  <a:latin typeface="Arial" panose="020B0604020202020204" pitchFamily="34" charset="0"/>
-                </a:defRPr>
-              </a:lvl4pPr>
-              <a:lvl5pPr eaLnBrk="0" fontAlgn="base" hangingPunct="0">
-                <a:spcBef>
-                  <a:spcPct val="0"/>
-                </a:spcBef>
-                <a:spcAft>
-                  <a:spcPct val="0"/>
-                </a:spcAft>
-                <a:defRPr>
-                  <a:solidFill>
-                    <a:schemeClr val="tx1"/>
-                  </a:solidFill>
-                  <a:latin typeface="Arial" panose="020B0604020202020204" pitchFamily="34" charset="0"/>
-                </a:defRPr>
-              </a:lvl5pPr>
-              <a:lvl6pPr eaLnBrk="0" fontAlgn="base" hangingPunct="0">
-                <a:spcBef>
-                  <a:spcPct val="0"/>
-                </a:spcBef>
-                <a:spcAft>
-                  <a:spcPct val="0"/>
-                </a:spcAft>
-                <a:defRPr>
-                  <a:solidFill>
-                    <a:schemeClr val="tx1"/>
-                  </a:solidFill>
-                  <a:latin typeface="Arial" panose="020B0604020202020204" pitchFamily="34" charset="0"/>
-                </a:defRPr>
-              </a:lvl6pPr>
-              <a:lvl7pPr eaLnBrk="0" fontAlgn="base" hangingPunct="0">
-                <a:spcBef>
-                  <a:spcPct val="0"/>
-                </a:spcBef>
-                <a:spcAft>
-                  <a:spcPct val="0"/>
-                </a:spcAft>
-                <a:defRPr>
-                  <a:solidFill>
-                    <a:schemeClr val="tx1"/>
-                  </a:solidFill>
-                  <a:latin typeface="Arial" panose="020B0604020202020204" pitchFamily="34" charset="0"/>
-                </a:defRPr>
-              </a:lvl7pPr>
-              <a:lvl8pPr eaLnBrk="0" fontAlgn="base" hangingPunct="0">
-                <a:spcBef>
-                  <a:spcPct val="0"/>
-                </a:spcBef>
-                <a:spcAft>
-                  <a:spcPct val="0"/>
-                </a:spcAft>
-                <a:defRPr>
-                  <a:solidFill>
-                    <a:schemeClr val="tx1"/>
-                  </a:solidFill>
-                  <a:latin typeface="Arial" panose="020B0604020202020204" pitchFamily="34" charset="0"/>
-                </a:defRPr>
-              </a:lvl8pPr>
-              <a:lvl9pPr eaLnBrk="0" fontAlgn="base" hangingPunct="0">
-                <a:spcBef>
-                  <a:spcPct val="0"/>
-                </a:spcBef>
-                <a:spcAft>
-                  <a:spcPct val="0"/>
-                </a:spcAft>
-                <a:defRPr>
-                  <a:solidFill>
-                    <a:schemeClr val="tx1"/>
-                  </a:solidFill>
-                  <a:latin typeface="Arial" panose="020B0604020202020204" pitchFamily="34" charset="0"/>
-                </a:defRPr>
-              </a:lvl9pPr>
-            </a:lstStyle>
-            <a:p>
-              <a:pPr marL="0" marR="0" lvl="0" indent="0" algn="l" defTabSz="914400" rtl="0" eaLnBrk="0" fontAlgn="base" latinLnBrk="0" hangingPunct="0">
-                <a:lnSpc>
-                  <a:spcPct val="100000"/>
-                </a:lnSpc>
-                <a:spcBef>
-                  <a:spcPct val="0"/>
-                </a:spcBef>
-                <a:spcAft>
-                  <a:spcPct val="0"/>
-                </a:spcAft>
-                <a:buClrTx/>
-                <a:buSzTx/>
-                <a:buFontTx/>
-                <a:buNone/>
-                <a:tabLst/>
-              </a:pPr>
-              <a:r>
-                <a:rPr kumimoji="0" lang="en-US" altLang="en-US" sz="1000" b="0" i="0" u="none" strike="noStrike" cap="none" normalizeH="0" baseline="0">
-                  <a:ln>
-                    <a:noFill/>
-                  </a:ln>
-                  <a:solidFill>
-                    <a:srgbClr val="262626"/>
-                  </a:solidFill>
-                  <a:effectLst/>
-                  <a:latin typeface="Arial" panose="020B0604020202020204" pitchFamily="34" charset="0"/>
-                </a:rPr>
-                <a:t>0</a:t>
-              </a:r>
-              <a:endParaRPr kumimoji="0" lang="en-US" altLang="en-US" sz="1800" b="0" i="0" u="none" strike="noStrike" cap="none" normalizeH="0" baseline="0">
-                <a:ln>
-                  <a:noFill/>
-                </a:ln>
+          </p:cNvPr>
+          <p:cNvSpPr txBox="1"/>
+          <p:nvPr/>
+        </p:nvSpPr>
+        <p:spPr>
+          <a:xfrm>
+            <a:off x="6355212" y="2435536"/>
+            <a:ext cx="2800510" cy="646331"/>
+          </a:xfrm>
+          <a:prstGeom prst="rect">
+            <a:avLst/>
+          </a:prstGeom>
+          <a:solidFill>
+            <a:schemeClr val="bg1"/>
+          </a:solidFill>
+          <a:ln>
+            <a:solidFill>
+              <a:schemeClr val="tx1"/>
+            </a:solidFill>
+          </a:ln>
+        </p:spPr>
+        <p:txBody>
+          <a:bodyPr wrap="none" rtlCol="0">
+            <a:spAutoFit/>
+          </a:bodyPr>
+          <a:lstStyle/>
+          <a:p>
+            <a:pPr algn="ctr"/>
+            <a:r>
+              <a:rPr lang="en-US" dirty="0">
                 <a:solidFill>
-                  <a:schemeClr val="tx1"/>
+                  <a:srgbClr val="FF0000"/>
                 </a:solidFill>
-                <a:effectLst/>
-                <a:latin typeface="Arial" panose="020B0604020202020204" pitchFamily="34" charset="0"/>
-              </a:endParaRPr>
-            </a:p>
-          </p:txBody>
-        </p:sp>
-        <p:sp>
-          <p:nvSpPr>
-            <p:cNvPr id="26" name="Rectangle 23">
-              <a:extLst>
-                <a:ext uri="{FF2B5EF4-FFF2-40B4-BE49-F238E27FC236}">
-                  <a16:creationId xmlns:a16="http://schemas.microsoft.com/office/drawing/2014/main" id="{8C00BA83-F9F2-4F5B-923F-6CDEBAEEB969}"/>
-                </a:ext>
-              </a:extLst>
-            </p:cNvPr>
-            <p:cNvSpPr>
-              <a:spLocks noChangeArrowheads="1"/>
-            </p:cNvSpPr>
-            <p:nvPr/>
-          </p:nvSpPr>
-          <p:spPr bwMode="auto">
-            <a:xfrm>
-              <a:off x="4687888" y="5067300"/>
-              <a:ext cx="295275" cy="152400"/>
-            </a:xfrm>
-            <a:prstGeom prst="rect">
-              <a:avLst/>
-            </a:prstGeom>
-            <a:noFill/>
-            <a:ln>
-              <a:noFill/>
-            </a:ln>
-            <a:extLst>
-              <a:ext uri="{909E8E84-426E-40DD-AFC4-6F175D3DCCD1}">
-                <a14:hiddenFill xmlns:a14="http://schemas.microsoft.com/office/drawing/2010/main">
-                  <a:solidFill>
-                    <a:srgbClr val="FFFFFF"/>
-                  </a:solidFill>
-                </a14:hiddenFill>
-              </a:ext>
-              <a:ext uri="{91240B29-F687-4F45-9708-019B960494DF}">
-                <a14:hiddenLine xmlns:a14="http://schemas.microsoft.com/office/drawing/2010/main" w="9525">
-                  <a:solidFill>
-                    <a:srgbClr val="000000"/>
-                  </a:solidFill>
-                  <a:miter lim="800000"/>
-                  <a:headEnd/>
-                  <a:tailEnd/>
-                </a14:hiddenLine>
-              </a:ext>
-            </a:extLst>
-          </p:spPr>
-          <p:txBody>
-            <a:bodyPr vert="horz" wrap="none" lIns="0" tIns="0" rIns="0" bIns="0" numCol="1" anchor="t" anchorCtr="0" compatLnSpc="1">
-              <a:prstTxWarp prst="textNoShape">
-                <a:avLst/>
-              </a:prstTxWarp>
-              <a:spAutoFit/>
-            </a:bodyPr>
-            <a:lstStyle>
-              <a:lvl1pPr eaLnBrk="0" fontAlgn="base" hangingPunct="0">
-                <a:spcBef>
-                  <a:spcPct val="0"/>
-                </a:spcBef>
-                <a:spcAft>
-                  <a:spcPct val="0"/>
-                </a:spcAft>
-                <a:defRPr>
-                  <a:solidFill>
-                    <a:schemeClr val="tx1"/>
-                  </a:solidFill>
-                  <a:latin typeface="Arial" panose="020B0604020202020204" pitchFamily="34" charset="0"/>
-                </a:defRPr>
-              </a:lvl1pPr>
-              <a:lvl2pPr eaLnBrk="0" fontAlgn="base" hangingPunct="0">
-                <a:spcBef>
-                  <a:spcPct val="0"/>
-                </a:spcBef>
-                <a:spcAft>
-                  <a:spcPct val="0"/>
-                </a:spcAft>
-                <a:defRPr>
-                  <a:solidFill>
-                    <a:schemeClr val="tx1"/>
-                  </a:solidFill>
-                  <a:latin typeface="Arial" panose="020B0604020202020204" pitchFamily="34" charset="0"/>
-                </a:defRPr>
-              </a:lvl2pPr>
-              <a:lvl3pPr eaLnBrk="0" fontAlgn="base" hangingPunct="0">
-                <a:spcBef>
-                  <a:spcPct val="0"/>
-                </a:spcBef>
-                <a:spcAft>
-                  <a:spcPct val="0"/>
-                </a:spcAft>
-                <a:defRPr>
-                  <a:solidFill>
-                    <a:schemeClr val="tx1"/>
-                  </a:solidFill>
-                  <a:latin typeface="Arial" panose="020B0604020202020204" pitchFamily="34" charset="0"/>
-                </a:defRPr>
-              </a:lvl3pPr>
-              <a:lvl4pPr eaLnBrk="0" fontAlgn="base" hangingPunct="0">
-                <a:spcBef>
-                  <a:spcPct val="0"/>
-                </a:spcBef>
-                <a:spcAft>
-                  <a:spcPct val="0"/>
-                </a:spcAft>
-                <a:defRPr>
-                  <a:solidFill>
-                    <a:schemeClr val="tx1"/>
-                  </a:solidFill>
-                  <a:latin typeface="Arial" panose="020B0604020202020204" pitchFamily="34" charset="0"/>
-                </a:defRPr>
-              </a:lvl4pPr>
-              <a:lvl5pPr eaLnBrk="0" fontAlgn="base" hangingPunct="0">
-                <a:spcBef>
-                  <a:spcPct val="0"/>
-                </a:spcBef>
-                <a:spcAft>
-                  <a:spcPct val="0"/>
-                </a:spcAft>
-                <a:defRPr>
-                  <a:solidFill>
-                    <a:schemeClr val="tx1"/>
-                  </a:solidFill>
-                  <a:latin typeface="Arial" panose="020B0604020202020204" pitchFamily="34" charset="0"/>
-                </a:defRPr>
-              </a:lvl5pPr>
-              <a:lvl6pPr eaLnBrk="0" fontAlgn="base" hangingPunct="0">
-                <a:spcBef>
-                  <a:spcPct val="0"/>
-                </a:spcBef>
-                <a:spcAft>
-                  <a:spcPct val="0"/>
-                </a:spcAft>
-                <a:defRPr>
-                  <a:solidFill>
-                    <a:schemeClr val="tx1"/>
-                  </a:solidFill>
-                  <a:latin typeface="Arial" panose="020B0604020202020204" pitchFamily="34" charset="0"/>
-                </a:defRPr>
-              </a:lvl6pPr>
-              <a:lvl7pPr eaLnBrk="0" fontAlgn="base" hangingPunct="0">
-                <a:spcBef>
-                  <a:spcPct val="0"/>
-                </a:spcBef>
-                <a:spcAft>
-                  <a:spcPct val="0"/>
-                </a:spcAft>
-                <a:defRPr>
-                  <a:solidFill>
-                    <a:schemeClr val="tx1"/>
-                  </a:solidFill>
-                  <a:latin typeface="Arial" panose="020B0604020202020204" pitchFamily="34" charset="0"/>
-                </a:defRPr>
-              </a:lvl7pPr>
-              <a:lvl8pPr eaLnBrk="0" fontAlgn="base" hangingPunct="0">
-                <a:spcBef>
-                  <a:spcPct val="0"/>
-                </a:spcBef>
-                <a:spcAft>
-                  <a:spcPct val="0"/>
-                </a:spcAft>
-                <a:defRPr>
-                  <a:solidFill>
-                    <a:schemeClr val="tx1"/>
-                  </a:solidFill>
-                  <a:latin typeface="Arial" panose="020B0604020202020204" pitchFamily="34" charset="0"/>
-                </a:defRPr>
-              </a:lvl8pPr>
-              <a:lvl9pPr eaLnBrk="0" fontAlgn="base" hangingPunct="0">
-                <a:spcBef>
-                  <a:spcPct val="0"/>
-                </a:spcBef>
-                <a:spcAft>
-                  <a:spcPct val="0"/>
-                </a:spcAft>
-                <a:defRPr>
-                  <a:solidFill>
-                    <a:schemeClr val="tx1"/>
-                  </a:solidFill>
-                  <a:latin typeface="Arial" panose="020B0604020202020204" pitchFamily="34" charset="0"/>
-                </a:defRPr>
-              </a:lvl9pPr>
-            </a:lstStyle>
-            <a:p>
-              <a:pPr marL="0" marR="0" lvl="0" indent="0" algn="l" defTabSz="914400" rtl="0" eaLnBrk="0" fontAlgn="base" latinLnBrk="0" hangingPunct="0">
-                <a:lnSpc>
-                  <a:spcPct val="100000"/>
-                </a:lnSpc>
-                <a:spcBef>
-                  <a:spcPct val="0"/>
-                </a:spcBef>
-                <a:spcAft>
-                  <a:spcPct val="0"/>
-                </a:spcAft>
-                <a:buClrTx/>
-                <a:buSzTx/>
-                <a:buFontTx/>
-                <a:buNone/>
-                <a:tabLst/>
-              </a:pPr>
-              <a:r>
-                <a:rPr kumimoji="0" lang="en-US" altLang="en-US" sz="1000" b="0" i="0" u="none" strike="noStrike" cap="none" normalizeH="0" baseline="0">
-                  <a:ln>
-                    <a:noFill/>
-                  </a:ln>
-                  <a:solidFill>
-                    <a:srgbClr val="262626"/>
-                  </a:solidFill>
-                  <a:effectLst/>
-                  <a:latin typeface="Arial" panose="020B0604020202020204" pitchFamily="34" charset="0"/>
-                </a:rPr>
-                <a:t>0.05</a:t>
-              </a:r>
-              <a:endParaRPr kumimoji="0" lang="en-US" altLang="en-US" sz="1800" b="0" i="0" u="none" strike="noStrike" cap="none" normalizeH="0" baseline="0">
-                <a:ln>
-                  <a:noFill/>
-                </a:ln>
+                <a:effectLst>
+                  <a:glow rad="101600">
+                    <a:schemeClr val="accent3">
+                      <a:satMod val="175000"/>
+                      <a:alpha val="40000"/>
+                    </a:schemeClr>
+                  </a:glow>
+                </a:effectLst>
+              </a:rPr>
+              <a:t>How to change “LineWidth”</a:t>
+            </a:r>
+          </a:p>
+          <a:p>
+            <a:pPr algn="ctr"/>
+            <a:r>
+              <a:rPr lang="en-US" dirty="0">
                 <a:solidFill>
-                  <a:schemeClr val="tx1"/>
+                  <a:srgbClr val="FF0000"/>
                 </a:solidFill>
-                <a:effectLst/>
-                <a:latin typeface="Arial" panose="020B0604020202020204" pitchFamily="34" charset="0"/>
-              </a:endParaRPr>
-            </a:p>
-          </p:txBody>
-        </p:sp>
-        <p:sp>
-          <p:nvSpPr>
-            <p:cNvPr id="27" name="Rectangle 24">
-              <a:extLst>
-                <a:ext uri="{FF2B5EF4-FFF2-40B4-BE49-F238E27FC236}">
-                  <a16:creationId xmlns:a16="http://schemas.microsoft.com/office/drawing/2014/main" id="{9F83173C-FD6D-54EF-56AA-26313C12F511}"/>
-                </a:ext>
-              </a:extLst>
-            </p:cNvPr>
-            <p:cNvSpPr>
-              <a:spLocks noChangeArrowheads="1"/>
-            </p:cNvSpPr>
-            <p:nvPr/>
-          </p:nvSpPr>
-          <p:spPr bwMode="auto">
-            <a:xfrm>
-              <a:off x="5422900" y="5067300"/>
-              <a:ext cx="228600" cy="152400"/>
-            </a:xfrm>
-            <a:prstGeom prst="rect">
-              <a:avLst/>
-            </a:prstGeom>
-            <a:noFill/>
-            <a:ln>
-              <a:noFill/>
-            </a:ln>
-            <a:extLst>
-              <a:ext uri="{909E8E84-426E-40DD-AFC4-6F175D3DCCD1}">
-                <a14:hiddenFill xmlns:a14="http://schemas.microsoft.com/office/drawing/2010/main">
-                  <a:solidFill>
-                    <a:srgbClr val="FFFFFF"/>
-                  </a:solidFill>
-                </a14:hiddenFill>
-              </a:ext>
-              <a:ext uri="{91240B29-F687-4F45-9708-019B960494DF}">
-                <a14:hiddenLine xmlns:a14="http://schemas.microsoft.com/office/drawing/2010/main" w="9525">
-                  <a:solidFill>
-                    <a:srgbClr val="000000"/>
-                  </a:solidFill>
-                  <a:miter lim="800000"/>
-                  <a:headEnd/>
-                  <a:tailEnd/>
-                </a14:hiddenLine>
-              </a:ext>
-            </a:extLst>
-          </p:spPr>
-          <p:txBody>
-            <a:bodyPr vert="horz" wrap="none" lIns="0" tIns="0" rIns="0" bIns="0" numCol="1" anchor="t" anchorCtr="0" compatLnSpc="1">
-              <a:prstTxWarp prst="textNoShape">
-                <a:avLst/>
-              </a:prstTxWarp>
-              <a:spAutoFit/>
-            </a:bodyPr>
-            <a:lstStyle>
-              <a:lvl1pPr eaLnBrk="0" fontAlgn="base" hangingPunct="0">
-                <a:spcBef>
-                  <a:spcPct val="0"/>
-                </a:spcBef>
-                <a:spcAft>
-                  <a:spcPct val="0"/>
-                </a:spcAft>
-                <a:defRPr>
-                  <a:solidFill>
-                    <a:schemeClr val="tx1"/>
-                  </a:solidFill>
-                  <a:latin typeface="Arial" panose="020B0604020202020204" pitchFamily="34" charset="0"/>
-                </a:defRPr>
-              </a:lvl1pPr>
-              <a:lvl2pPr eaLnBrk="0" fontAlgn="base" hangingPunct="0">
-                <a:spcBef>
-                  <a:spcPct val="0"/>
-                </a:spcBef>
-                <a:spcAft>
-                  <a:spcPct val="0"/>
-                </a:spcAft>
-                <a:defRPr>
-                  <a:solidFill>
-                    <a:schemeClr val="tx1"/>
-                  </a:solidFill>
-                  <a:latin typeface="Arial" panose="020B0604020202020204" pitchFamily="34" charset="0"/>
-                </a:defRPr>
-              </a:lvl2pPr>
-              <a:lvl3pPr eaLnBrk="0" fontAlgn="base" hangingPunct="0">
-                <a:spcBef>
-                  <a:spcPct val="0"/>
-                </a:spcBef>
-                <a:spcAft>
-                  <a:spcPct val="0"/>
-                </a:spcAft>
-                <a:defRPr>
-                  <a:solidFill>
-                    <a:schemeClr val="tx1"/>
-                  </a:solidFill>
-                  <a:latin typeface="Arial" panose="020B0604020202020204" pitchFamily="34" charset="0"/>
-                </a:defRPr>
-              </a:lvl3pPr>
-              <a:lvl4pPr eaLnBrk="0" fontAlgn="base" hangingPunct="0">
-                <a:spcBef>
-                  <a:spcPct val="0"/>
-                </a:spcBef>
-                <a:spcAft>
-                  <a:spcPct val="0"/>
-                </a:spcAft>
-                <a:defRPr>
-                  <a:solidFill>
-                    <a:schemeClr val="tx1"/>
-                  </a:solidFill>
-                  <a:latin typeface="Arial" panose="020B0604020202020204" pitchFamily="34" charset="0"/>
-                </a:defRPr>
-              </a:lvl4pPr>
-              <a:lvl5pPr eaLnBrk="0" fontAlgn="base" hangingPunct="0">
-                <a:spcBef>
-                  <a:spcPct val="0"/>
-                </a:spcBef>
-                <a:spcAft>
-                  <a:spcPct val="0"/>
-                </a:spcAft>
-                <a:defRPr>
-                  <a:solidFill>
-                    <a:schemeClr val="tx1"/>
-                  </a:solidFill>
-                  <a:latin typeface="Arial" panose="020B0604020202020204" pitchFamily="34" charset="0"/>
-                </a:defRPr>
-              </a:lvl5pPr>
-              <a:lvl6pPr eaLnBrk="0" fontAlgn="base" hangingPunct="0">
-                <a:spcBef>
-                  <a:spcPct val="0"/>
-                </a:spcBef>
-                <a:spcAft>
-                  <a:spcPct val="0"/>
-                </a:spcAft>
-                <a:defRPr>
-                  <a:solidFill>
-                    <a:schemeClr val="tx1"/>
-                  </a:solidFill>
-                  <a:latin typeface="Arial" panose="020B0604020202020204" pitchFamily="34" charset="0"/>
-                </a:defRPr>
-              </a:lvl6pPr>
-              <a:lvl7pPr eaLnBrk="0" fontAlgn="base" hangingPunct="0">
-                <a:spcBef>
-                  <a:spcPct val="0"/>
-                </a:spcBef>
-                <a:spcAft>
-                  <a:spcPct val="0"/>
-                </a:spcAft>
-                <a:defRPr>
-                  <a:solidFill>
-                    <a:schemeClr val="tx1"/>
-                  </a:solidFill>
-                  <a:latin typeface="Arial" panose="020B0604020202020204" pitchFamily="34" charset="0"/>
-                </a:defRPr>
-              </a:lvl7pPr>
-              <a:lvl8pPr eaLnBrk="0" fontAlgn="base" hangingPunct="0">
-                <a:spcBef>
-                  <a:spcPct val="0"/>
-                </a:spcBef>
-                <a:spcAft>
-                  <a:spcPct val="0"/>
-                </a:spcAft>
-                <a:defRPr>
-                  <a:solidFill>
-                    <a:schemeClr val="tx1"/>
-                  </a:solidFill>
-                  <a:latin typeface="Arial" panose="020B0604020202020204" pitchFamily="34" charset="0"/>
-                </a:defRPr>
-              </a:lvl8pPr>
-              <a:lvl9pPr eaLnBrk="0" fontAlgn="base" hangingPunct="0">
-                <a:spcBef>
-                  <a:spcPct val="0"/>
-                </a:spcBef>
-                <a:spcAft>
-                  <a:spcPct val="0"/>
-                </a:spcAft>
-                <a:defRPr>
-                  <a:solidFill>
-                    <a:schemeClr val="tx1"/>
-                  </a:solidFill>
-                  <a:latin typeface="Arial" panose="020B0604020202020204" pitchFamily="34" charset="0"/>
-                </a:defRPr>
-              </a:lvl9pPr>
-            </a:lstStyle>
-            <a:p>
-              <a:pPr marL="0" marR="0" lvl="0" indent="0" algn="l" defTabSz="914400" rtl="0" eaLnBrk="0" fontAlgn="base" latinLnBrk="0" hangingPunct="0">
-                <a:lnSpc>
-                  <a:spcPct val="100000"/>
-                </a:lnSpc>
-                <a:spcBef>
-                  <a:spcPct val="0"/>
-                </a:spcBef>
-                <a:spcAft>
-                  <a:spcPct val="0"/>
-                </a:spcAft>
-                <a:buClrTx/>
-                <a:buSzTx/>
-                <a:buFontTx/>
-                <a:buNone/>
-                <a:tabLst/>
-              </a:pPr>
-              <a:r>
-                <a:rPr kumimoji="0" lang="en-US" altLang="en-US" sz="1000" b="0" i="0" u="none" strike="noStrike" cap="none" normalizeH="0" baseline="0">
-                  <a:ln>
-                    <a:noFill/>
-                  </a:ln>
-                  <a:solidFill>
-                    <a:srgbClr val="262626"/>
-                  </a:solidFill>
-                  <a:effectLst/>
-                  <a:latin typeface="Arial" panose="020B0604020202020204" pitchFamily="34" charset="0"/>
-                </a:rPr>
-                <a:t>0.1</a:t>
-              </a:r>
-              <a:endParaRPr kumimoji="0" lang="en-US" altLang="en-US" sz="1800" b="0" i="0" u="none" strike="noStrike" cap="none" normalizeH="0" baseline="0">
-                <a:ln>
-                  <a:noFill/>
-                </a:ln>
-                <a:solidFill>
-                  <a:schemeClr val="tx1"/>
-                </a:solidFill>
-                <a:effectLst/>
-                <a:latin typeface="Arial" panose="020B0604020202020204" pitchFamily="34" charset="0"/>
-              </a:endParaRPr>
-            </a:p>
-          </p:txBody>
-        </p:sp>
-        <p:sp>
-          <p:nvSpPr>
-            <p:cNvPr id="28" name="Rectangle 25">
-              <a:extLst>
-                <a:ext uri="{FF2B5EF4-FFF2-40B4-BE49-F238E27FC236}">
-                  <a16:creationId xmlns:a16="http://schemas.microsoft.com/office/drawing/2014/main" id="{BA9F703D-56C0-1040-B1E0-CD7A2E4B0DB6}"/>
-                </a:ext>
-              </a:extLst>
-            </p:cNvPr>
-            <p:cNvSpPr>
-              <a:spLocks noChangeArrowheads="1"/>
-            </p:cNvSpPr>
-            <p:nvPr/>
-          </p:nvSpPr>
-          <p:spPr bwMode="auto">
-            <a:xfrm>
-              <a:off x="6072188" y="5067300"/>
-              <a:ext cx="295275" cy="152400"/>
-            </a:xfrm>
-            <a:prstGeom prst="rect">
-              <a:avLst/>
-            </a:prstGeom>
-            <a:noFill/>
-            <a:ln>
-              <a:noFill/>
-            </a:ln>
-            <a:extLst>
-              <a:ext uri="{909E8E84-426E-40DD-AFC4-6F175D3DCCD1}">
-                <a14:hiddenFill xmlns:a14="http://schemas.microsoft.com/office/drawing/2010/main">
-                  <a:solidFill>
-                    <a:srgbClr val="FFFFFF"/>
-                  </a:solidFill>
-                </a14:hiddenFill>
-              </a:ext>
-              <a:ext uri="{91240B29-F687-4F45-9708-019B960494DF}">
-                <a14:hiddenLine xmlns:a14="http://schemas.microsoft.com/office/drawing/2010/main" w="9525">
-                  <a:solidFill>
-                    <a:srgbClr val="000000"/>
-                  </a:solidFill>
-                  <a:miter lim="800000"/>
-                  <a:headEnd/>
-                  <a:tailEnd/>
-                </a14:hiddenLine>
-              </a:ext>
-            </a:extLst>
-          </p:spPr>
-          <p:txBody>
-            <a:bodyPr vert="horz" wrap="none" lIns="0" tIns="0" rIns="0" bIns="0" numCol="1" anchor="t" anchorCtr="0" compatLnSpc="1">
-              <a:prstTxWarp prst="textNoShape">
-                <a:avLst/>
-              </a:prstTxWarp>
-              <a:spAutoFit/>
-            </a:bodyPr>
-            <a:lstStyle>
-              <a:lvl1pPr eaLnBrk="0" fontAlgn="base" hangingPunct="0">
-                <a:spcBef>
-                  <a:spcPct val="0"/>
-                </a:spcBef>
-                <a:spcAft>
-                  <a:spcPct val="0"/>
-                </a:spcAft>
-                <a:defRPr>
-                  <a:solidFill>
-                    <a:schemeClr val="tx1"/>
-                  </a:solidFill>
-                  <a:latin typeface="Arial" panose="020B0604020202020204" pitchFamily="34" charset="0"/>
-                </a:defRPr>
-              </a:lvl1pPr>
-              <a:lvl2pPr eaLnBrk="0" fontAlgn="base" hangingPunct="0">
-                <a:spcBef>
-                  <a:spcPct val="0"/>
-                </a:spcBef>
-                <a:spcAft>
-                  <a:spcPct val="0"/>
-                </a:spcAft>
-                <a:defRPr>
-                  <a:solidFill>
-                    <a:schemeClr val="tx1"/>
-                  </a:solidFill>
-                  <a:latin typeface="Arial" panose="020B0604020202020204" pitchFamily="34" charset="0"/>
-                </a:defRPr>
-              </a:lvl2pPr>
-              <a:lvl3pPr eaLnBrk="0" fontAlgn="base" hangingPunct="0">
-                <a:spcBef>
-                  <a:spcPct val="0"/>
-                </a:spcBef>
-                <a:spcAft>
-                  <a:spcPct val="0"/>
-                </a:spcAft>
-                <a:defRPr>
-                  <a:solidFill>
-                    <a:schemeClr val="tx1"/>
-                  </a:solidFill>
-                  <a:latin typeface="Arial" panose="020B0604020202020204" pitchFamily="34" charset="0"/>
-                </a:defRPr>
-              </a:lvl3pPr>
-              <a:lvl4pPr eaLnBrk="0" fontAlgn="base" hangingPunct="0">
-                <a:spcBef>
-                  <a:spcPct val="0"/>
-                </a:spcBef>
-                <a:spcAft>
-                  <a:spcPct val="0"/>
-                </a:spcAft>
-                <a:defRPr>
-                  <a:solidFill>
-                    <a:schemeClr val="tx1"/>
-                  </a:solidFill>
-                  <a:latin typeface="Arial" panose="020B0604020202020204" pitchFamily="34" charset="0"/>
-                </a:defRPr>
-              </a:lvl4pPr>
-              <a:lvl5pPr eaLnBrk="0" fontAlgn="base" hangingPunct="0">
-                <a:spcBef>
-                  <a:spcPct val="0"/>
-                </a:spcBef>
-                <a:spcAft>
-                  <a:spcPct val="0"/>
-                </a:spcAft>
-                <a:defRPr>
-                  <a:solidFill>
-                    <a:schemeClr val="tx1"/>
-                  </a:solidFill>
-                  <a:latin typeface="Arial" panose="020B0604020202020204" pitchFamily="34" charset="0"/>
-                </a:defRPr>
-              </a:lvl5pPr>
-              <a:lvl6pPr eaLnBrk="0" fontAlgn="base" hangingPunct="0">
-                <a:spcBef>
-                  <a:spcPct val="0"/>
-                </a:spcBef>
-                <a:spcAft>
-                  <a:spcPct val="0"/>
-                </a:spcAft>
-                <a:defRPr>
-                  <a:solidFill>
-                    <a:schemeClr val="tx1"/>
-                  </a:solidFill>
-                  <a:latin typeface="Arial" panose="020B0604020202020204" pitchFamily="34" charset="0"/>
-                </a:defRPr>
-              </a:lvl6pPr>
-              <a:lvl7pPr eaLnBrk="0" fontAlgn="base" hangingPunct="0">
-                <a:spcBef>
-                  <a:spcPct val="0"/>
-                </a:spcBef>
-                <a:spcAft>
-                  <a:spcPct val="0"/>
-                </a:spcAft>
-                <a:defRPr>
-                  <a:solidFill>
-                    <a:schemeClr val="tx1"/>
-                  </a:solidFill>
-                  <a:latin typeface="Arial" panose="020B0604020202020204" pitchFamily="34" charset="0"/>
-                </a:defRPr>
-              </a:lvl7pPr>
-              <a:lvl8pPr eaLnBrk="0" fontAlgn="base" hangingPunct="0">
-                <a:spcBef>
-                  <a:spcPct val="0"/>
-                </a:spcBef>
-                <a:spcAft>
-                  <a:spcPct val="0"/>
-                </a:spcAft>
-                <a:defRPr>
-                  <a:solidFill>
-                    <a:schemeClr val="tx1"/>
-                  </a:solidFill>
-                  <a:latin typeface="Arial" panose="020B0604020202020204" pitchFamily="34" charset="0"/>
-                </a:defRPr>
-              </a:lvl8pPr>
-              <a:lvl9pPr eaLnBrk="0" fontAlgn="base" hangingPunct="0">
-                <a:spcBef>
-                  <a:spcPct val="0"/>
-                </a:spcBef>
-                <a:spcAft>
-                  <a:spcPct val="0"/>
-                </a:spcAft>
-                <a:defRPr>
-                  <a:solidFill>
-                    <a:schemeClr val="tx1"/>
-                  </a:solidFill>
-                  <a:latin typeface="Arial" panose="020B0604020202020204" pitchFamily="34" charset="0"/>
-                </a:defRPr>
-              </a:lvl9pPr>
-            </a:lstStyle>
-            <a:p>
-              <a:pPr marL="0" marR="0" lvl="0" indent="0" algn="l" defTabSz="914400" rtl="0" eaLnBrk="0" fontAlgn="base" latinLnBrk="0" hangingPunct="0">
-                <a:lnSpc>
-                  <a:spcPct val="100000"/>
-                </a:lnSpc>
-                <a:spcBef>
-                  <a:spcPct val="0"/>
-                </a:spcBef>
-                <a:spcAft>
-                  <a:spcPct val="0"/>
-                </a:spcAft>
-                <a:buClrTx/>
-                <a:buSzTx/>
-                <a:buFontTx/>
-                <a:buNone/>
-                <a:tabLst/>
-              </a:pPr>
-              <a:r>
-                <a:rPr kumimoji="0" lang="en-US" altLang="en-US" sz="1000" b="0" i="0" u="none" strike="noStrike" cap="none" normalizeH="0" baseline="0">
-                  <a:ln>
-                    <a:noFill/>
-                  </a:ln>
-                  <a:solidFill>
-                    <a:srgbClr val="262626"/>
-                  </a:solidFill>
-                  <a:effectLst/>
-                  <a:latin typeface="Arial" panose="020B0604020202020204" pitchFamily="34" charset="0"/>
-                </a:rPr>
-                <a:t>0.15</a:t>
-              </a:r>
-              <a:endParaRPr kumimoji="0" lang="en-US" altLang="en-US" sz="1800" b="0" i="0" u="none" strike="noStrike" cap="none" normalizeH="0" baseline="0">
-                <a:ln>
-                  <a:noFill/>
-                </a:ln>
-                <a:solidFill>
-                  <a:schemeClr val="tx1"/>
-                </a:solidFill>
-                <a:effectLst/>
-                <a:latin typeface="Arial" panose="020B0604020202020204" pitchFamily="34" charset="0"/>
-              </a:endParaRPr>
-            </a:p>
-          </p:txBody>
-        </p:sp>
-        <p:sp>
-          <p:nvSpPr>
-            <p:cNvPr id="29" name="Rectangle 26">
-              <a:extLst>
-                <a:ext uri="{FF2B5EF4-FFF2-40B4-BE49-F238E27FC236}">
-                  <a16:creationId xmlns:a16="http://schemas.microsoft.com/office/drawing/2014/main" id="{E57B8B03-FCCF-7C05-52C0-C8FEDD46E275}"/>
-                </a:ext>
-              </a:extLst>
-            </p:cNvPr>
-            <p:cNvSpPr>
-              <a:spLocks noChangeArrowheads="1"/>
-            </p:cNvSpPr>
-            <p:nvPr/>
-          </p:nvSpPr>
-          <p:spPr bwMode="auto">
-            <a:xfrm>
-              <a:off x="6797675" y="5067300"/>
-              <a:ext cx="228600" cy="152400"/>
-            </a:xfrm>
-            <a:prstGeom prst="rect">
-              <a:avLst/>
-            </a:prstGeom>
-            <a:noFill/>
-            <a:ln>
-              <a:noFill/>
-            </a:ln>
-            <a:extLst>
-              <a:ext uri="{909E8E84-426E-40DD-AFC4-6F175D3DCCD1}">
-                <a14:hiddenFill xmlns:a14="http://schemas.microsoft.com/office/drawing/2010/main">
-                  <a:solidFill>
-                    <a:srgbClr val="FFFFFF"/>
-                  </a:solidFill>
-                </a14:hiddenFill>
-              </a:ext>
-              <a:ext uri="{91240B29-F687-4F45-9708-019B960494DF}">
-                <a14:hiddenLine xmlns:a14="http://schemas.microsoft.com/office/drawing/2010/main" w="9525">
-                  <a:solidFill>
-                    <a:srgbClr val="000000"/>
-                  </a:solidFill>
-                  <a:miter lim="800000"/>
-                  <a:headEnd/>
-                  <a:tailEnd/>
-                </a14:hiddenLine>
-              </a:ext>
-            </a:extLst>
-          </p:spPr>
-          <p:txBody>
-            <a:bodyPr vert="horz" wrap="none" lIns="0" tIns="0" rIns="0" bIns="0" numCol="1" anchor="t" anchorCtr="0" compatLnSpc="1">
-              <a:prstTxWarp prst="textNoShape">
-                <a:avLst/>
-              </a:prstTxWarp>
-              <a:spAutoFit/>
-            </a:bodyPr>
-            <a:lstStyle>
-              <a:lvl1pPr eaLnBrk="0" fontAlgn="base" hangingPunct="0">
-                <a:spcBef>
-                  <a:spcPct val="0"/>
-                </a:spcBef>
-                <a:spcAft>
-                  <a:spcPct val="0"/>
-                </a:spcAft>
-                <a:defRPr>
-                  <a:solidFill>
-                    <a:schemeClr val="tx1"/>
-                  </a:solidFill>
-                  <a:latin typeface="Arial" panose="020B0604020202020204" pitchFamily="34" charset="0"/>
-                </a:defRPr>
-              </a:lvl1pPr>
-              <a:lvl2pPr eaLnBrk="0" fontAlgn="base" hangingPunct="0">
-                <a:spcBef>
-                  <a:spcPct val="0"/>
-                </a:spcBef>
-                <a:spcAft>
-                  <a:spcPct val="0"/>
-                </a:spcAft>
-                <a:defRPr>
-                  <a:solidFill>
-                    <a:schemeClr val="tx1"/>
-                  </a:solidFill>
-                  <a:latin typeface="Arial" panose="020B0604020202020204" pitchFamily="34" charset="0"/>
-                </a:defRPr>
-              </a:lvl2pPr>
-              <a:lvl3pPr eaLnBrk="0" fontAlgn="base" hangingPunct="0">
-                <a:spcBef>
-                  <a:spcPct val="0"/>
-                </a:spcBef>
-                <a:spcAft>
-                  <a:spcPct val="0"/>
-                </a:spcAft>
-                <a:defRPr>
-                  <a:solidFill>
-                    <a:schemeClr val="tx1"/>
-                  </a:solidFill>
-                  <a:latin typeface="Arial" panose="020B0604020202020204" pitchFamily="34" charset="0"/>
-                </a:defRPr>
-              </a:lvl3pPr>
-              <a:lvl4pPr eaLnBrk="0" fontAlgn="base" hangingPunct="0">
-                <a:spcBef>
-                  <a:spcPct val="0"/>
-                </a:spcBef>
-                <a:spcAft>
-                  <a:spcPct val="0"/>
-                </a:spcAft>
-                <a:defRPr>
-                  <a:solidFill>
-                    <a:schemeClr val="tx1"/>
-                  </a:solidFill>
-                  <a:latin typeface="Arial" panose="020B0604020202020204" pitchFamily="34" charset="0"/>
-                </a:defRPr>
-              </a:lvl4pPr>
-              <a:lvl5pPr eaLnBrk="0" fontAlgn="base" hangingPunct="0">
-                <a:spcBef>
-                  <a:spcPct val="0"/>
-                </a:spcBef>
-                <a:spcAft>
-                  <a:spcPct val="0"/>
-                </a:spcAft>
-                <a:defRPr>
-                  <a:solidFill>
-                    <a:schemeClr val="tx1"/>
-                  </a:solidFill>
-                  <a:latin typeface="Arial" panose="020B0604020202020204" pitchFamily="34" charset="0"/>
-                </a:defRPr>
-              </a:lvl5pPr>
-              <a:lvl6pPr eaLnBrk="0" fontAlgn="base" hangingPunct="0">
-                <a:spcBef>
-                  <a:spcPct val="0"/>
-                </a:spcBef>
-                <a:spcAft>
-                  <a:spcPct val="0"/>
-                </a:spcAft>
-                <a:defRPr>
-                  <a:solidFill>
-                    <a:schemeClr val="tx1"/>
-                  </a:solidFill>
-                  <a:latin typeface="Arial" panose="020B0604020202020204" pitchFamily="34" charset="0"/>
-                </a:defRPr>
-              </a:lvl6pPr>
-              <a:lvl7pPr eaLnBrk="0" fontAlgn="base" hangingPunct="0">
-                <a:spcBef>
-                  <a:spcPct val="0"/>
-                </a:spcBef>
-                <a:spcAft>
-                  <a:spcPct val="0"/>
-                </a:spcAft>
-                <a:defRPr>
-                  <a:solidFill>
-                    <a:schemeClr val="tx1"/>
-                  </a:solidFill>
-                  <a:latin typeface="Arial" panose="020B0604020202020204" pitchFamily="34" charset="0"/>
-                </a:defRPr>
-              </a:lvl7pPr>
-              <a:lvl8pPr eaLnBrk="0" fontAlgn="base" hangingPunct="0">
-                <a:spcBef>
-                  <a:spcPct val="0"/>
-                </a:spcBef>
-                <a:spcAft>
-                  <a:spcPct val="0"/>
-                </a:spcAft>
-                <a:defRPr>
-                  <a:solidFill>
-                    <a:schemeClr val="tx1"/>
-                  </a:solidFill>
-                  <a:latin typeface="Arial" panose="020B0604020202020204" pitchFamily="34" charset="0"/>
-                </a:defRPr>
-              </a:lvl8pPr>
-              <a:lvl9pPr eaLnBrk="0" fontAlgn="base" hangingPunct="0">
-                <a:spcBef>
-                  <a:spcPct val="0"/>
-                </a:spcBef>
-                <a:spcAft>
-                  <a:spcPct val="0"/>
-                </a:spcAft>
-                <a:defRPr>
-                  <a:solidFill>
-                    <a:schemeClr val="tx1"/>
-                  </a:solidFill>
-                  <a:latin typeface="Arial" panose="020B0604020202020204" pitchFamily="34" charset="0"/>
-                </a:defRPr>
-              </a:lvl9pPr>
-            </a:lstStyle>
-            <a:p>
-              <a:pPr marL="0" marR="0" lvl="0" indent="0" algn="l" defTabSz="914400" rtl="0" eaLnBrk="0" fontAlgn="base" latinLnBrk="0" hangingPunct="0">
-                <a:lnSpc>
-                  <a:spcPct val="100000"/>
-                </a:lnSpc>
-                <a:spcBef>
-                  <a:spcPct val="0"/>
-                </a:spcBef>
-                <a:spcAft>
-                  <a:spcPct val="0"/>
-                </a:spcAft>
-                <a:buClrTx/>
-                <a:buSzTx/>
-                <a:buFontTx/>
-                <a:buNone/>
-                <a:tabLst/>
-              </a:pPr>
-              <a:r>
-                <a:rPr kumimoji="0" lang="en-US" altLang="en-US" sz="1000" b="0" i="0" u="none" strike="noStrike" cap="none" normalizeH="0" baseline="0">
-                  <a:ln>
-                    <a:noFill/>
-                  </a:ln>
-                  <a:solidFill>
-                    <a:srgbClr val="262626"/>
-                  </a:solidFill>
-                  <a:effectLst/>
-                  <a:latin typeface="Arial" panose="020B0604020202020204" pitchFamily="34" charset="0"/>
-                </a:rPr>
-                <a:t>0.2</a:t>
-              </a:r>
-              <a:endParaRPr kumimoji="0" lang="en-US" altLang="en-US" sz="1800" b="0" i="0" u="none" strike="noStrike" cap="none" normalizeH="0" baseline="0">
-                <a:ln>
-                  <a:noFill/>
-                </a:ln>
-                <a:solidFill>
-                  <a:schemeClr val="tx1"/>
-                </a:solidFill>
-                <a:effectLst/>
-                <a:latin typeface="Arial" panose="020B0604020202020204" pitchFamily="34" charset="0"/>
-              </a:endParaRPr>
-            </a:p>
-          </p:txBody>
-        </p:sp>
-        <p:sp>
-          <p:nvSpPr>
-            <p:cNvPr id="30" name="Rectangle 27">
-              <a:extLst>
-                <a:ext uri="{FF2B5EF4-FFF2-40B4-BE49-F238E27FC236}">
-                  <a16:creationId xmlns:a16="http://schemas.microsoft.com/office/drawing/2014/main" id="{37B188CF-2778-4714-3F53-FA23A171C281}"/>
-                </a:ext>
-              </a:extLst>
-            </p:cNvPr>
-            <p:cNvSpPr>
-              <a:spLocks noChangeArrowheads="1"/>
-            </p:cNvSpPr>
-            <p:nvPr/>
-          </p:nvSpPr>
-          <p:spPr bwMode="auto">
-            <a:xfrm>
-              <a:off x="7456488" y="5067300"/>
-              <a:ext cx="295275" cy="152400"/>
-            </a:xfrm>
-            <a:prstGeom prst="rect">
-              <a:avLst/>
-            </a:prstGeom>
-            <a:noFill/>
-            <a:ln>
-              <a:noFill/>
-            </a:ln>
-            <a:extLst>
-              <a:ext uri="{909E8E84-426E-40DD-AFC4-6F175D3DCCD1}">
-                <a14:hiddenFill xmlns:a14="http://schemas.microsoft.com/office/drawing/2010/main">
-                  <a:solidFill>
-                    <a:srgbClr val="FFFFFF"/>
-                  </a:solidFill>
-                </a14:hiddenFill>
-              </a:ext>
-              <a:ext uri="{91240B29-F687-4F45-9708-019B960494DF}">
-                <a14:hiddenLine xmlns:a14="http://schemas.microsoft.com/office/drawing/2010/main" w="9525">
-                  <a:solidFill>
-                    <a:srgbClr val="000000"/>
-                  </a:solidFill>
-                  <a:miter lim="800000"/>
-                  <a:headEnd/>
-                  <a:tailEnd/>
-                </a14:hiddenLine>
-              </a:ext>
-            </a:extLst>
-          </p:spPr>
-          <p:txBody>
-            <a:bodyPr vert="horz" wrap="none" lIns="0" tIns="0" rIns="0" bIns="0" numCol="1" anchor="t" anchorCtr="0" compatLnSpc="1">
-              <a:prstTxWarp prst="textNoShape">
-                <a:avLst/>
-              </a:prstTxWarp>
-              <a:spAutoFit/>
-            </a:bodyPr>
-            <a:lstStyle>
-              <a:lvl1pPr eaLnBrk="0" fontAlgn="base" hangingPunct="0">
-                <a:spcBef>
-                  <a:spcPct val="0"/>
-                </a:spcBef>
-                <a:spcAft>
-                  <a:spcPct val="0"/>
-                </a:spcAft>
-                <a:defRPr>
-                  <a:solidFill>
-                    <a:schemeClr val="tx1"/>
-                  </a:solidFill>
-                  <a:latin typeface="Arial" panose="020B0604020202020204" pitchFamily="34" charset="0"/>
-                </a:defRPr>
-              </a:lvl1pPr>
-              <a:lvl2pPr eaLnBrk="0" fontAlgn="base" hangingPunct="0">
-                <a:spcBef>
-                  <a:spcPct val="0"/>
-                </a:spcBef>
-                <a:spcAft>
-                  <a:spcPct val="0"/>
-                </a:spcAft>
-                <a:defRPr>
-                  <a:solidFill>
-                    <a:schemeClr val="tx1"/>
-                  </a:solidFill>
-                  <a:latin typeface="Arial" panose="020B0604020202020204" pitchFamily="34" charset="0"/>
-                </a:defRPr>
-              </a:lvl2pPr>
-              <a:lvl3pPr eaLnBrk="0" fontAlgn="base" hangingPunct="0">
-                <a:spcBef>
-                  <a:spcPct val="0"/>
-                </a:spcBef>
-                <a:spcAft>
-                  <a:spcPct val="0"/>
-                </a:spcAft>
-                <a:defRPr>
-                  <a:solidFill>
-                    <a:schemeClr val="tx1"/>
-                  </a:solidFill>
-                  <a:latin typeface="Arial" panose="020B0604020202020204" pitchFamily="34" charset="0"/>
-                </a:defRPr>
-              </a:lvl3pPr>
-              <a:lvl4pPr eaLnBrk="0" fontAlgn="base" hangingPunct="0">
-                <a:spcBef>
-                  <a:spcPct val="0"/>
-                </a:spcBef>
-                <a:spcAft>
-                  <a:spcPct val="0"/>
-                </a:spcAft>
-                <a:defRPr>
-                  <a:solidFill>
-                    <a:schemeClr val="tx1"/>
-                  </a:solidFill>
-                  <a:latin typeface="Arial" panose="020B0604020202020204" pitchFamily="34" charset="0"/>
-                </a:defRPr>
-              </a:lvl4pPr>
-              <a:lvl5pPr eaLnBrk="0" fontAlgn="base" hangingPunct="0">
-                <a:spcBef>
-                  <a:spcPct val="0"/>
-                </a:spcBef>
-                <a:spcAft>
-                  <a:spcPct val="0"/>
-                </a:spcAft>
-                <a:defRPr>
-                  <a:solidFill>
-                    <a:schemeClr val="tx1"/>
-                  </a:solidFill>
-                  <a:latin typeface="Arial" panose="020B0604020202020204" pitchFamily="34" charset="0"/>
-                </a:defRPr>
-              </a:lvl5pPr>
-              <a:lvl6pPr eaLnBrk="0" fontAlgn="base" hangingPunct="0">
-                <a:spcBef>
-                  <a:spcPct val="0"/>
-                </a:spcBef>
-                <a:spcAft>
-                  <a:spcPct val="0"/>
-                </a:spcAft>
-                <a:defRPr>
-                  <a:solidFill>
-                    <a:schemeClr val="tx1"/>
-                  </a:solidFill>
-                  <a:latin typeface="Arial" panose="020B0604020202020204" pitchFamily="34" charset="0"/>
-                </a:defRPr>
-              </a:lvl6pPr>
-              <a:lvl7pPr eaLnBrk="0" fontAlgn="base" hangingPunct="0">
-                <a:spcBef>
-                  <a:spcPct val="0"/>
-                </a:spcBef>
-                <a:spcAft>
-                  <a:spcPct val="0"/>
-                </a:spcAft>
-                <a:defRPr>
-                  <a:solidFill>
-                    <a:schemeClr val="tx1"/>
-                  </a:solidFill>
-                  <a:latin typeface="Arial" panose="020B0604020202020204" pitchFamily="34" charset="0"/>
-                </a:defRPr>
-              </a:lvl7pPr>
-              <a:lvl8pPr eaLnBrk="0" fontAlgn="base" hangingPunct="0">
-                <a:spcBef>
-                  <a:spcPct val="0"/>
-                </a:spcBef>
-                <a:spcAft>
-                  <a:spcPct val="0"/>
-                </a:spcAft>
-                <a:defRPr>
-                  <a:solidFill>
-                    <a:schemeClr val="tx1"/>
-                  </a:solidFill>
-                  <a:latin typeface="Arial" panose="020B0604020202020204" pitchFamily="34" charset="0"/>
-                </a:defRPr>
-              </a:lvl8pPr>
-              <a:lvl9pPr eaLnBrk="0" fontAlgn="base" hangingPunct="0">
-                <a:spcBef>
-                  <a:spcPct val="0"/>
-                </a:spcBef>
-                <a:spcAft>
-                  <a:spcPct val="0"/>
-                </a:spcAft>
-                <a:defRPr>
-                  <a:solidFill>
-                    <a:schemeClr val="tx1"/>
-                  </a:solidFill>
-                  <a:latin typeface="Arial" panose="020B0604020202020204" pitchFamily="34" charset="0"/>
-                </a:defRPr>
-              </a:lvl9pPr>
-            </a:lstStyle>
-            <a:p>
-              <a:pPr marL="0" marR="0" lvl="0" indent="0" algn="l" defTabSz="914400" rtl="0" eaLnBrk="0" fontAlgn="base" latinLnBrk="0" hangingPunct="0">
-                <a:lnSpc>
-                  <a:spcPct val="100000"/>
-                </a:lnSpc>
-                <a:spcBef>
-                  <a:spcPct val="0"/>
-                </a:spcBef>
-                <a:spcAft>
-                  <a:spcPct val="0"/>
-                </a:spcAft>
-                <a:buClrTx/>
-                <a:buSzTx/>
-                <a:buFontTx/>
-                <a:buNone/>
-                <a:tabLst/>
-              </a:pPr>
-              <a:r>
-                <a:rPr kumimoji="0" lang="en-US" altLang="en-US" sz="1000" b="0" i="0" u="none" strike="noStrike" cap="none" normalizeH="0" baseline="0">
-                  <a:ln>
-                    <a:noFill/>
-                  </a:ln>
-                  <a:solidFill>
-                    <a:srgbClr val="262626"/>
-                  </a:solidFill>
-                  <a:effectLst/>
-                  <a:latin typeface="Arial" panose="020B0604020202020204" pitchFamily="34" charset="0"/>
-                </a:rPr>
-                <a:t>0.25</a:t>
-              </a:r>
-              <a:endParaRPr kumimoji="0" lang="en-US" altLang="en-US" sz="1800" b="0" i="0" u="none" strike="noStrike" cap="none" normalizeH="0" baseline="0">
-                <a:ln>
-                  <a:noFill/>
-                </a:ln>
-                <a:solidFill>
-                  <a:schemeClr val="tx1"/>
-                </a:solidFill>
-                <a:effectLst/>
-                <a:latin typeface="Arial" panose="020B0604020202020204" pitchFamily="34" charset="0"/>
-              </a:endParaRPr>
-            </a:p>
-          </p:txBody>
-        </p:sp>
-        <p:sp>
-          <p:nvSpPr>
-            <p:cNvPr id="31" name="Rectangle 28">
-              <a:extLst>
-                <a:ext uri="{FF2B5EF4-FFF2-40B4-BE49-F238E27FC236}">
-                  <a16:creationId xmlns:a16="http://schemas.microsoft.com/office/drawing/2014/main" id="{C7284410-1075-FC1D-63CD-4088241D910B}"/>
-                </a:ext>
-              </a:extLst>
-            </p:cNvPr>
-            <p:cNvSpPr>
-              <a:spLocks noChangeArrowheads="1"/>
-            </p:cNvSpPr>
-            <p:nvPr/>
-          </p:nvSpPr>
-          <p:spPr bwMode="auto">
-            <a:xfrm>
-              <a:off x="8180388" y="5067300"/>
-              <a:ext cx="228600" cy="152400"/>
-            </a:xfrm>
-            <a:prstGeom prst="rect">
-              <a:avLst/>
-            </a:prstGeom>
-            <a:noFill/>
-            <a:ln>
-              <a:noFill/>
-            </a:ln>
-            <a:extLst>
-              <a:ext uri="{909E8E84-426E-40DD-AFC4-6F175D3DCCD1}">
-                <a14:hiddenFill xmlns:a14="http://schemas.microsoft.com/office/drawing/2010/main">
-                  <a:solidFill>
-                    <a:srgbClr val="FFFFFF"/>
-                  </a:solidFill>
-                </a14:hiddenFill>
-              </a:ext>
-              <a:ext uri="{91240B29-F687-4F45-9708-019B960494DF}">
-                <a14:hiddenLine xmlns:a14="http://schemas.microsoft.com/office/drawing/2010/main" w="9525">
-                  <a:solidFill>
-                    <a:srgbClr val="000000"/>
-                  </a:solidFill>
-                  <a:miter lim="800000"/>
-                  <a:headEnd/>
-                  <a:tailEnd/>
-                </a14:hiddenLine>
-              </a:ext>
-            </a:extLst>
-          </p:spPr>
-          <p:txBody>
-            <a:bodyPr vert="horz" wrap="none" lIns="0" tIns="0" rIns="0" bIns="0" numCol="1" anchor="t" anchorCtr="0" compatLnSpc="1">
-              <a:prstTxWarp prst="textNoShape">
-                <a:avLst/>
-              </a:prstTxWarp>
-              <a:spAutoFit/>
-            </a:bodyPr>
-            <a:lstStyle>
-              <a:lvl1pPr eaLnBrk="0" fontAlgn="base" hangingPunct="0">
-                <a:spcBef>
-                  <a:spcPct val="0"/>
-                </a:spcBef>
-                <a:spcAft>
-                  <a:spcPct val="0"/>
-                </a:spcAft>
-                <a:defRPr>
-                  <a:solidFill>
-                    <a:schemeClr val="tx1"/>
-                  </a:solidFill>
-                  <a:latin typeface="Arial" panose="020B0604020202020204" pitchFamily="34" charset="0"/>
-                </a:defRPr>
-              </a:lvl1pPr>
-              <a:lvl2pPr eaLnBrk="0" fontAlgn="base" hangingPunct="0">
-                <a:spcBef>
-                  <a:spcPct val="0"/>
-                </a:spcBef>
-                <a:spcAft>
-                  <a:spcPct val="0"/>
-                </a:spcAft>
-                <a:defRPr>
-                  <a:solidFill>
-                    <a:schemeClr val="tx1"/>
-                  </a:solidFill>
-                  <a:latin typeface="Arial" panose="020B0604020202020204" pitchFamily="34" charset="0"/>
-                </a:defRPr>
-              </a:lvl2pPr>
-              <a:lvl3pPr eaLnBrk="0" fontAlgn="base" hangingPunct="0">
-                <a:spcBef>
-                  <a:spcPct val="0"/>
-                </a:spcBef>
-                <a:spcAft>
-                  <a:spcPct val="0"/>
-                </a:spcAft>
-                <a:defRPr>
-                  <a:solidFill>
-                    <a:schemeClr val="tx1"/>
-                  </a:solidFill>
-                  <a:latin typeface="Arial" panose="020B0604020202020204" pitchFamily="34" charset="0"/>
-                </a:defRPr>
-              </a:lvl3pPr>
-              <a:lvl4pPr eaLnBrk="0" fontAlgn="base" hangingPunct="0">
-                <a:spcBef>
-                  <a:spcPct val="0"/>
-                </a:spcBef>
-                <a:spcAft>
-                  <a:spcPct val="0"/>
-                </a:spcAft>
-                <a:defRPr>
-                  <a:solidFill>
-                    <a:schemeClr val="tx1"/>
-                  </a:solidFill>
-                  <a:latin typeface="Arial" panose="020B0604020202020204" pitchFamily="34" charset="0"/>
-                </a:defRPr>
-              </a:lvl4pPr>
-              <a:lvl5pPr eaLnBrk="0" fontAlgn="base" hangingPunct="0">
-                <a:spcBef>
-                  <a:spcPct val="0"/>
-                </a:spcBef>
-                <a:spcAft>
-                  <a:spcPct val="0"/>
-                </a:spcAft>
-                <a:defRPr>
-                  <a:solidFill>
-                    <a:schemeClr val="tx1"/>
-                  </a:solidFill>
-                  <a:latin typeface="Arial" panose="020B0604020202020204" pitchFamily="34" charset="0"/>
-                </a:defRPr>
-              </a:lvl5pPr>
-              <a:lvl6pPr eaLnBrk="0" fontAlgn="base" hangingPunct="0">
-                <a:spcBef>
-                  <a:spcPct val="0"/>
-                </a:spcBef>
-                <a:spcAft>
-                  <a:spcPct val="0"/>
-                </a:spcAft>
-                <a:defRPr>
-                  <a:solidFill>
-                    <a:schemeClr val="tx1"/>
-                  </a:solidFill>
-                  <a:latin typeface="Arial" panose="020B0604020202020204" pitchFamily="34" charset="0"/>
-                </a:defRPr>
-              </a:lvl6pPr>
-              <a:lvl7pPr eaLnBrk="0" fontAlgn="base" hangingPunct="0">
-                <a:spcBef>
-                  <a:spcPct val="0"/>
-                </a:spcBef>
-                <a:spcAft>
-                  <a:spcPct val="0"/>
-                </a:spcAft>
-                <a:defRPr>
-                  <a:solidFill>
-                    <a:schemeClr val="tx1"/>
-                  </a:solidFill>
-                  <a:latin typeface="Arial" panose="020B0604020202020204" pitchFamily="34" charset="0"/>
-                </a:defRPr>
-              </a:lvl7pPr>
-              <a:lvl8pPr eaLnBrk="0" fontAlgn="base" hangingPunct="0">
-                <a:spcBef>
-                  <a:spcPct val="0"/>
-                </a:spcBef>
-                <a:spcAft>
-                  <a:spcPct val="0"/>
-                </a:spcAft>
-                <a:defRPr>
-                  <a:solidFill>
-                    <a:schemeClr val="tx1"/>
-                  </a:solidFill>
-                  <a:latin typeface="Arial" panose="020B0604020202020204" pitchFamily="34" charset="0"/>
-                </a:defRPr>
-              </a:lvl8pPr>
-              <a:lvl9pPr eaLnBrk="0" fontAlgn="base" hangingPunct="0">
-                <a:spcBef>
-                  <a:spcPct val="0"/>
-                </a:spcBef>
-                <a:spcAft>
-                  <a:spcPct val="0"/>
-                </a:spcAft>
-                <a:defRPr>
-                  <a:solidFill>
-                    <a:schemeClr val="tx1"/>
-                  </a:solidFill>
-                  <a:latin typeface="Arial" panose="020B0604020202020204" pitchFamily="34" charset="0"/>
-                </a:defRPr>
-              </a:lvl9pPr>
-            </a:lstStyle>
-            <a:p>
-              <a:pPr marL="0" marR="0" lvl="0" indent="0" algn="l" defTabSz="914400" rtl="0" eaLnBrk="0" fontAlgn="base" latinLnBrk="0" hangingPunct="0">
-                <a:lnSpc>
-                  <a:spcPct val="100000"/>
-                </a:lnSpc>
-                <a:spcBef>
-                  <a:spcPct val="0"/>
-                </a:spcBef>
-                <a:spcAft>
-                  <a:spcPct val="0"/>
-                </a:spcAft>
-                <a:buClrTx/>
-                <a:buSzTx/>
-                <a:buFontTx/>
-                <a:buNone/>
-                <a:tabLst/>
-              </a:pPr>
-              <a:r>
-                <a:rPr kumimoji="0" lang="en-US" altLang="en-US" sz="1000" b="0" i="0" u="none" strike="noStrike" cap="none" normalizeH="0" baseline="0">
-                  <a:ln>
-                    <a:noFill/>
-                  </a:ln>
-                  <a:solidFill>
-                    <a:srgbClr val="262626"/>
-                  </a:solidFill>
-                  <a:effectLst/>
-                  <a:latin typeface="Arial" panose="020B0604020202020204" pitchFamily="34" charset="0"/>
-                </a:rPr>
-                <a:t>0.3</a:t>
-              </a:r>
-              <a:endParaRPr kumimoji="0" lang="en-US" altLang="en-US" sz="1800" b="0" i="0" u="none" strike="noStrike" cap="none" normalizeH="0" baseline="0">
-                <a:ln>
-                  <a:noFill/>
-                </a:ln>
-                <a:solidFill>
-                  <a:schemeClr val="tx1"/>
-                </a:solidFill>
-                <a:effectLst/>
-                <a:latin typeface="Arial" panose="020B0604020202020204" pitchFamily="34" charset="0"/>
-              </a:endParaRPr>
-            </a:p>
-          </p:txBody>
-        </p:sp>
-        <p:sp>
-          <p:nvSpPr>
-            <p:cNvPr id="32" name="Rectangle 29">
-              <a:extLst>
-                <a:ext uri="{FF2B5EF4-FFF2-40B4-BE49-F238E27FC236}">
-                  <a16:creationId xmlns:a16="http://schemas.microsoft.com/office/drawing/2014/main" id="{C2AD7520-5400-3F81-C5BA-487A8E51C2DA}"/>
-                </a:ext>
-              </a:extLst>
-            </p:cNvPr>
-            <p:cNvSpPr>
-              <a:spLocks noChangeArrowheads="1"/>
-            </p:cNvSpPr>
-            <p:nvPr/>
-          </p:nvSpPr>
-          <p:spPr bwMode="auto">
-            <a:xfrm>
-              <a:off x="6015038" y="5248275"/>
-              <a:ext cx="458788" cy="209550"/>
-            </a:xfrm>
-            <a:prstGeom prst="rect">
-              <a:avLst/>
-            </a:prstGeom>
-            <a:noFill/>
-            <a:ln>
-              <a:noFill/>
-            </a:ln>
-            <a:extLst>
-              <a:ext uri="{909E8E84-426E-40DD-AFC4-6F175D3DCCD1}">
-                <a14:hiddenFill xmlns:a14="http://schemas.microsoft.com/office/drawing/2010/main">
-                  <a:solidFill>
-                    <a:srgbClr val="FFFFFF"/>
-                  </a:solidFill>
-                </a14:hiddenFill>
-              </a:ext>
-              <a:ext uri="{91240B29-F687-4F45-9708-019B960494DF}">
-                <a14:hiddenLine xmlns:a14="http://schemas.microsoft.com/office/drawing/2010/main" w="9525">
-                  <a:solidFill>
-                    <a:srgbClr val="000000"/>
-                  </a:solidFill>
-                  <a:miter lim="800000"/>
-                  <a:headEnd/>
-                  <a:tailEnd/>
-                </a14:hiddenLine>
-              </a:ext>
-            </a:extLst>
-          </p:spPr>
-          <p:txBody>
-            <a:bodyPr vert="horz" wrap="none" lIns="0" tIns="0" rIns="0" bIns="0" numCol="1" anchor="t" anchorCtr="0" compatLnSpc="1">
-              <a:prstTxWarp prst="textNoShape">
-                <a:avLst/>
-              </a:prstTxWarp>
-              <a:spAutoFit/>
-            </a:bodyPr>
-            <a:lstStyle>
-              <a:lvl1pPr eaLnBrk="0" fontAlgn="base" hangingPunct="0">
-                <a:spcBef>
-                  <a:spcPct val="0"/>
-                </a:spcBef>
-                <a:spcAft>
-                  <a:spcPct val="0"/>
-                </a:spcAft>
-                <a:defRPr>
-                  <a:solidFill>
-                    <a:schemeClr val="tx1"/>
-                  </a:solidFill>
-                  <a:latin typeface="Arial" panose="020B0604020202020204" pitchFamily="34" charset="0"/>
-                </a:defRPr>
-              </a:lvl1pPr>
-              <a:lvl2pPr eaLnBrk="0" fontAlgn="base" hangingPunct="0">
-                <a:spcBef>
-                  <a:spcPct val="0"/>
-                </a:spcBef>
-                <a:spcAft>
-                  <a:spcPct val="0"/>
-                </a:spcAft>
-                <a:defRPr>
-                  <a:solidFill>
-                    <a:schemeClr val="tx1"/>
-                  </a:solidFill>
-                  <a:latin typeface="Arial" panose="020B0604020202020204" pitchFamily="34" charset="0"/>
-                </a:defRPr>
-              </a:lvl2pPr>
-              <a:lvl3pPr eaLnBrk="0" fontAlgn="base" hangingPunct="0">
-                <a:spcBef>
-                  <a:spcPct val="0"/>
-                </a:spcBef>
-                <a:spcAft>
-                  <a:spcPct val="0"/>
-                </a:spcAft>
-                <a:defRPr>
-                  <a:solidFill>
-                    <a:schemeClr val="tx1"/>
-                  </a:solidFill>
-                  <a:latin typeface="Arial" panose="020B0604020202020204" pitchFamily="34" charset="0"/>
-                </a:defRPr>
-              </a:lvl3pPr>
-              <a:lvl4pPr eaLnBrk="0" fontAlgn="base" hangingPunct="0">
-                <a:spcBef>
-                  <a:spcPct val="0"/>
-                </a:spcBef>
-                <a:spcAft>
-                  <a:spcPct val="0"/>
-                </a:spcAft>
-                <a:defRPr>
-                  <a:solidFill>
-                    <a:schemeClr val="tx1"/>
-                  </a:solidFill>
-                  <a:latin typeface="Arial" panose="020B0604020202020204" pitchFamily="34" charset="0"/>
-                </a:defRPr>
-              </a:lvl4pPr>
-              <a:lvl5pPr eaLnBrk="0" fontAlgn="base" hangingPunct="0">
-                <a:spcBef>
-                  <a:spcPct val="0"/>
-                </a:spcBef>
-                <a:spcAft>
-                  <a:spcPct val="0"/>
-                </a:spcAft>
-                <a:defRPr>
-                  <a:solidFill>
-                    <a:schemeClr val="tx1"/>
-                  </a:solidFill>
-                  <a:latin typeface="Arial" panose="020B0604020202020204" pitchFamily="34" charset="0"/>
-                </a:defRPr>
-              </a:lvl5pPr>
-              <a:lvl6pPr eaLnBrk="0" fontAlgn="base" hangingPunct="0">
-                <a:spcBef>
-                  <a:spcPct val="0"/>
-                </a:spcBef>
-                <a:spcAft>
-                  <a:spcPct val="0"/>
-                </a:spcAft>
-                <a:defRPr>
-                  <a:solidFill>
-                    <a:schemeClr val="tx1"/>
-                  </a:solidFill>
-                  <a:latin typeface="Arial" panose="020B0604020202020204" pitchFamily="34" charset="0"/>
-                </a:defRPr>
-              </a:lvl6pPr>
-              <a:lvl7pPr eaLnBrk="0" fontAlgn="base" hangingPunct="0">
-                <a:spcBef>
-                  <a:spcPct val="0"/>
-                </a:spcBef>
-                <a:spcAft>
-                  <a:spcPct val="0"/>
-                </a:spcAft>
-                <a:defRPr>
-                  <a:solidFill>
-                    <a:schemeClr val="tx1"/>
-                  </a:solidFill>
-                  <a:latin typeface="Arial" panose="020B0604020202020204" pitchFamily="34" charset="0"/>
-                </a:defRPr>
-              </a:lvl7pPr>
-              <a:lvl8pPr eaLnBrk="0" fontAlgn="base" hangingPunct="0">
-                <a:spcBef>
-                  <a:spcPct val="0"/>
-                </a:spcBef>
-                <a:spcAft>
-                  <a:spcPct val="0"/>
-                </a:spcAft>
-                <a:defRPr>
-                  <a:solidFill>
-                    <a:schemeClr val="tx1"/>
-                  </a:solidFill>
-                  <a:latin typeface="Arial" panose="020B0604020202020204" pitchFamily="34" charset="0"/>
-                </a:defRPr>
-              </a:lvl8pPr>
-              <a:lvl9pPr eaLnBrk="0" fontAlgn="base" hangingPunct="0">
-                <a:spcBef>
-                  <a:spcPct val="0"/>
-                </a:spcBef>
-                <a:spcAft>
-                  <a:spcPct val="0"/>
-                </a:spcAft>
-                <a:defRPr>
-                  <a:solidFill>
-                    <a:schemeClr val="tx1"/>
-                  </a:solidFill>
-                  <a:latin typeface="Arial" panose="020B0604020202020204" pitchFamily="34" charset="0"/>
-                </a:defRPr>
-              </a:lvl9pPr>
-            </a:lstStyle>
-            <a:p>
-              <a:pPr marL="0" marR="0" lvl="0" indent="0" algn="l" defTabSz="914400" rtl="0" eaLnBrk="0" fontAlgn="base" latinLnBrk="0" hangingPunct="0">
-                <a:lnSpc>
-                  <a:spcPct val="100000"/>
-                </a:lnSpc>
-                <a:spcBef>
-                  <a:spcPct val="0"/>
-                </a:spcBef>
-                <a:spcAft>
-                  <a:spcPct val="0"/>
-                </a:spcAft>
-                <a:buClrTx/>
-                <a:buSzTx/>
-                <a:buFontTx/>
-                <a:buNone/>
-                <a:tabLst/>
-              </a:pPr>
-              <a:r>
-                <a:rPr kumimoji="0" lang="en-US" altLang="en-US" sz="1100" b="0" i="0" u="none" strike="noStrike" cap="none" normalizeH="0" baseline="0">
-                  <a:ln>
-                    <a:noFill/>
-                  </a:ln>
-                  <a:solidFill>
-                    <a:srgbClr val="262626"/>
-                  </a:solidFill>
-                  <a:effectLst/>
-                  <a:latin typeface="Arial" panose="020B0604020202020204" pitchFamily="34" charset="0"/>
-                </a:rPr>
-                <a:t>x-axis</a:t>
-              </a:r>
-              <a:endParaRPr kumimoji="0" lang="en-US" altLang="en-US" sz="1800" b="0" i="0" u="none" strike="noStrike" cap="none" normalizeH="0" baseline="0">
-                <a:ln>
-                  <a:noFill/>
-                </a:ln>
-                <a:solidFill>
-                  <a:schemeClr val="tx1"/>
-                </a:solidFill>
-                <a:effectLst/>
-                <a:latin typeface="Arial" panose="020B0604020202020204" pitchFamily="34" charset="0"/>
-              </a:endParaRPr>
-            </a:p>
-          </p:txBody>
-        </p:sp>
-        <p:sp>
-          <p:nvSpPr>
-            <p:cNvPr id="33" name="Line 30">
-              <a:extLst>
-                <a:ext uri="{FF2B5EF4-FFF2-40B4-BE49-F238E27FC236}">
-                  <a16:creationId xmlns:a16="http://schemas.microsoft.com/office/drawing/2014/main" id="{DE1FF320-47AD-0168-00E3-CE1E164C0B7D}"/>
-                </a:ext>
-              </a:extLst>
-            </p:cNvPr>
-            <p:cNvSpPr>
-              <a:spLocks noChangeShapeType="1"/>
-            </p:cNvSpPr>
-            <p:nvPr/>
-          </p:nvSpPr>
-          <p:spPr bwMode="auto">
-            <a:xfrm flipV="1">
-              <a:off x="4125913" y="1724025"/>
-              <a:ext cx="0" cy="3275013"/>
-            </a:xfrm>
-            <a:prstGeom prst="line">
-              <a:avLst/>
-            </a:prstGeom>
-            <a:noFill/>
-            <a:ln w="6350" cap="flat">
-              <a:solidFill>
-                <a:srgbClr val="262626"/>
-              </a:solidFill>
-              <a:prstDash val="solid"/>
-              <a:round/>
-              <a:headEnd/>
-              <a:tailEnd/>
-            </a:ln>
-            <a:extLst>
-              <a:ext uri="{909E8E84-426E-40DD-AFC4-6F175D3DCCD1}">
-                <a14:hiddenFill xmlns:a14="http://schemas.microsoft.com/office/drawing/2010/main">
-                  <a:noFill/>
-                </a14:hiddenFill>
-              </a:ext>
-            </a:extLst>
-          </p:spPr>
-          <p:txBody>
-            <a:bodyPr vert="horz" wrap="square" lIns="91440" tIns="45720" rIns="91440" bIns="45720" numCol="1" anchor="t" anchorCtr="0" compatLnSpc="1">
-              <a:prstTxWarp prst="textNoShape">
-                <a:avLst/>
-              </a:prstTxWarp>
-            </a:bodyPr>
-            <a:lstStyle/>
-            <a:p>
-              <a:endParaRPr lang="en-US"/>
-            </a:p>
-          </p:txBody>
-        </p:sp>
-        <p:sp>
-          <p:nvSpPr>
-            <p:cNvPr id="34" name="Line 31">
-              <a:extLst>
-                <a:ext uri="{FF2B5EF4-FFF2-40B4-BE49-F238E27FC236}">
-                  <a16:creationId xmlns:a16="http://schemas.microsoft.com/office/drawing/2014/main" id="{4A41C1AA-916E-429A-2674-12632679CE42}"/>
-                </a:ext>
-              </a:extLst>
-            </p:cNvPr>
-            <p:cNvSpPr>
-              <a:spLocks noChangeShapeType="1"/>
-            </p:cNvSpPr>
-            <p:nvPr/>
-          </p:nvSpPr>
-          <p:spPr bwMode="auto">
-            <a:xfrm flipV="1">
-              <a:off x="8266113" y="1724025"/>
-              <a:ext cx="0" cy="3275013"/>
-            </a:xfrm>
-            <a:prstGeom prst="line">
-              <a:avLst/>
-            </a:prstGeom>
-            <a:noFill/>
-            <a:ln w="6350" cap="flat">
-              <a:solidFill>
-                <a:srgbClr val="262626"/>
-              </a:solidFill>
-              <a:prstDash val="solid"/>
-              <a:round/>
-              <a:headEnd/>
-              <a:tailEnd/>
-            </a:ln>
-            <a:extLst>
-              <a:ext uri="{909E8E84-426E-40DD-AFC4-6F175D3DCCD1}">
-                <a14:hiddenFill xmlns:a14="http://schemas.microsoft.com/office/drawing/2010/main">
-                  <a:noFill/>
-                </a14:hiddenFill>
-              </a:ext>
-            </a:extLst>
-          </p:spPr>
-          <p:txBody>
-            <a:bodyPr vert="horz" wrap="square" lIns="91440" tIns="45720" rIns="91440" bIns="45720" numCol="1" anchor="t" anchorCtr="0" compatLnSpc="1">
-              <a:prstTxWarp prst="textNoShape">
-                <a:avLst/>
-              </a:prstTxWarp>
-            </a:bodyPr>
-            <a:lstStyle/>
-            <a:p>
-              <a:endParaRPr lang="en-US"/>
-            </a:p>
-          </p:txBody>
-        </p:sp>
-        <p:sp>
-          <p:nvSpPr>
-            <p:cNvPr id="35" name="Line 32">
-              <a:extLst>
-                <a:ext uri="{FF2B5EF4-FFF2-40B4-BE49-F238E27FC236}">
-                  <a16:creationId xmlns:a16="http://schemas.microsoft.com/office/drawing/2014/main" id="{5A35FA8F-65EB-BEE3-DFEA-C79EAEBED3F9}"/>
-                </a:ext>
-              </a:extLst>
-            </p:cNvPr>
-            <p:cNvSpPr>
-              <a:spLocks noChangeShapeType="1"/>
-            </p:cNvSpPr>
-            <p:nvPr/>
-          </p:nvSpPr>
-          <p:spPr bwMode="auto">
-            <a:xfrm>
-              <a:off x="4125913" y="4999038"/>
-              <a:ext cx="41275" cy="0"/>
-            </a:xfrm>
-            <a:prstGeom prst="line">
-              <a:avLst/>
-            </a:prstGeom>
-            <a:noFill/>
-            <a:ln w="6350" cap="flat">
-              <a:solidFill>
-                <a:srgbClr val="262626"/>
-              </a:solidFill>
-              <a:prstDash val="solid"/>
-              <a:round/>
-              <a:headEnd/>
-              <a:tailEnd/>
-            </a:ln>
-            <a:extLst>
-              <a:ext uri="{909E8E84-426E-40DD-AFC4-6F175D3DCCD1}">
-                <a14:hiddenFill xmlns:a14="http://schemas.microsoft.com/office/drawing/2010/main">
-                  <a:noFill/>
-                </a14:hiddenFill>
-              </a:ext>
-            </a:extLst>
-          </p:spPr>
-          <p:txBody>
-            <a:bodyPr vert="horz" wrap="square" lIns="91440" tIns="45720" rIns="91440" bIns="45720" numCol="1" anchor="t" anchorCtr="0" compatLnSpc="1">
-              <a:prstTxWarp prst="textNoShape">
-                <a:avLst/>
-              </a:prstTxWarp>
-            </a:bodyPr>
-            <a:lstStyle/>
-            <a:p>
-              <a:endParaRPr lang="en-US"/>
-            </a:p>
-          </p:txBody>
-        </p:sp>
-        <p:sp>
-          <p:nvSpPr>
-            <p:cNvPr id="36" name="Line 33">
-              <a:extLst>
-                <a:ext uri="{FF2B5EF4-FFF2-40B4-BE49-F238E27FC236}">
-                  <a16:creationId xmlns:a16="http://schemas.microsoft.com/office/drawing/2014/main" id="{F07BE181-96F5-917C-4F3A-B0F87837193C}"/>
-                </a:ext>
-              </a:extLst>
-            </p:cNvPr>
-            <p:cNvSpPr>
-              <a:spLocks noChangeShapeType="1"/>
-            </p:cNvSpPr>
-            <p:nvPr/>
-          </p:nvSpPr>
-          <p:spPr bwMode="auto">
-            <a:xfrm>
-              <a:off x="4125913" y="4672013"/>
-              <a:ext cx="41275" cy="0"/>
-            </a:xfrm>
-            <a:prstGeom prst="line">
-              <a:avLst/>
-            </a:prstGeom>
-            <a:noFill/>
-            <a:ln w="6350" cap="flat">
-              <a:solidFill>
-                <a:srgbClr val="262626"/>
-              </a:solidFill>
-              <a:prstDash val="solid"/>
-              <a:round/>
-              <a:headEnd/>
-              <a:tailEnd/>
-            </a:ln>
-            <a:extLst>
-              <a:ext uri="{909E8E84-426E-40DD-AFC4-6F175D3DCCD1}">
-                <a14:hiddenFill xmlns:a14="http://schemas.microsoft.com/office/drawing/2010/main">
-                  <a:noFill/>
-                </a14:hiddenFill>
-              </a:ext>
-            </a:extLst>
-          </p:spPr>
-          <p:txBody>
-            <a:bodyPr vert="horz" wrap="square" lIns="91440" tIns="45720" rIns="91440" bIns="45720" numCol="1" anchor="t" anchorCtr="0" compatLnSpc="1">
-              <a:prstTxWarp prst="textNoShape">
-                <a:avLst/>
-              </a:prstTxWarp>
-            </a:bodyPr>
-            <a:lstStyle/>
-            <a:p>
-              <a:endParaRPr lang="en-US"/>
-            </a:p>
-          </p:txBody>
-        </p:sp>
-        <p:sp>
-          <p:nvSpPr>
-            <p:cNvPr id="37" name="Line 34">
-              <a:extLst>
-                <a:ext uri="{FF2B5EF4-FFF2-40B4-BE49-F238E27FC236}">
-                  <a16:creationId xmlns:a16="http://schemas.microsoft.com/office/drawing/2014/main" id="{E1CADFF3-CBD7-33E1-360F-4A32264C9C06}"/>
-                </a:ext>
-              </a:extLst>
-            </p:cNvPr>
-            <p:cNvSpPr>
-              <a:spLocks noChangeShapeType="1"/>
-            </p:cNvSpPr>
-            <p:nvPr/>
-          </p:nvSpPr>
-          <p:spPr bwMode="auto">
-            <a:xfrm>
-              <a:off x="4125913" y="4344988"/>
-              <a:ext cx="41275" cy="0"/>
-            </a:xfrm>
-            <a:prstGeom prst="line">
-              <a:avLst/>
-            </a:prstGeom>
-            <a:noFill/>
-            <a:ln w="6350" cap="flat">
-              <a:solidFill>
-                <a:srgbClr val="262626"/>
-              </a:solidFill>
-              <a:prstDash val="solid"/>
-              <a:round/>
-              <a:headEnd/>
-              <a:tailEnd/>
-            </a:ln>
-            <a:extLst>
-              <a:ext uri="{909E8E84-426E-40DD-AFC4-6F175D3DCCD1}">
-                <a14:hiddenFill xmlns:a14="http://schemas.microsoft.com/office/drawing/2010/main">
-                  <a:noFill/>
-                </a14:hiddenFill>
-              </a:ext>
-            </a:extLst>
-          </p:spPr>
-          <p:txBody>
-            <a:bodyPr vert="horz" wrap="square" lIns="91440" tIns="45720" rIns="91440" bIns="45720" numCol="1" anchor="t" anchorCtr="0" compatLnSpc="1">
-              <a:prstTxWarp prst="textNoShape">
-                <a:avLst/>
-              </a:prstTxWarp>
-            </a:bodyPr>
-            <a:lstStyle/>
-            <a:p>
-              <a:endParaRPr lang="en-US"/>
-            </a:p>
-          </p:txBody>
-        </p:sp>
-        <p:sp>
-          <p:nvSpPr>
-            <p:cNvPr id="38" name="Line 35">
-              <a:extLst>
-                <a:ext uri="{FF2B5EF4-FFF2-40B4-BE49-F238E27FC236}">
-                  <a16:creationId xmlns:a16="http://schemas.microsoft.com/office/drawing/2014/main" id="{D47C27DE-6162-57D7-F3BE-B61C975E6A70}"/>
-                </a:ext>
-              </a:extLst>
-            </p:cNvPr>
-            <p:cNvSpPr>
-              <a:spLocks noChangeShapeType="1"/>
-            </p:cNvSpPr>
-            <p:nvPr/>
-          </p:nvSpPr>
-          <p:spPr bwMode="auto">
-            <a:xfrm>
-              <a:off x="4125913" y="4017963"/>
-              <a:ext cx="41275" cy="0"/>
-            </a:xfrm>
-            <a:prstGeom prst="line">
-              <a:avLst/>
-            </a:prstGeom>
-            <a:noFill/>
-            <a:ln w="6350" cap="flat">
-              <a:solidFill>
-                <a:srgbClr val="262626"/>
-              </a:solidFill>
-              <a:prstDash val="solid"/>
-              <a:round/>
-              <a:headEnd/>
-              <a:tailEnd/>
-            </a:ln>
-            <a:extLst>
-              <a:ext uri="{909E8E84-426E-40DD-AFC4-6F175D3DCCD1}">
-                <a14:hiddenFill xmlns:a14="http://schemas.microsoft.com/office/drawing/2010/main">
-                  <a:noFill/>
-                </a14:hiddenFill>
-              </a:ext>
-            </a:extLst>
-          </p:spPr>
-          <p:txBody>
-            <a:bodyPr vert="horz" wrap="square" lIns="91440" tIns="45720" rIns="91440" bIns="45720" numCol="1" anchor="t" anchorCtr="0" compatLnSpc="1">
-              <a:prstTxWarp prst="textNoShape">
-                <a:avLst/>
-              </a:prstTxWarp>
-            </a:bodyPr>
-            <a:lstStyle/>
-            <a:p>
-              <a:endParaRPr lang="en-US"/>
-            </a:p>
-          </p:txBody>
-        </p:sp>
-        <p:sp>
-          <p:nvSpPr>
-            <p:cNvPr id="39" name="Line 36">
-              <a:extLst>
-                <a:ext uri="{FF2B5EF4-FFF2-40B4-BE49-F238E27FC236}">
-                  <a16:creationId xmlns:a16="http://schemas.microsoft.com/office/drawing/2014/main" id="{C7EA4D8F-FF7E-B47C-67F1-9D5A215DCDF3}"/>
-                </a:ext>
-              </a:extLst>
-            </p:cNvPr>
-            <p:cNvSpPr>
-              <a:spLocks noChangeShapeType="1"/>
-            </p:cNvSpPr>
-            <p:nvPr/>
-          </p:nvSpPr>
-          <p:spPr bwMode="auto">
-            <a:xfrm>
-              <a:off x="4125913" y="3689350"/>
-              <a:ext cx="41275" cy="0"/>
-            </a:xfrm>
-            <a:prstGeom prst="line">
-              <a:avLst/>
-            </a:prstGeom>
-            <a:noFill/>
-            <a:ln w="6350" cap="flat">
-              <a:solidFill>
-                <a:srgbClr val="262626"/>
-              </a:solidFill>
-              <a:prstDash val="solid"/>
-              <a:round/>
-              <a:headEnd/>
-              <a:tailEnd/>
-            </a:ln>
-            <a:extLst>
-              <a:ext uri="{909E8E84-426E-40DD-AFC4-6F175D3DCCD1}">
-                <a14:hiddenFill xmlns:a14="http://schemas.microsoft.com/office/drawing/2010/main">
-                  <a:noFill/>
-                </a14:hiddenFill>
-              </a:ext>
-            </a:extLst>
-          </p:spPr>
-          <p:txBody>
-            <a:bodyPr vert="horz" wrap="square" lIns="91440" tIns="45720" rIns="91440" bIns="45720" numCol="1" anchor="t" anchorCtr="0" compatLnSpc="1">
-              <a:prstTxWarp prst="textNoShape">
-                <a:avLst/>
-              </a:prstTxWarp>
-            </a:bodyPr>
-            <a:lstStyle/>
-            <a:p>
-              <a:endParaRPr lang="en-US"/>
-            </a:p>
-          </p:txBody>
-        </p:sp>
-        <p:sp>
-          <p:nvSpPr>
-            <p:cNvPr id="40" name="Line 37">
-              <a:extLst>
-                <a:ext uri="{FF2B5EF4-FFF2-40B4-BE49-F238E27FC236}">
-                  <a16:creationId xmlns:a16="http://schemas.microsoft.com/office/drawing/2014/main" id="{3DAD5373-6DA8-8266-A6FD-6290E8C6C90F}"/>
-                </a:ext>
-              </a:extLst>
-            </p:cNvPr>
-            <p:cNvSpPr>
-              <a:spLocks noChangeShapeType="1"/>
-            </p:cNvSpPr>
-            <p:nvPr/>
-          </p:nvSpPr>
-          <p:spPr bwMode="auto">
-            <a:xfrm>
-              <a:off x="4125913" y="3362325"/>
-              <a:ext cx="41275" cy="0"/>
-            </a:xfrm>
-            <a:prstGeom prst="line">
-              <a:avLst/>
-            </a:prstGeom>
-            <a:noFill/>
-            <a:ln w="6350" cap="flat">
-              <a:solidFill>
-                <a:srgbClr val="262626"/>
-              </a:solidFill>
-              <a:prstDash val="solid"/>
-              <a:round/>
-              <a:headEnd/>
-              <a:tailEnd/>
-            </a:ln>
-            <a:extLst>
-              <a:ext uri="{909E8E84-426E-40DD-AFC4-6F175D3DCCD1}">
-                <a14:hiddenFill xmlns:a14="http://schemas.microsoft.com/office/drawing/2010/main">
-                  <a:noFill/>
-                </a14:hiddenFill>
-              </a:ext>
-            </a:extLst>
-          </p:spPr>
-          <p:txBody>
-            <a:bodyPr vert="horz" wrap="square" lIns="91440" tIns="45720" rIns="91440" bIns="45720" numCol="1" anchor="t" anchorCtr="0" compatLnSpc="1">
-              <a:prstTxWarp prst="textNoShape">
-                <a:avLst/>
-              </a:prstTxWarp>
-            </a:bodyPr>
-            <a:lstStyle/>
-            <a:p>
-              <a:endParaRPr lang="en-US"/>
-            </a:p>
-          </p:txBody>
-        </p:sp>
-        <p:sp>
-          <p:nvSpPr>
-            <p:cNvPr id="41" name="Line 38">
-              <a:extLst>
-                <a:ext uri="{FF2B5EF4-FFF2-40B4-BE49-F238E27FC236}">
-                  <a16:creationId xmlns:a16="http://schemas.microsoft.com/office/drawing/2014/main" id="{9EC19AF2-E30C-FFDC-7D85-84E7D407B83D}"/>
-                </a:ext>
-              </a:extLst>
-            </p:cNvPr>
-            <p:cNvSpPr>
-              <a:spLocks noChangeShapeType="1"/>
-            </p:cNvSpPr>
-            <p:nvPr/>
-          </p:nvSpPr>
-          <p:spPr bwMode="auto">
-            <a:xfrm>
-              <a:off x="4125913" y="3035300"/>
-              <a:ext cx="41275" cy="0"/>
-            </a:xfrm>
-            <a:prstGeom prst="line">
-              <a:avLst/>
-            </a:prstGeom>
-            <a:noFill/>
-            <a:ln w="6350" cap="flat">
-              <a:solidFill>
-                <a:srgbClr val="262626"/>
-              </a:solidFill>
-              <a:prstDash val="solid"/>
-              <a:round/>
-              <a:headEnd/>
-              <a:tailEnd/>
-            </a:ln>
-            <a:extLst>
-              <a:ext uri="{909E8E84-426E-40DD-AFC4-6F175D3DCCD1}">
-                <a14:hiddenFill xmlns:a14="http://schemas.microsoft.com/office/drawing/2010/main">
-                  <a:noFill/>
-                </a14:hiddenFill>
-              </a:ext>
-            </a:extLst>
-          </p:spPr>
-          <p:txBody>
-            <a:bodyPr vert="horz" wrap="square" lIns="91440" tIns="45720" rIns="91440" bIns="45720" numCol="1" anchor="t" anchorCtr="0" compatLnSpc="1">
-              <a:prstTxWarp prst="textNoShape">
-                <a:avLst/>
-              </a:prstTxWarp>
-            </a:bodyPr>
-            <a:lstStyle/>
-            <a:p>
-              <a:endParaRPr lang="en-US"/>
-            </a:p>
-          </p:txBody>
-        </p:sp>
-        <p:sp>
-          <p:nvSpPr>
-            <p:cNvPr id="42" name="Line 39">
-              <a:extLst>
-                <a:ext uri="{FF2B5EF4-FFF2-40B4-BE49-F238E27FC236}">
-                  <a16:creationId xmlns:a16="http://schemas.microsoft.com/office/drawing/2014/main" id="{C0B2B277-BEEC-AF35-514E-CE9BA3B36232}"/>
-                </a:ext>
-              </a:extLst>
-            </p:cNvPr>
-            <p:cNvSpPr>
-              <a:spLocks noChangeShapeType="1"/>
-            </p:cNvSpPr>
-            <p:nvPr/>
-          </p:nvSpPr>
-          <p:spPr bwMode="auto">
-            <a:xfrm>
-              <a:off x="4125913" y="2708275"/>
-              <a:ext cx="41275" cy="0"/>
-            </a:xfrm>
-            <a:prstGeom prst="line">
-              <a:avLst/>
-            </a:prstGeom>
-            <a:noFill/>
-            <a:ln w="6350" cap="flat">
-              <a:solidFill>
-                <a:srgbClr val="262626"/>
-              </a:solidFill>
-              <a:prstDash val="solid"/>
-              <a:round/>
-              <a:headEnd/>
-              <a:tailEnd/>
-            </a:ln>
-            <a:extLst>
-              <a:ext uri="{909E8E84-426E-40DD-AFC4-6F175D3DCCD1}">
-                <a14:hiddenFill xmlns:a14="http://schemas.microsoft.com/office/drawing/2010/main">
-                  <a:noFill/>
-                </a14:hiddenFill>
-              </a:ext>
-            </a:extLst>
-          </p:spPr>
-          <p:txBody>
-            <a:bodyPr vert="horz" wrap="square" lIns="91440" tIns="45720" rIns="91440" bIns="45720" numCol="1" anchor="t" anchorCtr="0" compatLnSpc="1">
-              <a:prstTxWarp prst="textNoShape">
-                <a:avLst/>
-              </a:prstTxWarp>
-            </a:bodyPr>
-            <a:lstStyle/>
-            <a:p>
-              <a:endParaRPr lang="en-US"/>
-            </a:p>
-          </p:txBody>
-        </p:sp>
-        <p:sp>
-          <p:nvSpPr>
-            <p:cNvPr id="43" name="Line 40">
-              <a:extLst>
-                <a:ext uri="{FF2B5EF4-FFF2-40B4-BE49-F238E27FC236}">
-                  <a16:creationId xmlns:a16="http://schemas.microsoft.com/office/drawing/2014/main" id="{2E04D2A0-98B9-C4FA-B049-D3CD1C8D89F8}"/>
-                </a:ext>
-              </a:extLst>
-            </p:cNvPr>
-            <p:cNvSpPr>
-              <a:spLocks noChangeShapeType="1"/>
-            </p:cNvSpPr>
-            <p:nvPr/>
-          </p:nvSpPr>
-          <p:spPr bwMode="auto">
-            <a:xfrm>
-              <a:off x="4125913" y="2379663"/>
-              <a:ext cx="41275" cy="0"/>
-            </a:xfrm>
-            <a:prstGeom prst="line">
-              <a:avLst/>
-            </a:prstGeom>
-            <a:noFill/>
-            <a:ln w="6350" cap="flat">
-              <a:solidFill>
-                <a:srgbClr val="262626"/>
-              </a:solidFill>
-              <a:prstDash val="solid"/>
-              <a:round/>
-              <a:headEnd/>
-              <a:tailEnd/>
-            </a:ln>
-            <a:extLst>
-              <a:ext uri="{909E8E84-426E-40DD-AFC4-6F175D3DCCD1}">
-                <a14:hiddenFill xmlns:a14="http://schemas.microsoft.com/office/drawing/2010/main">
-                  <a:noFill/>
-                </a14:hiddenFill>
-              </a:ext>
-            </a:extLst>
-          </p:spPr>
-          <p:txBody>
-            <a:bodyPr vert="horz" wrap="square" lIns="91440" tIns="45720" rIns="91440" bIns="45720" numCol="1" anchor="t" anchorCtr="0" compatLnSpc="1">
-              <a:prstTxWarp prst="textNoShape">
-                <a:avLst/>
-              </a:prstTxWarp>
-            </a:bodyPr>
-            <a:lstStyle/>
-            <a:p>
-              <a:endParaRPr lang="en-US"/>
-            </a:p>
-          </p:txBody>
-        </p:sp>
-        <p:sp>
-          <p:nvSpPr>
-            <p:cNvPr id="44" name="Line 41">
-              <a:extLst>
-                <a:ext uri="{FF2B5EF4-FFF2-40B4-BE49-F238E27FC236}">
-                  <a16:creationId xmlns:a16="http://schemas.microsoft.com/office/drawing/2014/main" id="{281FC661-E9D5-F14E-EB04-310C2552AB29}"/>
-                </a:ext>
-              </a:extLst>
-            </p:cNvPr>
-            <p:cNvSpPr>
-              <a:spLocks noChangeShapeType="1"/>
-            </p:cNvSpPr>
-            <p:nvPr/>
-          </p:nvSpPr>
-          <p:spPr bwMode="auto">
-            <a:xfrm>
-              <a:off x="4125913" y="2052638"/>
-              <a:ext cx="41275" cy="0"/>
-            </a:xfrm>
-            <a:prstGeom prst="line">
-              <a:avLst/>
-            </a:prstGeom>
-            <a:noFill/>
-            <a:ln w="6350" cap="flat">
-              <a:solidFill>
-                <a:srgbClr val="262626"/>
-              </a:solidFill>
-              <a:prstDash val="solid"/>
-              <a:round/>
-              <a:headEnd/>
-              <a:tailEnd/>
-            </a:ln>
-            <a:extLst>
-              <a:ext uri="{909E8E84-426E-40DD-AFC4-6F175D3DCCD1}">
-                <a14:hiddenFill xmlns:a14="http://schemas.microsoft.com/office/drawing/2010/main">
-                  <a:noFill/>
-                </a14:hiddenFill>
-              </a:ext>
-            </a:extLst>
-          </p:spPr>
-          <p:txBody>
-            <a:bodyPr vert="horz" wrap="square" lIns="91440" tIns="45720" rIns="91440" bIns="45720" numCol="1" anchor="t" anchorCtr="0" compatLnSpc="1">
-              <a:prstTxWarp prst="textNoShape">
-                <a:avLst/>
-              </a:prstTxWarp>
-            </a:bodyPr>
-            <a:lstStyle/>
-            <a:p>
-              <a:endParaRPr lang="en-US"/>
-            </a:p>
-          </p:txBody>
-        </p:sp>
-        <p:sp>
-          <p:nvSpPr>
-            <p:cNvPr id="45" name="Line 42">
-              <a:extLst>
-                <a:ext uri="{FF2B5EF4-FFF2-40B4-BE49-F238E27FC236}">
-                  <a16:creationId xmlns:a16="http://schemas.microsoft.com/office/drawing/2014/main" id="{CAC7E5DD-0D59-5E30-49CD-4802F9F9A29F}"/>
-                </a:ext>
-              </a:extLst>
-            </p:cNvPr>
-            <p:cNvSpPr>
-              <a:spLocks noChangeShapeType="1"/>
-            </p:cNvSpPr>
-            <p:nvPr/>
-          </p:nvSpPr>
-          <p:spPr bwMode="auto">
-            <a:xfrm>
-              <a:off x="4125913" y="1724025"/>
-              <a:ext cx="41275" cy="0"/>
-            </a:xfrm>
-            <a:prstGeom prst="line">
-              <a:avLst/>
-            </a:prstGeom>
-            <a:noFill/>
-            <a:ln w="6350" cap="flat">
-              <a:solidFill>
-                <a:srgbClr val="262626"/>
-              </a:solidFill>
-              <a:prstDash val="solid"/>
-              <a:round/>
-              <a:headEnd/>
-              <a:tailEnd/>
-            </a:ln>
-            <a:extLst>
-              <a:ext uri="{909E8E84-426E-40DD-AFC4-6F175D3DCCD1}">
-                <a14:hiddenFill xmlns:a14="http://schemas.microsoft.com/office/drawing/2010/main">
-                  <a:noFill/>
-                </a14:hiddenFill>
-              </a:ext>
-            </a:extLst>
-          </p:spPr>
-          <p:txBody>
-            <a:bodyPr vert="horz" wrap="square" lIns="91440" tIns="45720" rIns="91440" bIns="45720" numCol="1" anchor="t" anchorCtr="0" compatLnSpc="1">
-              <a:prstTxWarp prst="textNoShape">
-                <a:avLst/>
-              </a:prstTxWarp>
-            </a:bodyPr>
-            <a:lstStyle/>
-            <a:p>
-              <a:endParaRPr lang="en-US"/>
-            </a:p>
-          </p:txBody>
-        </p:sp>
-        <p:sp>
-          <p:nvSpPr>
-            <p:cNvPr id="46" name="Line 43">
-              <a:extLst>
-                <a:ext uri="{FF2B5EF4-FFF2-40B4-BE49-F238E27FC236}">
-                  <a16:creationId xmlns:a16="http://schemas.microsoft.com/office/drawing/2014/main" id="{8E9F63BE-AFAF-265F-894C-C43B8F189C6A}"/>
-                </a:ext>
-              </a:extLst>
-            </p:cNvPr>
-            <p:cNvSpPr>
-              <a:spLocks noChangeShapeType="1"/>
-            </p:cNvSpPr>
-            <p:nvPr/>
-          </p:nvSpPr>
-          <p:spPr bwMode="auto">
-            <a:xfrm flipH="1">
-              <a:off x="8226425" y="4999038"/>
-              <a:ext cx="39688" cy="0"/>
-            </a:xfrm>
-            <a:prstGeom prst="line">
-              <a:avLst/>
-            </a:prstGeom>
-            <a:noFill/>
-            <a:ln w="6350" cap="flat">
-              <a:solidFill>
-                <a:srgbClr val="262626"/>
-              </a:solidFill>
-              <a:prstDash val="solid"/>
-              <a:round/>
-              <a:headEnd/>
-              <a:tailEnd/>
-            </a:ln>
-            <a:extLst>
-              <a:ext uri="{909E8E84-426E-40DD-AFC4-6F175D3DCCD1}">
-                <a14:hiddenFill xmlns:a14="http://schemas.microsoft.com/office/drawing/2010/main">
-                  <a:noFill/>
-                </a14:hiddenFill>
-              </a:ext>
-            </a:extLst>
-          </p:spPr>
-          <p:txBody>
-            <a:bodyPr vert="horz" wrap="square" lIns="91440" tIns="45720" rIns="91440" bIns="45720" numCol="1" anchor="t" anchorCtr="0" compatLnSpc="1">
-              <a:prstTxWarp prst="textNoShape">
-                <a:avLst/>
-              </a:prstTxWarp>
-            </a:bodyPr>
-            <a:lstStyle/>
-            <a:p>
-              <a:endParaRPr lang="en-US"/>
-            </a:p>
-          </p:txBody>
-        </p:sp>
-        <p:sp>
-          <p:nvSpPr>
-            <p:cNvPr id="47" name="Line 44">
-              <a:extLst>
-                <a:ext uri="{FF2B5EF4-FFF2-40B4-BE49-F238E27FC236}">
-                  <a16:creationId xmlns:a16="http://schemas.microsoft.com/office/drawing/2014/main" id="{BD0B9A7F-5156-19AD-3F28-7D0A5A8E92BC}"/>
-                </a:ext>
-              </a:extLst>
-            </p:cNvPr>
-            <p:cNvSpPr>
-              <a:spLocks noChangeShapeType="1"/>
-            </p:cNvSpPr>
-            <p:nvPr/>
-          </p:nvSpPr>
-          <p:spPr bwMode="auto">
-            <a:xfrm flipH="1">
-              <a:off x="8226425" y="4672013"/>
-              <a:ext cx="39688" cy="0"/>
-            </a:xfrm>
-            <a:prstGeom prst="line">
-              <a:avLst/>
-            </a:prstGeom>
-            <a:noFill/>
-            <a:ln w="6350" cap="flat">
-              <a:solidFill>
-                <a:srgbClr val="262626"/>
-              </a:solidFill>
-              <a:prstDash val="solid"/>
-              <a:round/>
-              <a:headEnd/>
-              <a:tailEnd/>
-            </a:ln>
-            <a:extLst>
-              <a:ext uri="{909E8E84-426E-40DD-AFC4-6F175D3DCCD1}">
-                <a14:hiddenFill xmlns:a14="http://schemas.microsoft.com/office/drawing/2010/main">
-                  <a:noFill/>
-                </a14:hiddenFill>
-              </a:ext>
-            </a:extLst>
-          </p:spPr>
-          <p:txBody>
-            <a:bodyPr vert="horz" wrap="square" lIns="91440" tIns="45720" rIns="91440" bIns="45720" numCol="1" anchor="t" anchorCtr="0" compatLnSpc="1">
-              <a:prstTxWarp prst="textNoShape">
-                <a:avLst/>
-              </a:prstTxWarp>
-            </a:bodyPr>
-            <a:lstStyle/>
-            <a:p>
-              <a:endParaRPr lang="en-US"/>
-            </a:p>
-          </p:txBody>
-        </p:sp>
-        <p:sp>
-          <p:nvSpPr>
-            <p:cNvPr id="48" name="Line 45">
-              <a:extLst>
-                <a:ext uri="{FF2B5EF4-FFF2-40B4-BE49-F238E27FC236}">
-                  <a16:creationId xmlns:a16="http://schemas.microsoft.com/office/drawing/2014/main" id="{DB360FB4-2F07-392F-C6BB-3021FDE26DE6}"/>
-                </a:ext>
-              </a:extLst>
-            </p:cNvPr>
-            <p:cNvSpPr>
-              <a:spLocks noChangeShapeType="1"/>
-            </p:cNvSpPr>
-            <p:nvPr/>
-          </p:nvSpPr>
-          <p:spPr bwMode="auto">
-            <a:xfrm flipH="1">
-              <a:off x="8226425" y="4344988"/>
-              <a:ext cx="39688" cy="0"/>
-            </a:xfrm>
-            <a:prstGeom prst="line">
-              <a:avLst/>
-            </a:prstGeom>
-            <a:noFill/>
-            <a:ln w="6350" cap="flat">
-              <a:solidFill>
-                <a:srgbClr val="262626"/>
-              </a:solidFill>
-              <a:prstDash val="solid"/>
-              <a:round/>
-              <a:headEnd/>
-              <a:tailEnd/>
-            </a:ln>
-            <a:extLst>
-              <a:ext uri="{909E8E84-426E-40DD-AFC4-6F175D3DCCD1}">
-                <a14:hiddenFill xmlns:a14="http://schemas.microsoft.com/office/drawing/2010/main">
-                  <a:noFill/>
-                </a14:hiddenFill>
-              </a:ext>
-            </a:extLst>
-          </p:spPr>
-          <p:txBody>
-            <a:bodyPr vert="horz" wrap="square" lIns="91440" tIns="45720" rIns="91440" bIns="45720" numCol="1" anchor="t" anchorCtr="0" compatLnSpc="1">
-              <a:prstTxWarp prst="textNoShape">
-                <a:avLst/>
-              </a:prstTxWarp>
-            </a:bodyPr>
-            <a:lstStyle/>
-            <a:p>
-              <a:endParaRPr lang="en-US"/>
-            </a:p>
-          </p:txBody>
-        </p:sp>
-        <p:sp>
-          <p:nvSpPr>
-            <p:cNvPr id="49" name="Line 46">
-              <a:extLst>
-                <a:ext uri="{FF2B5EF4-FFF2-40B4-BE49-F238E27FC236}">
-                  <a16:creationId xmlns:a16="http://schemas.microsoft.com/office/drawing/2014/main" id="{C31A4329-B8F9-7833-1BD2-BE3CC4C26536}"/>
-                </a:ext>
-              </a:extLst>
-            </p:cNvPr>
-            <p:cNvSpPr>
-              <a:spLocks noChangeShapeType="1"/>
-            </p:cNvSpPr>
-            <p:nvPr/>
-          </p:nvSpPr>
-          <p:spPr bwMode="auto">
-            <a:xfrm flipH="1">
-              <a:off x="8226425" y="4017963"/>
-              <a:ext cx="39688" cy="0"/>
-            </a:xfrm>
-            <a:prstGeom prst="line">
-              <a:avLst/>
-            </a:prstGeom>
-            <a:noFill/>
-            <a:ln w="6350" cap="flat">
-              <a:solidFill>
-                <a:srgbClr val="262626"/>
-              </a:solidFill>
-              <a:prstDash val="solid"/>
-              <a:round/>
-              <a:headEnd/>
-              <a:tailEnd/>
-            </a:ln>
-            <a:extLst>
-              <a:ext uri="{909E8E84-426E-40DD-AFC4-6F175D3DCCD1}">
-                <a14:hiddenFill xmlns:a14="http://schemas.microsoft.com/office/drawing/2010/main">
-                  <a:noFill/>
-                </a14:hiddenFill>
-              </a:ext>
-            </a:extLst>
-          </p:spPr>
-          <p:txBody>
-            <a:bodyPr vert="horz" wrap="square" lIns="91440" tIns="45720" rIns="91440" bIns="45720" numCol="1" anchor="t" anchorCtr="0" compatLnSpc="1">
-              <a:prstTxWarp prst="textNoShape">
-                <a:avLst/>
-              </a:prstTxWarp>
-            </a:bodyPr>
-            <a:lstStyle/>
-            <a:p>
-              <a:endParaRPr lang="en-US"/>
-            </a:p>
-          </p:txBody>
-        </p:sp>
-        <p:sp>
-          <p:nvSpPr>
-            <p:cNvPr id="50" name="Line 47">
-              <a:extLst>
-                <a:ext uri="{FF2B5EF4-FFF2-40B4-BE49-F238E27FC236}">
-                  <a16:creationId xmlns:a16="http://schemas.microsoft.com/office/drawing/2014/main" id="{7BF15A6B-491F-6C0D-754D-7A7E08D9EFF6}"/>
-                </a:ext>
-              </a:extLst>
-            </p:cNvPr>
-            <p:cNvSpPr>
-              <a:spLocks noChangeShapeType="1"/>
-            </p:cNvSpPr>
-            <p:nvPr/>
-          </p:nvSpPr>
-          <p:spPr bwMode="auto">
-            <a:xfrm flipH="1">
-              <a:off x="8226425" y="3689350"/>
-              <a:ext cx="39688" cy="0"/>
-            </a:xfrm>
-            <a:prstGeom prst="line">
-              <a:avLst/>
-            </a:prstGeom>
-            <a:noFill/>
-            <a:ln w="6350" cap="flat">
-              <a:solidFill>
-                <a:srgbClr val="262626"/>
-              </a:solidFill>
-              <a:prstDash val="solid"/>
-              <a:round/>
-              <a:headEnd/>
-              <a:tailEnd/>
-            </a:ln>
-            <a:extLst>
-              <a:ext uri="{909E8E84-426E-40DD-AFC4-6F175D3DCCD1}">
-                <a14:hiddenFill xmlns:a14="http://schemas.microsoft.com/office/drawing/2010/main">
-                  <a:noFill/>
-                </a14:hiddenFill>
-              </a:ext>
-            </a:extLst>
-          </p:spPr>
-          <p:txBody>
-            <a:bodyPr vert="horz" wrap="square" lIns="91440" tIns="45720" rIns="91440" bIns="45720" numCol="1" anchor="t" anchorCtr="0" compatLnSpc="1">
-              <a:prstTxWarp prst="textNoShape">
-                <a:avLst/>
-              </a:prstTxWarp>
-            </a:bodyPr>
-            <a:lstStyle/>
-            <a:p>
-              <a:endParaRPr lang="en-US"/>
-            </a:p>
-          </p:txBody>
-        </p:sp>
-        <p:sp>
-          <p:nvSpPr>
-            <p:cNvPr id="51" name="Line 48">
-              <a:extLst>
-                <a:ext uri="{FF2B5EF4-FFF2-40B4-BE49-F238E27FC236}">
-                  <a16:creationId xmlns:a16="http://schemas.microsoft.com/office/drawing/2014/main" id="{B74D7F63-7FCF-3FDA-EB61-996E1C34DF7B}"/>
-                </a:ext>
-              </a:extLst>
-            </p:cNvPr>
-            <p:cNvSpPr>
-              <a:spLocks noChangeShapeType="1"/>
-            </p:cNvSpPr>
-            <p:nvPr/>
-          </p:nvSpPr>
-          <p:spPr bwMode="auto">
-            <a:xfrm flipH="1">
-              <a:off x="8226425" y="3362325"/>
-              <a:ext cx="39688" cy="0"/>
-            </a:xfrm>
-            <a:prstGeom prst="line">
-              <a:avLst/>
-            </a:prstGeom>
-            <a:noFill/>
-            <a:ln w="6350" cap="flat">
-              <a:solidFill>
-                <a:srgbClr val="262626"/>
-              </a:solidFill>
-              <a:prstDash val="solid"/>
-              <a:round/>
-              <a:headEnd/>
-              <a:tailEnd/>
-            </a:ln>
-            <a:extLst>
-              <a:ext uri="{909E8E84-426E-40DD-AFC4-6F175D3DCCD1}">
-                <a14:hiddenFill xmlns:a14="http://schemas.microsoft.com/office/drawing/2010/main">
-                  <a:noFill/>
-                </a14:hiddenFill>
-              </a:ext>
-            </a:extLst>
-          </p:spPr>
-          <p:txBody>
-            <a:bodyPr vert="horz" wrap="square" lIns="91440" tIns="45720" rIns="91440" bIns="45720" numCol="1" anchor="t" anchorCtr="0" compatLnSpc="1">
-              <a:prstTxWarp prst="textNoShape">
-                <a:avLst/>
-              </a:prstTxWarp>
-            </a:bodyPr>
-            <a:lstStyle/>
-            <a:p>
-              <a:endParaRPr lang="en-US"/>
-            </a:p>
-          </p:txBody>
-        </p:sp>
-        <p:sp>
-          <p:nvSpPr>
-            <p:cNvPr id="52" name="Line 49">
-              <a:extLst>
-                <a:ext uri="{FF2B5EF4-FFF2-40B4-BE49-F238E27FC236}">
-                  <a16:creationId xmlns:a16="http://schemas.microsoft.com/office/drawing/2014/main" id="{83FBD499-2D9A-DC75-AD47-4CDFC3819C21}"/>
-                </a:ext>
-              </a:extLst>
-            </p:cNvPr>
-            <p:cNvSpPr>
-              <a:spLocks noChangeShapeType="1"/>
-            </p:cNvSpPr>
-            <p:nvPr/>
-          </p:nvSpPr>
-          <p:spPr bwMode="auto">
-            <a:xfrm flipH="1">
-              <a:off x="8226425" y="3035300"/>
-              <a:ext cx="39688" cy="0"/>
-            </a:xfrm>
-            <a:prstGeom prst="line">
-              <a:avLst/>
-            </a:prstGeom>
-            <a:noFill/>
-            <a:ln w="6350" cap="flat">
-              <a:solidFill>
-                <a:srgbClr val="262626"/>
-              </a:solidFill>
-              <a:prstDash val="solid"/>
-              <a:round/>
-              <a:headEnd/>
-              <a:tailEnd/>
-            </a:ln>
-            <a:extLst>
-              <a:ext uri="{909E8E84-426E-40DD-AFC4-6F175D3DCCD1}">
-                <a14:hiddenFill xmlns:a14="http://schemas.microsoft.com/office/drawing/2010/main">
-                  <a:noFill/>
-                </a14:hiddenFill>
-              </a:ext>
-            </a:extLst>
-          </p:spPr>
-          <p:txBody>
-            <a:bodyPr vert="horz" wrap="square" lIns="91440" tIns="45720" rIns="91440" bIns="45720" numCol="1" anchor="t" anchorCtr="0" compatLnSpc="1">
-              <a:prstTxWarp prst="textNoShape">
-                <a:avLst/>
-              </a:prstTxWarp>
-            </a:bodyPr>
-            <a:lstStyle/>
-            <a:p>
-              <a:endParaRPr lang="en-US"/>
-            </a:p>
-          </p:txBody>
-        </p:sp>
-        <p:sp>
-          <p:nvSpPr>
-            <p:cNvPr id="53" name="Line 50">
-              <a:extLst>
-                <a:ext uri="{FF2B5EF4-FFF2-40B4-BE49-F238E27FC236}">
-                  <a16:creationId xmlns:a16="http://schemas.microsoft.com/office/drawing/2014/main" id="{58B8A7C5-3846-0586-8AE7-FE4A4546AE1A}"/>
-                </a:ext>
-              </a:extLst>
-            </p:cNvPr>
-            <p:cNvSpPr>
-              <a:spLocks noChangeShapeType="1"/>
-            </p:cNvSpPr>
-            <p:nvPr/>
-          </p:nvSpPr>
-          <p:spPr bwMode="auto">
-            <a:xfrm flipH="1">
-              <a:off x="8226425" y="2708275"/>
-              <a:ext cx="39688" cy="0"/>
-            </a:xfrm>
-            <a:prstGeom prst="line">
-              <a:avLst/>
-            </a:prstGeom>
-            <a:noFill/>
-            <a:ln w="6350" cap="flat">
-              <a:solidFill>
-                <a:srgbClr val="262626"/>
-              </a:solidFill>
-              <a:prstDash val="solid"/>
-              <a:round/>
-              <a:headEnd/>
-              <a:tailEnd/>
-            </a:ln>
-            <a:extLst>
-              <a:ext uri="{909E8E84-426E-40DD-AFC4-6F175D3DCCD1}">
-                <a14:hiddenFill xmlns:a14="http://schemas.microsoft.com/office/drawing/2010/main">
-                  <a:noFill/>
-                </a14:hiddenFill>
-              </a:ext>
-            </a:extLst>
-          </p:spPr>
-          <p:txBody>
-            <a:bodyPr vert="horz" wrap="square" lIns="91440" tIns="45720" rIns="91440" bIns="45720" numCol="1" anchor="t" anchorCtr="0" compatLnSpc="1">
-              <a:prstTxWarp prst="textNoShape">
-                <a:avLst/>
-              </a:prstTxWarp>
-            </a:bodyPr>
-            <a:lstStyle/>
-            <a:p>
-              <a:endParaRPr lang="en-US"/>
-            </a:p>
-          </p:txBody>
-        </p:sp>
-        <p:sp>
-          <p:nvSpPr>
-            <p:cNvPr id="54" name="Line 51">
-              <a:extLst>
-                <a:ext uri="{FF2B5EF4-FFF2-40B4-BE49-F238E27FC236}">
-                  <a16:creationId xmlns:a16="http://schemas.microsoft.com/office/drawing/2014/main" id="{8905BF70-1053-6C32-D81E-104F0C110425}"/>
-                </a:ext>
-              </a:extLst>
-            </p:cNvPr>
-            <p:cNvSpPr>
-              <a:spLocks noChangeShapeType="1"/>
-            </p:cNvSpPr>
-            <p:nvPr/>
-          </p:nvSpPr>
-          <p:spPr bwMode="auto">
-            <a:xfrm flipH="1">
-              <a:off x="8226425" y="2379663"/>
-              <a:ext cx="39688" cy="0"/>
-            </a:xfrm>
-            <a:prstGeom prst="line">
-              <a:avLst/>
-            </a:prstGeom>
-            <a:noFill/>
-            <a:ln w="6350" cap="flat">
-              <a:solidFill>
-                <a:srgbClr val="262626"/>
-              </a:solidFill>
-              <a:prstDash val="solid"/>
-              <a:round/>
-              <a:headEnd/>
-              <a:tailEnd/>
-            </a:ln>
-            <a:extLst>
-              <a:ext uri="{909E8E84-426E-40DD-AFC4-6F175D3DCCD1}">
-                <a14:hiddenFill xmlns:a14="http://schemas.microsoft.com/office/drawing/2010/main">
-                  <a:noFill/>
-                </a14:hiddenFill>
-              </a:ext>
-            </a:extLst>
-          </p:spPr>
-          <p:txBody>
-            <a:bodyPr vert="horz" wrap="square" lIns="91440" tIns="45720" rIns="91440" bIns="45720" numCol="1" anchor="t" anchorCtr="0" compatLnSpc="1">
-              <a:prstTxWarp prst="textNoShape">
-                <a:avLst/>
-              </a:prstTxWarp>
-            </a:bodyPr>
-            <a:lstStyle/>
-            <a:p>
-              <a:endParaRPr lang="en-US"/>
-            </a:p>
-          </p:txBody>
-        </p:sp>
-        <p:sp>
-          <p:nvSpPr>
-            <p:cNvPr id="55" name="Line 52">
-              <a:extLst>
-                <a:ext uri="{FF2B5EF4-FFF2-40B4-BE49-F238E27FC236}">
-                  <a16:creationId xmlns:a16="http://schemas.microsoft.com/office/drawing/2014/main" id="{0A5A5455-6CDA-C718-4FE5-8CEE2FE45F06}"/>
-                </a:ext>
-              </a:extLst>
-            </p:cNvPr>
-            <p:cNvSpPr>
-              <a:spLocks noChangeShapeType="1"/>
-            </p:cNvSpPr>
-            <p:nvPr/>
-          </p:nvSpPr>
-          <p:spPr bwMode="auto">
-            <a:xfrm flipH="1">
-              <a:off x="8226425" y="2052638"/>
-              <a:ext cx="39688" cy="0"/>
-            </a:xfrm>
-            <a:prstGeom prst="line">
-              <a:avLst/>
-            </a:prstGeom>
-            <a:noFill/>
-            <a:ln w="6350" cap="flat">
-              <a:solidFill>
-                <a:srgbClr val="262626"/>
-              </a:solidFill>
-              <a:prstDash val="solid"/>
-              <a:round/>
-              <a:headEnd/>
-              <a:tailEnd/>
-            </a:ln>
-            <a:extLst>
-              <a:ext uri="{909E8E84-426E-40DD-AFC4-6F175D3DCCD1}">
-                <a14:hiddenFill xmlns:a14="http://schemas.microsoft.com/office/drawing/2010/main">
-                  <a:noFill/>
-                </a14:hiddenFill>
-              </a:ext>
-            </a:extLst>
-          </p:spPr>
-          <p:txBody>
-            <a:bodyPr vert="horz" wrap="square" lIns="91440" tIns="45720" rIns="91440" bIns="45720" numCol="1" anchor="t" anchorCtr="0" compatLnSpc="1">
-              <a:prstTxWarp prst="textNoShape">
-                <a:avLst/>
-              </a:prstTxWarp>
-            </a:bodyPr>
-            <a:lstStyle/>
-            <a:p>
-              <a:endParaRPr lang="en-US"/>
-            </a:p>
-          </p:txBody>
-        </p:sp>
-        <p:sp>
-          <p:nvSpPr>
-            <p:cNvPr id="56" name="Line 53">
-              <a:extLst>
-                <a:ext uri="{FF2B5EF4-FFF2-40B4-BE49-F238E27FC236}">
-                  <a16:creationId xmlns:a16="http://schemas.microsoft.com/office/drawing/2014/main" id="{6AFEE9B5-BCFB-BF35-1BE9-6F9FF0CD9F40}"/>
-                </a:ext>
-              </a:extLst>
-            </p:cNvPr>
-            <p:cNvSpPr>
-              <a:spLocks noChangeShapeType="1"/>
-            </p:cNvSpPr>
-            <p:nvPr/>
-          </p:nvSpPr>
-          <p:spPr bwMode="auto">
-            <a:xfrm flipH="1">
-              <a:off x="8226425" y="1724025"/>
-              <a:ext cx="39688" cy="0"/>
-            </a:xfrm>
-            <a:prstGeom prst="line">
-              <a:avLst/>
-            </a:prstGeom>
-            <a:noFill/>
-            <a:ln w="6350" cap="flat">
-              <a:solidFill>
-                <a:srgbClr val="262626"/>
-              </a:solidFill>
-              <a:prstDash val="solid"/>
-              <a:round/>
-              <a:headEnd/>
-              <a:tailEnd/>
-            </a:ln>
-            <a:extLst>
-              <a:ext uri="{909E8E84-426E-40DD-AFC4-6F175D3DCCD1}">
-                <a14:hiddenFill xmlns:a14="http://schemas.microsoft.com/office/drawing/2010/main">
-                  <a:noFill/>
-                </a14:hiddenFill>
-              </a:ext>
-            </a:extLst>
-          </p:spPr>
-          <p:txBody>
-            <a:bodyPr vert="horz" wrap="square" lIns="91440" tIns="45720" rIns="91440" bIns="45720" numCol="1" anchor="t" anchorCtr="0" compatLnSpc="1">
-              <a:prstTxWarp prst="textNoShape">
-                <a:avLst/>
-              </a:prstTxWarp>
-            </a:bodyPr>
-            <a:lstStyle/>
-            <a:p>
-              <a:endParaRPr lang="en-US"/>
-            </a:p>
-          </p:txBody>
-        </p:sp>
-        <p:sp>
-          <p:nvSpPr>
-            <p:cNvPr id="57" name="Rectangle 54">
-              <a:extLst>
-                <a:ext uri="{FF2B5EF4-FFF2-40B4-BE49-F238E27FC236}">
-                  <a16:creationId xmlns:a16="http://schemas.microsoft.com/office/drawing/2014/main" id="{19A0E37A-BABB-92BE-86BA-17D6FBF282E8}"/>
-                </a:ext>
-              </a:extLst>
-            </p:cNvPr>
-            <p:cNvSpPr>
-              <a:spLocks noChangeArrowheads="1"/>
-            </p:cNvSpPr>
-            <p:nvPr/>
-          </p:nvSpPr>
-          <p:spPr bwMode="auto">
-            <a:xfrm>
-              <a:off x="3963988" y="4932363"/>
-              <a:ext cx="161925" cy="152400"/>
-            </a:xfrm>
-            <a:prstGeom prst="rect">
-              <a:avLst/>
-            </a:prstGeom>
-            <a:noFill/>
-            <a:ln>
-              <a:noFill/>
-            </a:ln>
-            <a:extLst>
-              <a:ext uri="{909E8E84-426E-40DD-AFC4-6F175D3DCCD1}">
-                <a14:hiddenFill xmlns:a14="http://schemas.microsoft.com/office/drawing/2010/main">
-                  <a:solidFill>
-                    <a:srgbClr val="FFFFFF"/>
-                  </a:solidFill>
-                </a14:hiddenFill>
-              </a:ext>
-              <a:ext uri="{91240B29-F687-4F45-9708-019B960494DF}">
-                <a14:hiddenLine xmlns:a14="http://schemas.microsoft.com/office/drawing/2010/main" w="9525">
-                  <a:solidFill>
-                    <a:srgbClr val="000000"/>
-                  </a:solidFill>
-                  <a:miter lim="800000"/>
-                  <a:headEnd/>
-                  <a:tailEnd/>
-                </a14:hiddenLine>
-              </a:ext>
-            </a:extLst>
-          </p:spPr>
-          <p:txBody>
-            <a:bodyPr vert="horz" wrap="none" lIns="0" tIns="0" rIns="0" bIns="0" numCol="1" anchor="t" anchorCtr="0" compatLnSpc="1">
-              <a:prstTxWarp prst="textNoShape">
-                <a:avLst/>
-              </a:prstTxWarp>
-              <a:spAutoFit/>
-            </a:bodyPr>
-            <a:lstStyle>
-              <a:lvl1pPr eaLnBrk="0" fontAlgn="base" hangingPunct="0">
-                <a:spcBef>
-                  <a:spcPct val="0"/>
-                </a:spcBef>
-                <a:spcAft>
-                  <a:spcPct val="0"/>
-                </a:spcAft>
-                <a:defRPr>
-                  <a:solidFill>
-                    <a:schemeClr val="tx1"/>
-                  </a:solidFill>
-                  <a:latin typeface="Arial" panose="020B0604020202020204" pitchFamily="34" charset="0"/>
-                </a:defRPr>
-              </a:lvl1pPr>
-              <a:lvl2pPr eaLnBrk="0" fontAlgn="base" hangingPunct="0">
-                <a:spcBef>
-                  <a:spcPct val="0"/>
-                </a:spcBef>
-                <a:spcAft>
-                  <a:spcPct val="0"/>
-                </a:spcAft>
-                <a:defRPr>
-                  <a:solidFill>
-                    <a:schemeClr val="tx1"/>
-                  </a:solidFill>
-                  <a:latin typeface="Arial" panose="020B0604020202020204" pitchFamily="34" charset="0"/>
-                </a:defRPr>
-              </a:lvl2pPr>
-              <a:lvl3pPr eaLnBrk="0" fontAlgn="base" hangingPunct="0">
-                <a:spcBef>
-                  <a:spcPct val="0"/>
-                </a:spcBef>
-                <a:spcAft>
-                  <a:spcPct val="0"/>
-                </a:spcAft>
-                <a:defRPr>
-                  <a:solidFill>
-                    <a:schemeClr val="tx1"/>
-                  </a:solidFill>
-                  <a:latin typeface="Arial" panose="020B0604020202020204" pitchFamily="34" charset="0"/>
-                </a:defRPr>
-              </a:lvl3pPr>
-              <a:lvl4pPr eaLnBrk="0" fontAlgn="base" hangingPunct="0">
-                <a:spcBef>
-                  <a:spcPct val="0"/>
-                </a:spcBef>
-                <a:spcAft>
-                  <a:spcPct val="0"/>
-                </a:spcAft>
-                <a:defRPr>
-                  <a:solidFill>
-                    <a:schemeClr val="tx1"/>
-                  </a:solidFill>
-                  <a:latin typeface="Arial" panose="020B0604020202020204" pitchFamily="34" charset="0"/>
-                </a:defRPr>
-              </a:lvl4pPr>
-              <a:lvl5pPr eaLnBrk="0" fontAlgn="base" hangingPunct="0">
-                <a:spcBef>
-                  <a:spcPct val="0"/>
-                </a:spcBef>
-                <a:spcAft>
-                  <a:spcPct val="0"/>
-                </a:spcAft>
-                <a:defRPr>
-                  <a:solidFill>
-                    <a:schemeClr val="tx1"/>
-                  </a:solidFill>
-                  <a:latin typeface="Arial" panose="020B0604020202020204" pitchFamily="34" charset="0"/>
-                </a:defRPr>
-              </a:lvl5pPr>
-              <a:lvl6pPr eaLnBrk="0" fontAlgn="base" hangingPunct="0">
-                <a:spcBef>
-                  <a:spcPct val="0"/>
-                </a:spcBef>
-                <a:spcAft>
-                  <a:spcPct val="0"/>
-                </a:spcAft>
-                <a:defRPr>
-                  <a:solidFill>
-                    <a:schemeClr val="tx1"/>
-                  </a:solidFill>
-                  <a:latin typeface="Arial" panose="020B0604020202020204" pitchFamily="34" charset="0"/>
-                </a:defRPr>
-              </a:lvl6pPr>
-              <a:lvl7pPr eaLnBrk="0" fontAlgn="base" hangingPunct="0">
-                <a:spcBef>
-                  <a:spcPct val="0"/>
-                </a:spcBef>
-                <a:spcAft>
-                  <a:spcPct val="0"/>
-                </a:spcAft>
-                <a:defRPr>
-                  <a:solidFill>
-                    <a:schemeClr val="tx1"/>
-                  </a:solidFill>
-                  <a:latin typeface="Arial" panose="020B0604020202020204" pitchFamily="34" charset="0"/>
-                </a:defRPr>
-              </a:lvl7pPr>
-              <a:lvl8pPr eaLnBrk="0" fontAlgn="base" hangingPunct="0">
-                <a:spcBef>
-                  <a:spcPct val="0"/>
-                </a:spcBef>
-                <a:spcAft>
-                  <a:spcPct val="0"/>
-                </a:spcAft>
-                <a:defRPr>
-                  <a:solidFill>
-                    <a:schemeClr val="tx1"/>
-                  </a:solidFill>
-                  <a:latin typeface="Arial" panose="020B0604020202020204" pitchFamily="34" charset="0"/>
-                </a:defRPr>
-              </a:lvl8pPr>
-              <a:lvl9pPr eaLnBrk="0" fontAlgn="base" hangingPunct="0">
-                <a:spcBef>
-                  <a:spcPct val="0"/>
-                </a:spcBef>
-                <a:spcAft>
-                  <a:spcPct val="0"/>
-                </a:spcAft>
-                <a:defRPr>
-                  <a:solidFill>
-                    <a:schemeClr val="tx1"/>
-                  </a:solidFill>
-                  <a:latin typeface="Arial" panose="020B0604020202020204" pitchFamily="34" charset="0"/>
-                </a:defRPr>
-              </a:lvl9pPr>
-            </a:lstStyle>
-            <a:p>
-              <a:pPr marL="0" marR="0" lvl="0" indent="0" algn="l" defTabSz="914400" rtl="0" eaLnBrk="0" fontAlgn="base" latinLnBrk="0" hangingPunct="0">
-                <a:lnSpc>
-                  <a:spcPct val="100000"/>
-                </a:lnSpc>
-                <a:spcBef>
-                  <a:spcPct val="0"/>
-                </a:spcBef>
-                <a:spcAft>
-                  <a:spcPct val="0"/>
-                </a:spcAft>
-                <a:buClrTx/>
-                <a:buSzTx/>
-                <a:buFontTx/>
-                <a:buNone/>
-                <a:tabLst/>
-              </a:pPr>
-              <a:r>
-                <a:rPr kumimoji="0" lang="en-US" altLang="en-US" sz="1000" b="0" i="0" u="none" strike="noStrike" cap="none" normalizeH="0" baseline="0">
-                  <a:ln>
-                    <a:noFill/>
-                  </a:ln>
-                  <a:solidFill>
-                    <a:srgbClr val="262626"/>
-                  </a:solidFill>
-                  <a:effectLst/>
-                  <a:latin typeface="Arial" panose="020B0604020202020204" pitchFamily="34" charset="0"/>
-                </a:rPr>
-                <a:t>-1</a:t>
-              </a:r>
-              <a:endParaRPr kumimoji="0" lang="en-US" altLang="en-US" sz="1800" b="0" i="0" u="none" strike="noStrike" cap="none" normalizeH="0" baseline="0">
-                <a:ln>
-                  <a:noFill/>
-                </a:ln>
-                <a:solidFill>
-                  <a:schemeClr val="tx1"/>
-                </a:solidFill>
-                <a:effectLst/>
-                <a:latin typeface="Arial" panose="020B0604020202020204" pitchFamily="34" charset="0"/>
-              </a:endParaRPr>
-            </a:p>
-          </p:txBody>
-        </p:sp>
-        <p:sp>
-          <p:nvSpPr>
-            <p:cNvPr id="58" name="Rectangle 55">
-              <a:extLst>
-                <a:ext uri="{FF2B5EF4-FFF2-40B4-BE49-F238E27FC236}">
-                  <a16:creationId xmlns:a16="http://schemas.microsoft.com/office/drawing/2014/main" id="{1DAFD75C-D776-5CAF-41C5-06D4EA90CD67}"/>
-                </a:ext>
-              </a:extLst>
-            </p:cNvPr>
-            <p:cNvSpPr>
-              <a:spLocks noChangeArrowheads="1"/>
-            </p:cNvSpPr>
-            <p:nvPr/>
-          </p:nvSpPr>
-          <p:spPr bwMode="auto">
-            <a:xfrm>
-              <a:off x="3859213" y="4608513"/>
-              <a:ext cx="266700" cy="152400"/>
-            </a:xfrm>
-            <a:prstGeom prst="rect">
-              <a:avLst/>
-            </a:prstGeom>
-            <a:noFill/>
-            <a:ln>
-              <a:noFill/>
-            </a:ln>
-            <a:extLst>
-              <a:ext uri="{909E8E84-426E-40DD-AFC4-6F175D3DCCD1}">
-                <a14:hiddenFill xmlns:a14="http://schemas.microsoft.com/office/drawing/2010/main">
-                  <a:solidFill>
-                    <a:srgbClr val="FFFFFF"/>
-                  </a:solidFill>
-                </a14:hiddenFill>
-              </a:ext>
-              <a:ext uri="{91240B29-F687-4F45-9708-019B960494DF}">
-                <a14:hiddenLine xmlns:a14="http://schemas.microsoft.com/office/drawing/2010/main" w="9525">
-                  <a:solidFill>
-                    <a:srgbClr val="000000"/>
-                  </a:solidFill>
-                  <a:miter lim="800000"/>
-                  <a:headEnd/>
-                  <a:tailEnd/>
-                </a14:hiddenLine>
-              </a:ext>
-            </a:extLst>
-          </p:spPr>
-          <p:txBody>
-            <a:bodyPr vert="horz" wrap="none" lIns="0" tIns="0" rIns="0" bIns="0" numCol="1" anchor="t" anchorCtr="0" compatLnSpc="1">
-              <a:prstTxWarp prst="textNoShape">
-                <a:avLst/>
-              </a:prstTxWarp>
-              <a:spAutoFit/>
-            </a:bodyPr>
-            <a:lstStyle>
-              <a:lvl1pPr eaLnBrk="0" fontAlgn="base" hangingPunct="0">
-                <a:spcBef>
-                  <a:spcPct val="0"/>
-                </a:spcBef>
-                <a:spcAft>
-                  <a:spcPct val="0"/>
-                </a:spcAft>
-                <a:defRPr>
-                  <a:solidFill>
-                    <a:schemeClr val="tx1"/>
-                  </a:solidFill>
-                  <a:latin typeface="Arial" panose="020B0604020202020204" pitchFamily="34" charset="0"/>
-                </a:defRPr>
-              </a:lvl1pPr>
-              <a:lvl2pPr eaLnBrk="0" fontAlgn="base" hangingPunct="0">
-                <a:spcBef>
-                  <a:spcPct val="0"/>
-                </a:spcBef>
-                <a:spcAft>
-                  <a:spcPct val="0"/>
-                </a:spcAft>
-                <a:defRPr>
-                  <a:solidFill>
-                    <a:schemeClr val="tx1"/>
-                  </a:solidFill>
-                  <a:latin typeface="Arial" panose="020B0604020202020204" pitchFamily="34" charset="0"/>
-                </a:defRPr>
-              </a:lvl2pPr>
-              <a:lvl3pPr eaLnBrk="0" fontAlgn="base" hangingPunct="0">
-                <a:spcBef>
-                  <a:spcPct val="0"/>
-                </a:spcBef>
-                <a:spcAft>
-                  <a:spcPct val="0"/>
-                </a:spcAft>
-                <a:defRPr>
-                  <a:solidFill>
-                    <a:schemeClr val="tx1"/>
-                  </a:solidFill>
-                  <a:latin typeface="Arial" panose="020B0604020202020204" pitchFamily="34" charset="0"/>
-                </a:defRPr>
-              </a:lvl3pPr>
-              <a:lvl4pPr eaLnBrk="0" fontAlgn="base" hangingPunct="0">
-                <a:spcBef>
-                  <a:spcPct val="0"/>
-                </a:spcBef>
-                <a:spcAft>
-                  <a:spcPct val="0"/>
-                </a:spcAft>
-                <a:defRPr>
-                  <a:solidFill>
-                    <a:schemeClr val="tx1"/>
-                  </a:solidFill>
-                  <a:latin typeface="Arial" panose="020B0604020202020204" pitchFamily="34" charset="0"/>
-                </a:defRPr>
-              </a:lvl4pPr>
-              <a:lvl5pPr eaLnBrk="0" fontAlgn="base" hangingPunct="0">
-                <a:spcBef>
-                  <a:spcPct val="0"/>
-                </a:spcBef>
-                <a:spcAft>
-                  <a:spcPct val="0"/>
-                </a:spcAft>
-                <a:defRPr>
-                  <a:solidFill>
-                    <a:schemeClr val="tx1"/>
-                  </a:solidFill>
-                  <a:latin typeface="Arial" panose="020B0604020202020204" pitchFamily="34" charset="0"/>
-                </a:defRPr>
-              </a:lvl5pPr>
-              <a:lvl6pPr eaLnBrk="0" fontAlgn="base" hangingPunct="0">
-                <a:spcBef>
-                  <a:spcPct val="0"/>
-                </a:spcBef>
-                <a:spcAft>
-                  <a:spcPct val="0"/>
-                </a:spcAft>
-                <a:defRPr>
-                  <a:solidFill>
-                    <a:schemeClr val="tx1"/>
-                  </a:solidFill>
-                  <a:latin typeface="Arial" panose="020B0604020202020204" pitchFamily="34" charset="0"/>
-                </a:defRPr>
-              </a:lvl6pPr>
-              <a:lvl7pPr eaLnBrk="0" fontAlgn="base" hangingPunct="0">
-                <a:spcBef>
-                  <a:spcPct val="0"/>
-                </a:spcBef>
-                <a:spcAft>
-                  <a:spcPct val="0"/>
-                </a:spcAft>
-                <a:defRPr>
-                  <a:solidFill>
-                    <a:schemeClr val="tx1"/>
-                  </a:solidFill>
-                  <a:latin typeface="Arial" panose="020B0604020202020204" pitchFamily="34" charset="0"/>
-                </a:defRPr>
-              </a:lvl7pPr>
-              <a:lvl8pPr eaLnBrk="0" fontAlgn="base" hangingPunct="0">
-                <a:spcBef>
-                  <a:spcPct val="0"/>
-                </a:spcBef>
-                <a:spcAft>
-                  <a:spcPct val="0"/>
-                </a:spcAft>
-                <a:defRPr>
-                  <a:solidFill>
-                    <a:schemeClr val="tx1"/>
-                  </a:solidFill>
-                  <a:latin typeface="Arial" panose="020B0604020202020204" pitchFamily="34" charset="0"/>
-                </a:defRPr>
-              </a:lvl8pPr>
-              <a:lvl9pPr eaLnBrk="0" fontAlgn="base" hangingPunct="0">
-                <a:spcBef>
-                  <a:spcPct val="0"/>
-                </a:spcBef>
-                <a:spcAft>
-                  <a:spcPct val="0"/>
-                </a:spcAft>
-                <a:defRPr>
-                  <a:solidFill>
-                    <a:schemeClr val="tx1"/>
-                  </a:solidFill>
-                  <a:latin typeface="Arial" panose="020B0604020202020204" pitchFamily="34" charset="0"/>
-                </a:defRPr>
-              </a:lvl9pPr>
-            </a:lstStyle>
-            <a:p>
-              <a:pPr marL="0" marR="0" lvl="0" indent="0" algn="l" defTabSz="914400" rtl="0" eaLnBrk="0" fontAlgn="base" latinLnBrk="0" hangingPunct="0">
-                <a:lnSpc>
-                  <a:spcPct val="100000"/>
-                </a:lnSpc>
-                <a:spcBef>
-                  <a:spcPct val="0"/>
-                </a:spcBef>
-                <a:spcAft>
-                  <a:spcPct val="0"/>
-                </a:spcAft>
-                <a:buClrTx/>
-                <a:buSzTx/>
-                <a:buFontTx/>
-                <a:buNone/>
-                <a:tabLst/>
-              </a:pPr>
-              <a:r>
-                <a:rPr kumimoji="0" lang="en-US" altLang="en-US" sz="1000" b="0" i="0" u="none" strike="noStrike" cap="none" normalizeH="0" baseline="0">
-                  <a:ln>
-                    <a:noFill/>
-                  </a:ln>
-                  <a:solidFill>
-                    <a:srgbClr val="262626"/>
-                  </a:solidFill>
-                  <a:effectLst/>
-                  <a:latin typeface="Arial" panose="020B0604020202020204" pitchFamily="34" charset="0"/>
-                </a:rPr>
-                <a:t>-0.8</a:t>
-              </a:r>
-              <a:endParaRPr kumimoji="0" lang="en-US" altLang="en-US" sz="1800" b="0" i="0" u="none" strike="noStrike" cap="none" normalizeH="0" baseline="0">
-                <a:ln>
-                  <a:noFill/>
-                </a:ln>
-                <a:solidFill>
-                  <a:schemeClr val="tx1"/>
-                </a:solidFill>
-                <a:effectLst/>
-                <a:latin typeface="Arial" panose="020B0604020202020204" pitchFamily="34" charset="0"/>
-              </a:endParaRPr>
-            </a:p>
-          </p:txBody>
-        </p:sp>
-        <p:sp>
-          <p:nvSpPr>
-            <p:cNvPr id="59" name="Rectangle 56">
-              <a:extLst>
-                <a:ext uri="{FF2B5EF4-FFF2-40B4-BE49-F238E27FC236}">
-                  <a16:creationId xmlns:a16="http://schemas.microsoft.com/office/drawing/2014/main" id="{F461B8B5-5980-49D1-312F-4C1B762609CA}"/>
-                </a:ext>
-              </a:extLst>
-            </p:cNvPr>
-            <p:cNvSpPr>
-              <a:spLocks noChangeArrowheads="1"/>
-            </p:cNvSpPr>
-            <p:nvPr/>
-          </p:nvSpPr>
-          <p:spPr bwMode="auto">
-            <a:xfrm>
-              <a:off x="3859213" y="4273550"/>
-              <a:ext cx="266700" cy="152400"/>
-            </a:xfrm>
-            <a:prstGeom prst="rect">
-              <a:avLst/>
-            </a:prstGeom>
-            <a:noFill/>
-            <a:ln>
-              <a:noFill/>
-            </a:ln>
-            <a:extLst>
-              <a:ext uri="{909E8E84-426E-40DD-AFC4-6F175D3DCCD1}">
-                <a14:hiddenFill xmlns:a14="http://schemas.microsoft.com/office/drawing/2010/main">
-                  <a:solidFill>
-                    <a:srgbClr val="FFFFFF"/>
-                  </a:solidFill>
-                </a14:hiddenFill>
-              </a:ext>
-              <a:ext uri="{91240B29-F687-4F45-9708-019B960494DF}">
-                <a14:hiddenLine xmlns:a14="http://schemas.microsoft.com/office/drawing/2010/main" w="9525">
-                  <a:solidFill>
-                    <a:srgbClr val="000000"/>
-                  </a:solidFill>
-                  <a:miter lim="800000"/>
-                  <a:headEnd/>
-                  <a:tailEnd/>
-                </a14:hiddenLine>
-              </a:ext>
-            </a:extLst>
-          </p:spPr>
-          <p:txBody>
-            <a:bodyPr vert="horz" wrap="none" lIns="0" tIns="0" rIns="0" bIns="0" numCol="1" anchor="t" anchorCtr="0" compatLnSpc="1">
-              <a:prstTxWarp prst="textNoShape">
-                <a:avLst/>
-              </a:prstTxWarp>
-              <a:spAutoFit/>
-            </a:bodyPr>
-            <a:lstStyle>
-              <a:lvl1pPr eaLnBrk="0" fontAlgn="base" hangingPunct="0">
-                <a:spcBef>
-                  <a:spcPct val="0"/>
-                </a:spcBef>
-                <a:spcAft>
-                  <a:spcPct val="0"/>
-                </a:spcAft>
-                <a:defRPr>
-                  <a:solidFill>
-                    <a:schemeClr val="tx1"/>
-                  </a:solidFill>
-                  <a:latin typeface="Arial" panose="020B0604020202020204" pitchFamily="34" charset="0"/>
-                </a:defRPr>
-              </a:lvl1pPr>
-              <a:lvl2pPr eaLnBrk="0" fontAlgn="base" hangingPunct="0">
-                <a:spcBef>
-                  <a:spcPct val="0"/>
-                </a:spcBef>
-                <a:spcAft>
-                  <a:spcPct val="0"/>
-                </a:spcAft>
-                <a:defRPr>
-                  <a:solidFill>
-                    <a:schemeClr val="tx1"/>
-                  </a:solidFill>
-                  <a:latin typeface="Arial" panose="020B0604020202020204" pitchFamily="34" charset="0"/>
-                </a:defRPr>
-              </a:lvl2pPr>
-              <a:lvl3pPr eaLnBrk="0" fontAlgn="base" hangingPunct="0">
-                <a:spcBef>
-                  <a:spcPct val="0"/>
-                </a:spcBef>
-                <a:spcAft>
-                  <a:spcPct val="0"/>
-                </a:spcAft>
-                <a:defRPr>
-                  <a:solidFill>
-                    <a:schemeClr val="tx1"/>
-                  </a:solidFill>
-                  <a:latin typeface="Arial" panose="020B0604020202020204" pitchFamily="34" charset="0"/>
-                </a:defRPr>
-              </a:lvl3pPr>
-              <a:lvl4pPr eaLnBrk="0" fontAlgn="base" hangingPunct="0">
-                <a:spcBef>
-                  <a:spcPct val="0"/>
-                </a:spcBef>
-                <a:spcAft>
-                  <a:spcPct val="0"/>
-                </a:spcAft>
-                <a:defRPr>
-                  <a:solidFill>
-                    <a:schemeClr val="tx1"/>
-                  </a:solidFill>
-                  <a:latin typeface="Arial" panose="020B0604020202020204" pitchFamily="34" charset="0"/>
-                </a:defRPr>
-              </a:lvl4pPr>
-              <a:lvl5pPr eaLnBrk="0" fontAlgn="base" hangingPunct="0">
-                <a:spcBef>
-                  <a:spcPct val="0"/>
-                </a:spcBef>
-                <a:spcAft>
-                  <a:spcPct val="0"/>
-                </a:spcAft>
-                <a:defRPr>
-                  <a:solidFill>
-                    <a:schemeClr val="tx1"/>
-                  </a:solidFill>
-                  <a:latin typeface="Arial" panose="020B0604020202020204" pitchFamily="34" charset="0"/>
-                </a:defRPr>
-              </a:lvl5pPr>
-              <a:lvl6pPr eaLnBrk="0" fontAlgn="base" hangingPunct="0">
-                <a:spcBef>
-                  <a:spcPct val="0"/>
-                </a:spcBef>
-                <a:spcAft>
-                  <a:spcPct val="0"/>
-                </a:spcAft>
-                <a:defRPr>
-                  <a:solidFill>
-                    <a:schemeClr val="tx1"/>
-                  </a:solidFill>
-                  <a:latin typeface="Arial" panose="020B0604020202020204" pitchFamily="34" charset="0"/>
-                </a:defRPr>
-              </a:lvl6pPr>
-              <a:lvl7pPr eaLnBrk="0" fontAlgn="base" hangingPunct="0">
-                <a:spcBef>
-                  <a:spcPct val="0"/>
-                </a:spcBef>
-                <a:spcAft>
-                  <a:spcPct val="0"/>
-                </a:spcAft>
-                <a:defRPr>
-                  <a:solidFill>
-                    <a:schemeClr val="tx1"/>
-                  </a:solidFill>
-                  <a:latin typeface="Arial" panose="020B0604020202020204" pitchFamily="34" charset="0"/>
-                </a:defRPr>
-              </a:lvl7pPr>
-              <a:lvl8pPr eaLnBrk="0" fontAlgn="base" hangingPunct="0">
-                <a:spcBef>
-                  <a:spcPct val="0"/>
-                </a:spcBef>
-                <a:spcAft>
-                  <a:spcPct val="0"/>
-                </a:spcAft>
-                <a:defRPr>
-                  <a:solidFill>
-                    <a:schemeClr val="tx1"/>
-                  </a:solidFill>
-                  <a:latin typeface="Arial" panose="020B0604020202020204" pitchFamily="34" charset="0"/>
-                </a:defRPr>
-              </a:lvl8pPr>
-              <a:lvl9pPr eaLnBrk="0" fontAlgn="base" hangingPunct="0">
-                <a:spcBef>
-                  <a:spcPct val="0"/>
-                </a:spcBef>
-                <a:spcAft>
-                  <a:spcPct val="0"/>
-                </a:spcAft>
-                <a:defRPr>
-                  <a:solidFill>
-                    <a:schemeClr val="tx1"/>
-                  </a:solidFill>
-                  <a:latin typeface="Arial" panose="020B0604020202020204" pitchFamily="34" charset="0"/>
-                </a:defRPr>
-              </a:lvl9pPr>
-            </a:lstStyle>
-            <a:p>
-              <a:pPr marL="0" marR="0" lvl="0" indent="0" algn="l" defTabSz="914400" rtl="0" eaLnBrk="0" fontAlgn="base" latinLnBrk="0" hangingPunct="0">
-                <a:lnSpc>
-                  <a:spcPct val="100000"/>
-                </a:lnSpc>
-                <a:spcBef>
-                  <a:spcPct val="0"/>
-                </a:spcBef>
-                <a:spcAft>
-                  <a:spcPct val="0"/>
-                </a:spcAft>
-                <a:buClrTx/>
-                <a:buSzTx/>
-                <a:buFontTx/>
-                <a:buNone/>
-                <a:tabLst/>
-              </a:pPr>
-              <a:r>
-                <a:rPr kumimoji="0" lang="en-US" altLang="en-US" sz="1000" b="0" i="0" u="none" strike="noStrike" cap="none" normalizeH="0" baseline="0">
-                  <a:ln>
-                    <a:noFill/>
-                  </a:ln>
-                  <a:solidFill>
-                    <a:srgbClr val="262626"/>
-                  </a:solidFill>
-                  <a:effectLst/>
-                  <a:latin typeface="Arial" panose="020B0604020202020204" pitchFamily="34" charset="0"/>
-                </a:rPr>
-                <a:t>-0.6</a:t>
-              </a:r>
-              <a:endParaRPr kumimoji="0" lang="en-US" altLang="en-US" sz="1800" b="0" i="0" u="none" strike="noStrike" cap="none" normalizeH="0" baseline="0">
-                <a:ln>
-                  <a:noFill/>
-                </a:ln>
-                <a:solidFill>
-                  <a:schemeClr val="tx1"/>
-                </a:solidFill>
-                <a:effectLst/>
-                <a:latin typeface="Arial" panose="020B0604020202020204" pitchFamily="34" charset="0"/>
-              </a:endParaRPr>
-            </a:p>
-          </p:txBody>
-        </p:sp>
-        <p:sp>
-          <p:nvSpPr>
-            <p:cNvPr id="60" name="Rectangle 57">
-              <a:extLst>
-                <a:ext uri="{FF2B5EF4-FFF2-40B4-BE49-F238E27FC236}">
-                  <a16:creationId xmlns:a16="http://schemas.microsoft.com/office/drawing/2014/main" id="{34153DC4-779F-DE27-4FC1-250DA0FEF2A9}"/>
-                </a:ext>
-              </a:extLst>
-            </p:cNvPr>
-            <p:cNvSpPr>
-              <a:spLocks noChangeArrowheads="1"/>
-            </p:cNvSpPr>
-            <p:nvPr/>
-          </p:nvSpPr>
-          <p:spPr bwMode="auto">
-            <a:xfrm>
-              <a:off x="3859213" y="3949700"/>
-              <a:ext cx="266700" cy="152400"/>
-            </a:xfrm>
-            <a:prstGeom prst="rect">
-              <a:avLst/>
-            </a:prstGeom>
-            <a:noFill/>
-            <a:ln>
-              <a:noFill/>
-            </a:ln>
-            <a:extLst>
-              <a:ext uri="{909E8E84-426E-40DD-AFC4-6F175D3DCCD1}">
-                <a14:hiddenFill xmlns:a14="http://schemas.microsoft.com/office/drawing/2010/main">
-                  <a:solidFill>
-                    <a:srgbClr val="FFFFFF"/>
-                  </a:solidFill>
-                </a14:hiddenFill>
-              </a:ext>
-              <a:ext uri="{91240B29-F687-4F45-9708-019B960494DF}">
-                <a14:hiddenLine xmlns:a14="http://schemas.microsoft.com/office/drawing/2010/main" w="9525">
-                  <a:solidFill>
-                    <a:srgbClr val="000000"/>
-                  </a:solidFill>
-                  <a:miter lim="800000"/>
-                  <a:headEnd/>
-                  <a:tailEnd/>
-                </a14:hiddenLine>
-              </a:ext>
-            </a:extLst>
-          </p:spPr>
-          <p:txBody>
-            <a:bodyPr vert="horz" wrap="none" lIns="0" tIns="0" rIns="0" bIns="0" numCol="1" anchor="t" anchorCtr="0" compatLnSpc="1">
-              <a:prstTxWarp prst="textNoShape">
-                <a:avLst/>
-              </a:prstTxWarp>
-              <a:spAutoFit/>
-            </a:bodyPr>
-            <a:lstStyle>
-              <a:lvl1pPr eaLnBrk="0" fontAlgn="base" hangingPunct="0">
-                <a:spcBef>
-                  <a:spcPct val="0"/>
-                </a:spcBef>
-                <a:spcAft>
-                  <a:spcPct val="0"/>
-                </a:spcAft>
-                <a:defRPr>
-                  <a:solidFill>
-                    <a:schemeClr val="tx1"/>
-                  </a:solidFill>
-                  <a:latin typeface="Arial" panose="020B0604020202020204" pitchFamily="34" charset="0"/>
-                </a:defRPr>
-              </a:lvl1pPr>
-              <a:lvl2pPr eaLnBrk="0" fontAlgn="base" hangingPunct="0">
-                <a:spcBef>
-                  <a:spcPct val="0"/>
-                </a:spcBef>
-                <a:spcAft>
-                  <a:spcPct val="0"/>
-                </a:spcAft>
-                <a:defRPr>
-                  <a:solidFill>
-                    <a:schemeClr val="tx1"/>
-                  </a:solidFill>
-                  <a:latin typeface="Arial" panose="020B0604020202020204" pitchFamily="34" charset="0"/>
-                </a:defRPr>
-              </a:lvl2pPr>
-              <a:lvl3pPr eaLnBrk="0" fontAlgn="base" hangingPunct="0">
-                <a:spcBef>
-                  <a:spcPct val="0"/>
-                </a:spcBef>
-                <a:spcAft>
-                  <a:spcPct val="0"/>
-                </a:spcAft>
-                <a:defRPr>
-                  <a:solidFill>
-                    <a:schemeClr val="tx1"/>
-                  </a:solidFill>
-                  <a:latin typeface="Arial" panose="020B0604020202020204" pitchFamily="34" charset="0"/>
-                </a:defRPr>
-              </a:lvl3pPr>
-              <a:lvl4pPr eaLnBrk="0" fontAlgn="base" hangingPunct="0">
-                <a:spcBef>
-                  <a:spcPct val="0"/>
-                </a:spcBef>
-                <a:spcAft>
-                  <a:spcPct val="0"/>
-                </a:spcAft>
-                <a:defRPr>
-                  <a:solidFill>
-                    <a:schemeClr val="tx1"/>
-                  </a:solidFill>
-                  <a:latin typeface="Arial" panose="020B0604020202020204" pitchFamily="34" charset="0"/>
-                </a:defRPr>
-              </a:lvl4pPr>
-              <a:lvl5pPr eaLnBrk="0" fontAlgn="base" hangingPunct="0">
-                <a:spcBef>
-                  <a:spcPct val="0"/>
-                </a:spcBef>
-                <a:spcAft>
-                  <a:spcPct val="0"/>
-                </a:spcAft>
-                <a:defRPr>
-                  <a:solidFill>
-                    <a:schemeClr val="tx1"/>
-                  </a:solidFill>
-                  <a:latin typeface="Arial" panose="020B0604020202020204" pitchFamily="34" charset="0"/>
-                </a:defRPr>
-              </a:lvl5pPr>
-              <a:lvl6pPr eaLnBrk="0" fontAlgn="base" hangingPunct="0">
-                <a:spcBef>
-                  <a:spcPct val="0"/>
-                </a:spcBef>
-                <a:spcAft>
-                  <a:spcPct val="0"/>
-                </a:spcAft>
-                <a:defRPr>
-                  <a:solidFill>
-                    <a:schemeClr val="tx1"/>
-                  </a:solidFill>
-                  <a:latin typeface="Arial" panose="020B0604020202020204" pitchFamily="34" charset="0"/>
-                </a:defRPr>
-              </a:lvl6pPr>
-              <a:lvl7pPr eaLnBrk="0" fontAlgn="base" hangingPunct="0">
-                <a:spcBef>
-                  <a:spcPct val="0"/>
-                </a:spcBef>
-                <a:spcAft>
-                  <a:spcPct val="0"/>
-                </a:spcAft>
-                <a:defRPr>
-                  <a:solidFill>
-                    <a:schemeClr val="tx1"/>
-                  </a:solidFill>
-                  <a:latin typeface="Arial" panose="020B0604020202020204" pitchFamily="34" charset="0"/>
-                </a:defRPr>
-              </a:lvl7pPr>
-              <a:lvl8pPr eaLnBrk="0" fontAlgn="base" hangingPunct="0">
-                <a:spcBef>
-                  <a:spcPct val="0"/>
-                </a:spcBef>
-                <a:spcAft>
-                  <a:spcPct val="0"/>
-                </a:spcAft>
-                <a:defRPr>
-                  <a:solidFill>
-                    <a:schemeClr val="tx1"/>
-                  </a:solidFill>
-                  <a:latin typeface="Arial" panose="020B0604020202020204" pitchFamily="34" charset="0"/>
-                </a:defRPr>
-              </a:lvl8pPr>
-              <a:lvl9pPr eaLnBrk="0" fontAlgn="base" hangingPunct="0">
-                <a:spcBef>
-                  <a:spcPct val="0"/>
-                </a:spcBef>
-                <a:spcAft>
-                  <a:spcPct val="0"/>
-                </a:spcAft>
-                <a:defRPr>
-                  <a:solidFill>
-                    <a:schemeClr val="tx1"/>
-                  </a:solidFill>
-                  <a:latin typeface="Arial" panose="020B0604020202020204" pitchFamily="34" charset="0"/>
-                </a:defRPr>
-              </a:lvl9pPr>
-            </a:lstStyle>
-            <a:p>
-              <a:pPr marL="0" marR="0" lvl="0" indent="0" algn="l" defTabSz="914400" rtl="0" eaLnBrk="0" fontAlgn="base" latinLnBrk="0" hangingPunct="0">
-                <a:lnSpc>
-                  <a:spcPct val="100000"/>
-                </a:lnSpc>
-                <a:spcBef>
-                  <a:spcPct val="0"/>
-                </a:spcBef>
-                <a:spcAft>
-                  <a:spcPct val="0"/>
-                </a:spcAft>
-                <a:buClrTx/>
-                <a:buSzTx/>
-                <a:buFontTx/>
-                <a:buNone/>
-                <a:tabLst/>
-              </a:pPr>
-              <a:r>
-                <a:rPr kumimoji="0" lang="en-US" altLang="en-US" sz="1000" b="0" i="0" u="none" strike="noStrike" cap="none" normalizeH="0" baseline="0">
-                  <a:ln>
-                    <a:noFill/>
-                  </a:ln>
-                  <a:solidFill>
-                    <a:srgbClr val="262626"/>
-                  </a:solidFill>
-                  <a:effectLst/>
-                  <a:latin typeface="Arial" panose="020B0604020202020204" pitchFamily="34" charset="0"/>
-                </a:rPr>
-                <a:t>-0.4</a:t>
-              </a:r>
-              <a:endParaRPr kumimoji="0" lang="en-US" altLang="en-US" sz="1800" b="0" i="0" u="none" strike="noStrike" cap="none" normalizeH="0" baseline="0">
-                <a:ln>
-                  <a:noFill/>
-                </a:ln>
-                <a:solidFill>
-                  <a:schemeClr val="tx1"/>
-                </a:solidFill>
-                <a:effectLst/>
-                <a:latin typeface="Arial" panose="020B0604020202020204" pitchFamily="34" charset="0"/>
-              </a:endParaRPr>
-            </a:p>
-          </p:txBody>
-        </p:sp>
-        <p:sp>
-          <p:nvSpPr>
-            <p:cNvPr id="61" name="Rectangle 58">
-              <a:extLst>
-                <a:ext uri="{FF2B5EF4-FFF2-40B4-BE49-F238E27FC236}">
-                  <a16:creationId xmlns:a16="http://schemas.microsoft.com/office/drawing/2014/main" id="{92C3C50B-7E38-6BCA-4D86-9460B1586EEE}"/>
-                </a:ext>
-              </a:extLst>
-            </p:cNvPr>
-            <p:cNvSpPr>
-              <a:spLocks noChangeArrowheads="1"/>
-            </p:cNvSpPr>
-            <p:nvPr/>
-          </p:nvSpPr>
-          <p:spPr bwMode="auto">
-            <a:xfrm>
-              <a:off x="3859213" y="3624263"/>
-              <a:ext cx="266700" cy="152400"/>
-            </a:xfrm>
-            <a:prstGeom prst="rect">
-              <a:avLst/>
-            </a:prstGeom>
-            <a:noFill/>
-            <a:ln>
-              <a:noFill/>
-            </a:ln>
-            <a:extLst>
-              <a:ext uri="{909E8E84-426E-40DD-AFC4-6F175D3DCCD1}">
-                <a14:hiddenFill xmlns:a14="http://schemas.microsoft.com/office/drawing/2010/main">
-                  <a:solidFill>
-                    <a:srgbClr val="FFFFFF"/>
-                  </a:solidFill>
-                </a14:hiddenFill>
-              </a:ext>
-              <a:ext uri="{91240B29-F687-4F45-9708-019B960494DF}">
-                <a14:hiddenLine xmlns:a14="http://schemas.microsoft.com/office/drawing/2010/main" w="9525">
-                  <a:solidFill>
-                    <a:srgbClr val="000000"/>
-                  </a:solidFill>
-                  <a:miter lim="800000"/>
-                  <a:headEnd/>
-                  <a:tailEnd/>
-                </a14:hiddenLine>
-              </a:ext>
-            </a:extLst>
-          </p:spPr>
-          <p:txBody>
-            <a:bodyPr vert="horz" wrap="none" lIns="0" tIns="0" rIns="0" bIns="0" numCol="1" anchor="t" anchorCtr="0" compatLnSpc="1">
-              <a:prstTxWarp prst="textNoShape">
-                <a:avLst/>
-              </a:prstTxWarp>
-              <a:spAutoFit/>
-            </a:bodyPr>
-            <a:lstStyle>
-              <a:lvl1pPr eaLnBrk="0" fontAlgn="base" hangingPunct="0">
-                <a:spcBef>
-                  <a:spcPct val="0"/>
-                </a:spcBef>
-                <a:spcAft>
-                  <a:spcPct val="0"/>
-                </a:spcAft>
-                <a:defRPr>
-                  <a:solidFill>
-                    <a:schemeClr val="tx1"/>
-                  </a:solidFill>
-                  <a:latin typeface="Arial" panose="020B0604020202020204" pitchFamily="34" charset="0"/>
-                </a:defRPr>
-              </a:lvl1pPr>
-              <a:lvl2pPr eaLnBrk="0" fontAlgn="base" hangingPunct="0">
-                <a:spcBef>
-                  <a:spcPct val="0"/>
-                </a:spcBef>
-                <a:spcAft>
-                  <a:spcPct val="0"/>
-                </a:spcAft>
-                <a:defRPr>
-                  <a:solidFill>
-                    <a:schemeClr val="tx1"/>
-                  </a:solidFill>
-                  <a:latin typeface="Arial" panose="020B0604020202020204" pitchFamily="34" charset="0"/>
-                </a:defRPr>
-              </a:lvl2pPr>
-              <a:lvl3pPr eaLnBrk="0" fontAlgn="base" hangingPunct="0">
-                <a:spcBef>
-                  <a:spcPct val="0"/>
-                </a:spcBef>
-                <a:spcAft>
-                  <a:spcPct val="0"/>
-                </a:spcAft>
-                <a:defRPr>
-                  <a:solidFill>
-                    <a:schemeClr val="tx1"/>
-                  </a:solidFill>
-                  <a:latin typeface="Arial" panose="020B0604020202020204" pitchFamily="34" charset="0"/>
-                </a:defRPr>
-              </a:lvl3pPr>
-              <a:lvl4pPr eaLnBrk="0" fontAlgn="base" hangingPunct="0">
-                <a:spcBef>
-                  <a:spcPct val="0"/>
-                </a:spcBef>
-                <a:spcAft>
-                  <a:spcPct val="0"/>
-                </a:spcAft>
-                <a:defRPr>
-                  <a:solidFill>
-                    <a:schemeClr val="tx1"/>
-                  </a:solidFill>
-                  <a:latin typeface="Arial" panose="020B0604020202020204" pitchFamily="34" charset="0"/>
-                </a:defRPr>
-              </a:lvl4pPr>
-              <a:lvl5pPr eaLnBrk="0" fontAlgn="base" hangingPunct="0">
-                <a:spcBef>
-                  <a:spcPct val="0"/>
-                </a:spcBef>
-                <a:spcAft>
-                  <a:spcPct val="0"/>
-                </a:spcAft>
-                <a:defRPr>
-                  <a:solidFill>
-                    <a:schemeClr val="tx1"/>
-                  </a:solidFill>
-                  <a:latin typeface="Arial" panose="020B0604020202020204" pitchFamily="34" charset="0"/>
-                </a:defRPr>
-              </a:lvl5pPr>
-              <a:lvl6pPr eaLnBrk="0" fontAlgn="base" hangingPunct="0">
-                <a:spcBef>
-                  <a:spcPct val="0"/>
-                </a:spcBef>
-                <a:spcAft>
-                  <a:spcPct val="0"/>
-                </a:spcAft>
-                <a:defRPr>
-                  <a:solidFill>
-                    <a:schemeClr val="tx1"/>
-                  </a:solidFill>
-                  <a:latin typeface="Arial" panose="020B0604020202020204" pitchFamily="34" charset="0"/>
-                </a:defRPr>
-              </a:lvl6pPr>
-              <a:lvl7pPr eaLnBrk="0" fontAlgn="base" hangingPunct="0">
-                <a:spcBef>
-                  <a:spcPct val="0"/>
-                </a:spcBef>
-                <a:spcAft>
-                  <a:spcPct val="0"/>
-                </a:spcAft>
-                <a:defRPr>
-                  <a:solidFill>
-                    <a:schemeClr val="tx1"/>
-                  </a:solidFill>
-                  <a:latin typeface="Arial" panose="020B0604020202020204" pitchFamily="34" charset="0"/>
-                </a:defRPr>
-              </a:lvl7pPr>
-              <a:lvl8pPr eaLnBrk="0" fontAlgn="base" hangingPunct="0">
-                <a:spcBef>
-                  <a:spcPct val="0"/>
-                </a:spcBef>
-                <a:spcAft>
-                  <a:spcPct val="0"/>
-                </a:spcAft>
-                <a:defRPr>
-                  <a:solidFill>
-                    <a:schemeClr val="tx1"/>
-                  </a:solidFill>
-                  <a:latin typeface="Arial" panose="020B0604020202020204" pitchFamily="34" charset="0"/>
-                </a:defRPr>
-              </a:lvl8pPr>
-              <a:lvl9pPr eaLnBrk="0" fontAlgn="base" hangingPunct="0">
-                <a:spcBef>
-                  <a:spcPct val="0"/>
-                </a:spcBef>
-                <a:spcAft>
-                  <a:spcPct val="0"/>
-                </a:spcAft>
-                <a:defRPr>
-                  <a:solidFill>
-                    <a:schemeClr val="tx1"/>
-                  </a:solidFill>
-                  <a:latin typeface="Arial" panose="020B0604020202020204" pitchFamily="34" charset="0"/>
-                </a:defRPr>
-              </a:lvl9pPr>
-            </a:lstStyle>
-            <a:p>
-              <a:pPr marL="0" marR="0" lvl="0" indent="0" algn="l" defTabSz="914400" rtl="0" eaLnBrk="0" fontAlgn="base" latinLnBrk="0" hangingPunct="0">
-                <a:lnSpc>
-                  <a:spcPct val="100000"/>
-                </a:lnSpc>
-                <a:spcBef>
-                  <a:spcPct val="0"/>
-                </a:spcBef>
-                <a:spcAft>
-                  <a:spcPct val="0"/>
-                </a:spcAft>
-                <a:buClrTx/>
-                <a:buSzTx/>
-                <a:buFontTx/>
-                <a:buNone/>
-                <a:tabLst/>
-              </a:pPr>
-              <a:r>
-                <a:rPr kumimoji="0" lang="en-US" altLang="en-US" sz="1000" b="0" i="0" u="none" strike="noStrike" cap="none" normalizeH="0" baseline="0">
-                  <a:ln>
-                    <a:noFill/>
-                  </a:ln>
-                  <a:solidFill>
-                    <a:srgbClr val="262626"/>
-                  </a:solidFill>
-                  <a:effectLst/>
-                  <a:latin typeface="Arial" panose="020B0604020202020204" pitchFamily="34" charset="0"/>
-                </a:rPr>
-                <a:t>-0.2</a:t>
-              </a:r>
-              <a:endParaRPr kumimoji="0" lang="en-US" altLang="en-US" sz="1800" b="0" i="0" u="none" strike="noStrike" cap="none" normalizeH="0" baseline="0">
-                <a:ln>
-                  <a:noFill/>
-                </a:ln>
-                <a:solidFill>
-                  <a:schemeClr val="tx1"/>
-                </a:solidFill>
-                <a:effectLst/>
-                <a:latin typeface="Arial" panose="020B0604020202020204" pitchFamily="34" charset="0"/>
-              </a:endParaRPr>
-            </a:p>
-          </p:txBody>
-        </p:sp>
-        <p:sp>
-          <p:nvSpPr>
-            <p:cNvPr id="62" name="Rectangle 59">
-              <a:extLst>
-                <a:ext uri="{FF2B5EF4-FFF2-40B4-BE49-F238E27FC236}">
-                  <a16:creationId xmlns:a16="http://schemas.microsoft.com/office/drawing/2014/main" id="{0F69BE37-4944-8DB9-C7B4-D64FEA3CCB3B}"/>
-                </a:ext>
-              </a:extLst>
-            </p:cNvPr>
-            <p:cNvSpPr>
-              <a:spLocks noChangeArrowheads="1"/>
-            </p:cNvSpPr>
-            <p:nvPr/>
-          </p:nvSpPr>
-          <p:spPr bwMode="auto">
-            <a:xfrm>
-              <a:off x="4002088" y="3300413"/>
-              <a:ext cx="123825" cy="152400"/>
-            </a:xfrm>
-            <a:prstGeom prst="rect">
-              <a:avLst/>
-            </a:prstGeom>
-            <a:noFill/>
-            <a:ln>
-              <a:noFill/>
-            </a:ln>
-            <a:extLst>
-              <a:ext uri="{909E8E84-426E-40DD-AFC4-6F175D3DCCD1}">
-                <a14:hiddenFill xmlns:a14="http://schemas.microsoft.com/office/drawing/2010/main">
-                  <a:solidFill>
-                    <a:srgbClr val="FFFFFF"/>
-                  </a:solidFill>
-                </a14:hiddenFill>
-              </a:ext>
-              <a:ext uri="{91240B29-F687-4F45-9708-019B960494DF}">
-                <a14:hiddenLine xmlns:a14="http://schemas.microsoft.com/office/drawing/2010/main" w="9525">
-                  <a:solidFill>
-                    <a:srgbClr val="000000"/>
-                  </a:solidFill>
-                  <a:miter lim="800000"/>
-                  <a:headEnd/>
-                  <a:tailEnd/>
-                </a14:hiddenLine>
-              </a:ext>
-            </a:extLst>
-          </p:spPr>
-          <p:txBody>
-            <a:bodyPr vert="horz" wrap="none" lIns="0" tIns="0" rIns="0" bIns="0" numCol="1" anchor="t" anchorCtr="0" compatLnSpc="1">
-              <a:prstTxWarp prst="textNoShape">
-                <a:avLst/>
-              </a:prstTxWarp>
-              <a:spAutoFit/>
-            </a:bodyPr>
-            <a:lstStyle>
-              <a:lvl1pPr eaLnBrk="0" fontAlgn="base" hangingPunct="0">
-                <a:spcBef>
-                  <a:spcPct val="0"/>
-                </a:spcBef>
-                <a:spcAft>
-                  <a:spcPct val="0"/>
-                </a:spcAft>
-                <a:defRPr>
-                  <a:solidFill>
-                    <a:schemeClr val="tx1"/>
-                  </a:solidFill>
-                  <a:latin typeface="Arial" panose="020B0604020202020204" pitchFamily="34" charset="0"/>
-                </a:defRPr>
-              </a:lvl1pPr>
-              <a:lvl2pPr eaLnBrk="0" fontAlgn="base" hangingPunct="0">
-                <a:spcBef>
-                  <a:spcPct val="0"/>
-                </a:spcBef>
-                <a:spcAft>
-                  <a:spcPct val="0"/>
-                </a:spcAft>
-                <a:defRPr>
-                  <a:solidFill>
-                    <a:schemeClr val="tx1"/>
-                  </a:solidFill>
-                  <a:latin typeface="Arial" panose="020B0604020202020204" pitchFamily="34" charset="0"/>
-                </a:defRPr>
-              </a:lvl2pPr>
-              <a:lvl3pPr eaLnBrk="0" fontAlgn="base" hangingPunct="0">
-                <a:spcBef>
-                  <a:spcPct val="0"/>
-                </a:spcBef>
-                <a:spcAft>
-                  <a:spcPct val="0"/>
-                </a:spcAft>
-                <a:defRPr>
-                  <a:solidFill>
-                    <a:schemeClr val="tx1"/>
-                  </a:solidFill>
-                  <a:latin typeface="Arial" panose="020B0604020202020204" pitchFamily="34" charset="0"/>
-                </a:defRPr>
-              </a:lvl3pPr>
-              <a:lvl4pPr eaLnBrk="0" fontAlgn="base" hangingPunct="0">
-                <a:spcBef>
-                  <a:spcPct val="0"/>
-                </a:spcBef>
-                <a:spcAft>
-                  <a:spcPct val="0"/>
-                </a:spcAft>
-                <a:defRPr>
-                  <a:solidFill>
-                    <a:schemeClr val="tx1"/>
-                  </a:solidFill>
-                  <a:latin typeface="Arial" panose="020B0604020202020204" pitchFamily="34" charset="0"/>
-                </a:defRPr>
-              </a:lvl4pPr>
-              <a:lvl5pPr eaLnBrk="0" fontAlgn="base" hangingPunct="0">
-                <a:spcBef>
-                  <a:spcPct val="0"/>
-                </a:spcBef>
-                <a:spcAft>
-                  <a:spcPct val="0"/>
-                </a:spcAft>
-                <a:defRPr>
-                  <a:solidFill>
-                    <a:schemeClr val="tx1"/>
-                  </a:solidFill>
-                  <a:latin typeface="Arial" panose="020B0604020202020204" pitchFamily="34" charset="0"/>
-                </a:defRPr>
-              </a:lvl5pPr>
-              <a:lvl6pPr eaLnBrk="0" fontAlgn="base" hangingPunct="0">
-                <a:spcBef>
-                  <a:spcPct val="0"/>
-                </a:spcBef>
-                <a:spcAft>
-                  <a:spcPct val="0"/>
-                </a:spcAft>
-                <a:defRPr>
-                  <a:solidFill>
-                    <a:schemeClr val="tx1"/>
-                  </a:solidFill>
-                  <a:latin typeface="Arial" panose="020B0604020202020204" pitchFamily="34" charset="0"/>
-                </a:defRPr>
-              </a:lvl6pPr>
-              <a:lvl7pPr eaLnBrk="0" fontAlgn="base" hangingPunct="0">
-                <a:spcBef>
-                  <a:spcPct val="0"/>
-                </a:spcBef>
-                <a:spcAft>
-                  <a:spcPct val="0"/>
-                </a:spcAft>
-                <a:defRPr>
-                  <a:solidFill>
-                    <a:schemeClr val="tx1"/>
-                  </a:solidFill>
-                  <a:latin typeface="Arial" panose="020B0604020202020204" pitchFamily="34" charset="0"/>
-                </a:defRPr>
-              </a:lvl7pPr>
-              <a:lvl8pPr eaLnBrk="0" fontAlgn="base" hangingPunct="0">
-                <a:spcBef>
-                  <a:spcPct val="0"/>
-                </a:spcBef>
-                <a:spcAft>
-                  <a:spcPct val="0"/>
-                </a:spcAft>
-                <a:defRPr>
-                  <a:solidFill>
-                    <a:schemeClr val="tx1"/>
-                  </a:solidFill>
-                  <a:latin typeface="Arial" panose="020B0604020202020204" pitchFamily="34" charset="0"/>
-                </a:defRPr>
-              </a:lvl8pPr>
-              <a:lvl9pPr eaLnBrk="0" fontAlgn="base" hangingPunct="0">
-                <a:spcBef>
-                  <a:spcPct val="0"/>
-                </a:spcBef>
-                <a:spcAft>
-                  <a:spcPct val="0"/>
-                </a:spcAft>
-                <a:defRPr>
-                  <a:solidFill>
-                    <a:schemeClr val="tx1"/>
-                  </a:solidFill>
-                  <a:latin typeface="Arial" panose="020B0604020202020204" pitchFamily="34" charset="0"/>
-                </a:defRPr>
-              </a:lvl9pPr>
-            </a:lstStyle>
-            <a:p>
-              <a:pPr marL="0" marR="0" lvl="0" indent="0" algn="l" defTabSz="914400" rtl="0" eaLnBrk="0" fontAlgn="base" latinLnBrk="0" hangingPunct="0">
-                <a:lnSpc>
-                  <a:spcPct val="100000"/>
-                </a:lnSpc>
-                <a:spcBef>
-                  <a:spcPct val="0"/>
-                </a:spcBef>
-                <a:spcAft>
-                  <a:spcPct val="0"/>
-                </a:spcAft>
-                <a:buClrTx/>
-                <a:buSzTx/>
-                <a:buFontTx/>
-                <a:buNone/>
-                <a:tabLst/>
-              </a:pPr>
-              <a:r>
-                <a:rPr kumimoji="0" lang="en-US" altLang="en-US" sz="1000" b="0" i="0" u="none" strike="noStrike" cap="none" normalizeH="0" baseline="0">
-                  <a:ln>
-                    <a:noFill/>
-                  </a:ln>
-                  <a:solidFill>
-                    <a:srgbClr val="262626"/>
-                  </a:solidFill>
-                  <a:effectLst/>
-                  <a:latin typeface="Arial" panose="020B0604020202020204" pitchFamily="34" charset="0"/>
-                </a:rPr>
-                <a:t>0</a:t>
-              </a:r>
-              <a:endParaRPr kumimoji="0" lang="en-US" altLang="en-US" sz="1800" b="0" i="0" u="none" strike="noStrike" cap="none" normalizeH="0" baseline="0">
-                <a:ln>
-                  <a:noFill/>
-                </a:ln>
-                <a:solidFill>
-                  <a:schemeClr val="tx1"/>
-                </a:solidFill>
-                <a:effectLst/>
-                <a:latin typeface="Arial" panose="020B0604020202020204" pitchFamily="34" charset="0"/>
-              </a:endParaRPr>
-            </a:p>
-          </p:txBody>
-        </p:sp>
-        <p:sp>
-          <p:nvSpPr>
-            <p:cNvPr id="63" name="Rectangle 60">
-              <a:extLst>
-                <a:ext uri="{FF2B5EF4-FFF2-40B4-BE49-F238E27FC236}">
-                  <a16:creationId xmlns:a16="http://schemas.microsoft.com/office/drawing/2014/main" id="{5008DD58-823B-EB22-62FA-03B747D817CA}"/>
-                </a:ext>
-              </a:extLst>
-            </p:cNvPr>
-            <p:cNvSpPr>
-              <a:spLocks noChangeArrowheads="1"/>
-            </p:cNvSpPr>
-            <p:nvPr/>
-          </p:nvSpPr>
-          <p:spPr bwMode="auto">
-            <a:xfrm>
-              <a:off x="3897313" y="2965450"/>
-              <a:ext cx="228600" cy="152400"/>
-            </a:xfrm>
-            <a:prstGeom prst="rect">
-              <a:avLst/>
-            </a:prstGeom>
-            <a:noFill/>
-            <a:ln>
-              <a:noFill/>
-            </a:ln>
-            <a:extLst>
-              <a:ext uri="{909E8E84-426E-40DD-AFC4-6F175D3DCCD1}">
-                <a14:hiddenFill xmlns:a14="http://schemas.microsoft.com/office/drawing/2010/main">
-                  <a:solidFill>
-                    <a:srgbClr val="FFFFFF"/>
-                  </a:solidFill>
-                </a14:hiddenFill>
-              </a:ext>
-              <a:ext uri="{91240B29-F687-4F45-9708-019B960494DF}">
-                <a14:hiddenLine xmlns:a14="http://schemas.microsoft.com/office/drawing/2010/main" w="9525">
-                  <a:solidFill>
-                    <a:srgbClr val="000000"/>
-                  </a:solidFill>
-                  <a:miter lim="800000"/>
-                  <a:headEnd/>
-                  <a:tailEnd/>
-                </a14:hiddenLine>
-              </a:ext>
-            </a:extLst>
-          </p:spPr>
-          <p:txBody>
-            <a:bodyPr vert="horz" wrap="none" lIns="0" tIns="0" rIns="0" bIns="0" numCol="1" anchor="t" anchorCtr="0" compatLnSpc="1">
-              <a:prstTxWarp prst="textNoShape">
-                <a:avLst/>
-              </a:prstTxWarp>
-              <a:spAutoFit/>
-            </a:bodyPr>
-            <a:lstStyle>
-              <a:lvl1pPr eaLnBrk="0" fontAlgn="base" hangingPunct="0">
-                <a:spcBef>
-                  <a:spcPct val="0"/>
-                </a:spcBef>
-                <a:spcAft>
-                  <a:spcPct val="0"/>
-                </a:spcAft>
-                <a:defRPr>
-                  <a:solidFill>
-                    <a:schemeClr val="tx1"/>
-                  </a:solidFill>
-                  <a:latin typeface="Arial" panose="020B0604020202020204" pitchFamily="34" charset="0"/>
-                </a:defRPr>
-              </a:lvl1pPr>
-              <a:lvl2pPr eaLnBrk="0" fontAlgn="base" hangingPunct="0">
-                <a:spcBef>
-                  <a:spcPct val="0"/>
-                </a:spcBef>
-                <a:spcAft>
-                  <a:spcPct val="0"/>
-                </a:spcAft>
-                <a:defRPr>
-                  <a:solidFill>
-                    <a:schemeClr val="tx1"/>
-                  </a:solidFill>
-                  <a:latin typeface="Arial" panose="020B0604020202020204" pitchFamily="34" charset="0"/>
-                </a:defRPr>
-              </a:lvl2pPr>
-              <a:lvl3pPr eaLnBrk="0" fontAlgn="base" hangingPunct="0">
-                <a:spcBef>
-                  <a:spcPct val="0"/>
-                </a:spcBef>
-                <a:spcAft>
-                  <a:spcPct val="0"/>
-                </a:spcAft>
-                <a:defRPr>
-                  <a:solidFill>
-                    <a:schemeClr val="tx1"/>
-                  </a:solidFill>
-                  <a:latin typeface="Arial" panose="020B0604020202020204" pitchFamily="34" charset="0"/>
-                </a:defRPr>
-              </a:lvl3pPr>
-              <a:lvl4pPr eaLnBrk="0" fontAlgn="base" hangingPunct="0">
-                <a:spcBef>
-                  <a:spcPct val="0"/>
-                </a:spcBef>
-                <a:spcAft>
-                  <a:spcPct val="0"/>
-                </a:spcAft>
-                <a:defRPr>
-                  <a:solidFill>
-                    <a:schemeClr val="tx1"/>
-                  </a:solidFill>
-                  <a:latin typeface="Arial" panose="020B0604020202020204" pitchFamily="34" charset="0"/>
-                </a:defRPr>
-              </a:lvl4pPr>
-              <a:lvl5pPr eaLnBrk="0" fontAlgn="base" hangingPunct="0">
-                <a:spcBef>
-                  <a:spcPct val="0"/>
-                </a:spcBef>
-                <a:spcAft>
-                  <a:spcPct val="0"/>
-                </a:spcAft>
-                <a:defRPr>
-                  <a:solidFill>
-                    <a:schemeClr val="tx1"/>
-                  </a:solidFill>
-                  <a:latin typeface="Arial" panose="020B0604020202020204" pitchFamily="34" charset="0"/>
-                </a:defRPr>
-              </a:lvl5pPr>
-              <a:lvl6pPr eaLnBrk="0" fontAlgn="base" hangingPunct="0">
-                <a:spcBef>
-                  <a:spcPct val="0"/>
-                </a:spcBef>
-                <a:spcAft>
-                  <a:spcPct val="0"/>
-                </a:spcAft>
-                <a:defRPr>
-                  <a:solidFill>
-                    <a:schemeClr val="tx1"/>
-                  </a:solidFill>
-                  <a:latin typeface="Arial" panose="020B0604020202020204" pitchFamily="34" charset="0"/>
-                </a:defRPr>
-              </a:lvl6pPr>
-              <a:lvl7pPr eaLnBrk="0" fontAlgn="base" hangingPunct="0">
-                <a:spcBef>
-                  <a:spcPct val="0"/>
-                </a:spcBef>
-                <a:spcAft>
-                  <a:spcPct val="0"/>
-                </a:spcAft>
-                <a:defRPr>
-                  <a:solidFill>
-                    <a:schemeClr val="tx1"/>
-                  </a:solidFill>
-                  <a:latin typeface="Arial" panose="020B0604020202020204" pitchFamily="34" charset="0"/>
-                </a:defRPr>
-              </a:lvl7pPr>
-              <a:lvl8pPr eaLnBrk="0" fontAlgn="base" hangingPunct="0">
-                <a:spcBef>
-                  <a:spcPct val="0"/>
-                </a:spcBef>
-                <a:spcAft>
-                  <a:spcPct val="0"/>
-                </a:spcAft>
-                <a:defRPr>
-                  <a:solidFill>
-                    <a:schemeClr val="tx1"/>
-                  </a:solidFill>
-                  <a:latin typeface="Arial" panose="020B0604020202020204" pitchFamily="34" charset="0"/>
-                </a:defRPr>
-              </a:lvl8pPr>
-              <a:lvl9pPr eaLnBrk="0" fontAlgn="base" hangingPunct="0">
-                <a:spcBef>
-                  <a:spcPct val="0"/>
-                </a:spcBef>
-                <a:spcAft>
-                  <a:spcPct val="0"/>
-                </a:spcAft>
-                <a:defRPr>
-                  <a:solidFill>
-                    <a:schemeClr val="tx1"/>
-                  </a:solidFill>
-                  <a:latin typeface="Arial" panose="020B0604020202020204" pitchFamily="34" charset="0"/>
-                </a:defRPr>
-              </a:lvl9pPr>
-            </a:lstStyle>
-            <a:p>
-              <a:pPr marL="0" marR="0" lvl="0" indent="0" algn="l" defTabSz="914400" rtl="0" eaLnBrk="0" fontAlgn="base" latinLnBrk="0" hangingPunct="0">
-                <a:lnSpc>
-                  <a:spcPct val="100000"/>
-                </a:lnSpc>
-                <a:spcBef>
-                  <a:spcPct val="0"/>
-                </a:spcBef>
-                <a:spcAft>
-                  <a:spcPct val="0"/>
-                </a:spcAft>
-                <a:buClrTx/>
-                <a:buSzTx/>
-                <a:buFontTx/>
-                <a:buNone/>
-                <a:tabLst/>
-              </a:pPr>
-              <a:r>
-                <a:rPr kumimoji="0" lang="en-US" altLang="en-US" sz="1000" b="0" i="0" u="none" strike="noStrike" cap="none" normalizeH="0" baseline="0">
-                  <a:ln>
-                    <a:noFill/>
-                  </a:ln>
-                  <a:solidFill>
-                    <a:srgbClr val="262626"/>
-                  </a:solidFill>
-                  <a:effectLst/>
-                  <a:latin typeface="Arial" panose="020B0604020202020204" pitchFamily="34" charset="0"/>
-                </a:rPr>
-                <a:t>0.2</a:t>
-              </a:r>
-              <a:endParaRPr kumimoji="0" lang="en-US" altLang="en-US" sz="1800" b="0" i="0" u="none" strike="noStrike" cap="none" normalizeH="0" baseline="0">
-                <a:ln>
-                  <a:noFill/>
-                </a:ln>
-                <a:solidFill>
-                  <a:schemeClr val="tx1"/>
-                </a:solidFill>
-                <a:effectLst/>
-                <a:latin typeface="Arial" panose="020B0604020202020204" pitchFamily="34" charset="0"/>
-              </a:endParaRPr>
-            </a:p>
-          </p:txBody>
-        </p:sp>
-        <p:sp>
-          <p:nvSpPr>
-            <p:cNvPr id="64" name="Rectangle 61">
-              <a:extLst>
-                <a:ext uri="{FF2B5EF4-FFF2-40B4-BE49-F238E27FC236}">
-                  <a16:creationId xmlns:a16="http://schemas.microsoft.com/office/drawing/2014/main" id="{33398066-B6AF-CADE-08CF-758E54A48DF0}"/>
-                </a:ext>
-              </a:extLst>
-            </p:cNvPr>
-            <p:cNvSpPr>
-              <a:spLocks noChangeArrowheads="1"/>
-            </p:cNvSpPr>
-            <p:nvPr/>
-          </p:nvSpPr>
-          <p:spPr bwMode="auto">
-            <a:xfrm>
-              <a:off x="3897313" y="2641600"/>
-              <a:ext cx="228600" cy="152400"/>
-            </a:xfrm>
-            <a:prstGeom prst="rect">
-              <a:avLst/>
-            </a:prstGeom>
-            <a:noFill/>
-            <a:ln>
-              <a:noFill/>
-            </a:ln>
-            <a:extLst>
-              <a:ext uri="{909E8E84-426E-40DD-AFC4-6F175D3DCCD1}">
-                <a14:hiddenFill xmlns:a14="http://schemas.microsoft.com/office/drawing/2010/main">
-                  <a:solidFill>
-                    <a:srgbClr val="FFFFFF"/>
-                  </a:solidFill>
-                </a14:hiddenFill>
-              </a:ext>
-              <a:ext uri="{91240B29-F687-4F45-9708-019B960494DF}">
-                <a14:hiddenLine xmlns:a14="http://schemas.microsoft.com/office/drawing/2010/main" w="9525">
-                  <a:solidFill>
-                    <a:srgbClr val="000000"/>
-                  </a:solidFill>
-                  <a:miter lim="800000"/>
-                  <a:headEnd/>
-                  <a:tailEnd/>
-                </a14:hiddenLine>
-              </a:ext>
-            </a:extLst>
-          </p:spPr>
-          <p:txBody>
-            <a:bodyPr vert="horz" wrap="none" lIns="0" tIns="0" rIns="0" bIns="0" numCol="1" anchor="t" anchorCtr="0" compatLnSpc="1">
-              <a:prstTxWarp prst="textNoShape">
-                <a:avLst/>
-              </a:prstTxWarp>
-              <a:spAutoFit/>
-            </a:bodyPr>
-            <a:lstStyle>
-              <a:lvl1pPr eaLnBrk="0" fontAlgn="base" hangingPunct="0">
-                <a:spcBef>
-                  <a:spcPct val="0"/>
-                </a:spcBef>
-                <a:spcAft>
-                  <a:spcPct val="0"/>
-                </a:spcAft>
-                <a:defRPr>
-                  <a:solidFill>
-                    <a:schemeClr val="tx1"/>
-                  </a:solidFill>
-                  <a:latin typeface="Arial" panose="020B0604020202020204" pitchFamily="34" charset="0"/>
-                </a:defRPr>
-              </a:lvl1pPr>
-              <a:lvl2pPr eaLnBrk="0" fontAlgn="base" hangingPunct="0">
-                <a:spcBef>
-                  <a:spcPct val="0"/>
-                </a:spcBef>
-                <a:spcAft>
-                  <a:spcPct val="0"/>
-                </a:spcAft>
-                <a:defRPr>
-                  <a:solidFill>
-                    <a:schemeClr val="tx1"/>
-                  </a:solidFill>
-                  <a:latin typeface="Arial" panose="020B0604020202020204" pitchFamily="34" charset="0"/>
-                </a:defRPr>
-              </a:lvl2pPr>
-              <a:lvl3pPr eaLnBrk="0" fontAlgn="base" hangingPunct="0">
-                <a:spcBef>
-                  <a:spcPct val="0"/>
-                </a:spcBef>
-                <a:spcAft>
-                  <a:spcPct val="0"/>
-                </a:spcAft>
-                <a:defRPr>
-                  <a:solidFill>
-                    <a:schemeClr val="tx1"/>
-                  </a:solidFill>
-                  <a:latin typeface="Arial" panose="020B0604020202020204" pitchFamily="34" charset="0"/>
-                </a:defRPr>
-              </a:lvl3pPr>
-              <a:lvl4pPr eaLnBrk="0" fontAlgn="base" hangingPunct="0">
-                <a:spcBef>
-                  <a:spcPct val="0"/>
-                </a:spcBef>
-                <a:spcAft>
-                  <a:spcPct val="0"/>
-                </a:spcAft>
-                <a:defRPr>
-                  <a:solidFill>
-                    <a:schemeClr val="tx1"/>
-                  </a:solidFill>
-                  <a:latin typeface="Arial" panose="020B0604020202020204" pitchFamily="34" charset="0"/>
-                </a:defRPr>
-              </a:lvl4pPr>
-              <a:lvl5pPr eaLnBrk="0" fontAlgn="base" hangingPunct="0">
-                <a:spcBef>
-                  <a:spcPct val="0"/>
-                </a:spcBef>
-                <a:spcAft>
-                  <a:spcPct val="0"/>
-                </a:spcAft>
-                <a:defRPr>
-                  <a:solidFill>
-                    <a:schemeClr val="tx1"/>
-                  </a:solidFill>
-                  <a:latin typeface="Arial" panose="020B0604020202020204" pitchFamily="34" charset="0"/>
-                </a:defRPr>
-              </a:lvl5pPr>
-              <a:lvl6pPr eaLnBrk="0" fontAlgn="base" hangingPunct="0">
-                <a:spcBef>
-                  <a:spcPct val="0"/>
-                </a:spcBef>
-                <a:spcAft>
-                  <a:spcPct val="0"/>
-                </a:spcAft>
-                <a:defRPr>
-                  <a:solidFill>
-                    <a:schemeClr val="tx1"/>
-                  </a:solidFill>
-                  <a:latin typeface="Arial" panose="020B0604020202020204" pitchFamily="34" charset="0"/>
-                </a:defRPr>
-              </a:lvl6pPr>
-              <a:lvl7pPr eaLnBrk="0" fontAlgn="base" hangingPunct="0">
-                <a:spcBef>
-                  <a:spcPct val="0"/>
-                </a:spcBef>
-                <a:spcAft>
-                  <a:spcPct val="0"/>
-                </a:spcAft>
-                <a:defRPr>
-                  <a:solidFill>
-                    <a:schemeClr val="tx1"/>
-                  </a:solidFill>
-                  <a:latin typeface="Arial" panose="020B0604020202020204" pitchFamily="34" charset="0"/>
-                </a:defRPr>
-              </a:lvl7pPr>
-              <a:lvl8pPr eaLnBrk="0" fontAlgn="base" hangingPunct="0">
-                <a:spcBef>
-                  <a:spcPct val="0"/>
-                </a:spcBef>
-                <a:spcAft>
-                  <a:spcPct val="0"/>
-                </a:spcAft>
-                <a:defRPr>
-                  <a:solidFill>
-                    <a:schemeClr val="tx1"/>
-                  </a:solidFill>
-                  <a:latin typeface="Arial" panose="020B0604020202020204" pitchFamily="34" charset="0"/>
-                </a:defRPr>
-              </a:lvl8pPr>
-              <a:lvl9pPr eaLnBrk="0" fontAlgn="base" hangingPunct="0">
-                <a:spcBef>
-                  <a:spcPct val="0"/>
-                </a:spcBef>
-                <a:spcAft>
-                  <a:spcPct val="0"/>
-                </a:spcAft>
-                <a:defRPr>
-                  <a:solidFill>
-                    <a:schemeClr val="tx1"/>
-                  </a:solidFill>
-                  <a:latin typeface="Arial" panose="020B0604020202020204" pitchFamily="34" charset="0"/>
-                </a:defRPr>
-              </a:lvl9pPr>
-            </a:lstStyle>
-            <a:p>
-              <a:pPr marL="0" marR="0" lvl="0" indent="0" algn="l" defTabSz="914400" rtl="0" eaLnBrk="0" fontAlgn="base" latinLnBrk="0" hangingPunct="0">
-                <a:lnSpc>
-                  <a:spcPct val="100000"/>
-                </a:lnSpc>
-                <a:spcBef>
-                  <a:spcPct val="0"/>
-                </a:spcBef>
-                <a:spcAft>
-                  <a:spcPct val="0"/>
-                </a:spcAft>
-                <a:buClrTx/>
-                <a:buSzTx/>
-                <a:buFontTx/>
-                <a:buNone/>
-                <a:tabLst/>
-              </a:pPr>
-              <a:r>
-                <a:rPr kumimoji="0" lang="en-US" altLang="en-US" sz="1000" b="0" i="0" u="none" strike="noStrike" cap="none" normalizeH="0" baseline="0">
-                  <a:ln>
-                    <a:noFill/>
-                  </a:ln>
-                  <a:solidFill>
-                    <a:srgbClr val="262626"/>
-                  </a:solidFill>
-                  <a:effectLst/>
-                  <a:latin typeface="Arial" panose="020B0604020202020204" pitchFamily="34" charset="0"/>
-                </a:rPr>
-                <a:t>0.4</a:t>
-              </a:r>
-              <a:endParaRPr kumimoji="0" lang="en-US" altLang="en-US" sz="1800" b="0" i="0" u="none" strike="noStrike" cap="none" normalizeH="0" baseline="0">
-                <a:ln>
-                  <a:noFill/>
-                </a:ln>
-                <a:solidFill>
-                  <a:schemeClr val="tx1"/>
-                </a:solidFill>
-                <a:effectLst/>
-                <a:latin typeface="Arial" panose="020B0604020202020204" pitchFamily="34" charset="0"/>
-              </a:endParaRPr>
-            </a:p>
-          </p:txBody>
-        </p:sp>
-        <p:sp>
-          <p:nvSpPr>
-            <p:cNvPr id="65" name="Rectangle 62">
-              <a:extLst>
-                <a:ext uri="{FF2B5EF4-FFF2-40B4-BE49-F238E27FC236}">
-                  <a16:creationId xmlns:a16="http://schemas.microsoft.com/office/drawing/2014/main" id="{8B887A07-BA59-01A4-A776-298682355B32}"/>
-                </a:ext>
-              </a:extLst>
-            </p:cNvPr>
-            <p:cNvSpPr>
-              <a:spLocks noChangeArrowheads="1"/>
-            </p:cNvSpPr>
-            <p:nvPr/>
-          </p:nvSpPr>
-          <p:spPr bwMode="auto">
-            <a:xfrm>
-              <a:off x="3897313" y="2317750"/>
-              <a:ext cx="228600" cy="152400"/>
-            </a:xfrm>
-            <a:prstGeom prst="rect">
-              <a:avLst/>
-            </a:prstGeom>
-            <a:noFill/>
-            <a:ln>
-              <a:noFill/>
-            </a:ln>
-            <a:extLst>
-              <a:ext uri="{909E8E84-426E-40DD-AFC4-6F175D3DCCD1}">
-                <a14:hiddenFill xmlns:a14="http://schemas.microsoft.com/office/drawing/2010/main">
-                  <a:solidFill>
-                    <a:srgbClr val="FFFFFF"/>
-                  </a:solidFill>
-                </a14:hiddenFill>
-              </a:ext>
-              <a:ext uri="{91240B29-F687-4F45-9708-019B960494DF}">
-                <a14:hiddenLine xmlns:a14="http://schemas.microsoft.com/office/drawing/2010/main" w="9525">
-                  <a:solidFill>
-                    <a:srgbClr val="000000"/>
-                  </a:solidFill>
-                  <a:miter lim="800000"/>
-                  <a:headEnd/>
-                  <a:tailEnd/>
-                </a14:hiddenLine>
-              </a:ext>
-            </a:extLst>
-          </p:spPr>
-          <p:txBody>
-            <a:bodyPr vert="horz" wrap="none" lIns="0" tIns="0" rIns="0" bIns="0" numCol="1" anchor="t" anchorCtr="0" compatLnSpc="1">
-              <a:prstTxWarp prst="textNoShape">
-                <a:avLst/>
-              </a:prstTxWarp>
-              <a:spAutoFit/>
-            </a:bodyPr>
-            <a:lstStyle>
-              <a:lvl1pPr eaLnBrk="0" fontAlgn="base" hangingPunct="0">
-                <a:spcBef>
-                  <a:spcPct val="0"/>
-                </a:spcBef>
-                <a:spcAft>
-                  <a:spcPct val="0"/>
-                </a:spcAft>
-                <a:defRPr>
-                  <a:solidFill>
-                    <a:schemeClr val="tx1"/>
-                  </a:solidFill>
-                  <a:latin typeface="Arial" panose="020B0604020202020204" pitchFamily="34" charset="0"/>
-                </a:defRPr>
-              </a:lvl1pPr>
-              <a:lvl2pPr eaLnBrk="0" fontAlgn="base" hangingPunct="0">
-                <a:spcBef>
-                  <a:spcPct val="0"/>
-                </a:spcBef>
-                <a:spcAft>
-                  <a:spcPct val="0"/>
-                </a:spcAft>
-                <a:defRPr>
-                  <a:solidFill>
-                    <a:schemeClr val="tx1"/>
-                  </a:solidFill>
-                  <a:latin typeface="Arial" panose="020B0604020202020204" pitchFamily="34" charset="0"/>
-                </a:defRPr>
-              </a:lvl2pPr>
-              <a:lvl3pPr eaLnBrk="0" fontAlgn="base" hangingPunct="0">
-                <a:spcBef>
-                  <a:spcPct val="0"/>
-                </a:spcBef>
-                <a:spcAft>
-                  <a:spcPct val="0"/>
-                </a:spcAft>
-                <a:defRPr>
-                  <a:solidFill>
-                    <a:schemeClr val="tx1"/>
-                  </a:solidFill>
-                  <a:latin typeface="Arial" panose="020B0604020202020204" pitchFamily="34" charset="0"/>
-                </a:defRPr>
-              </a:lvl3pPr>
-              <a:lvl4pPr eaLnBrk="0" fontAlgn="base" hangingPunct="0">
-                <a:spcBef>
-                  <a:spcPct val="0"/>
-                </a:spcBef>
-                <a:spcAft>
-                  <a:spcPct val="0"/>
-                </a:spcAft>
-                <a:defRPr>
-                  <a:solidFill>
-                    <a:schemeClr val="tx1"/>
-                  </a:solidFill>
-                  <a:latin typeface="Arial" panose="020B0604020202020204" pitchFamily="34" charset="0"/>
-                </a:defRPr>
-              </a:lvl4pPr>
-              <a:lvl5pPr eaLnBrk="0" fontAlgn="base" hangingPunct="0">
-                <a:spcBef>
-                  <a:spcPct val="0"/>
-                </a:spcBef>
-                <a:spcAft>
-                  <a:spcPct val="0"/>
-                </a:spcAft>
-                <a:defRPr>
-                  <a:solidFill>
-                    <a:schemeClr val="tx1"/>
-                  </a:solidFill>
-                  <a:latin typeface="Arial" panose="020B0604020202020204" pitchFamily="34" charset="0"/>
-                </a:defRPr>
-              </a:lvl5pPr>
-              <a:lvl6pPr eaLnBrk="0" fontAlgn="base" hangingPunct="0">
-                <a:spcBef>
-                  <a:spcPct val="0"/>
-                </a:spcBef>
-                <a:spcAft>
-                  <a:spcPct val="0"/>
-                </a:spcAft>
-                <a:defRPr>
-                  <a:solidFill>
-                    <a:schemeClr val="tx1"/>
-                  </a:solidFill>
-                  <a:latin typeface="Arial" panose="020B0604020202020204" pitchFamily="34" charset="0"/>
-                </a:defRPr>
-              </a:lvl6pPr>
-              <a:lvl7pPr eaLnBrk="0" fontAlgn="base" hangingPunct="0">
-                <a:spcBef>
-                  <a:spcPct val="0"/>
-                </a:spcBef>
-                <a:spcAft>
-                  <a:spcPct val="0"/>
-                </a:spcAft>
-                <a:defRPr>
-                  <a:solidFill>
-                    <a:schemeClr val="tx1"/>
-                  </a:solidFill>
-                  <a:latin typeface="Arial" panose="020B0604020202020204" pitchFamily="34" charset="0"/>
-                </a:defRPr>
-              </a:lvl7pPr>
-              <a:lvl8pPr eaLnBrk="0" fontAlgn="base" hangingPunct="0">
-                <a:spcBef>
-                  <a:spcPct val="0"/>
-                </a:spcBef>
-                <a:spcAft>
-                  <a:spcPct val="0"/>
-                </a:spcAft>
-                <a:defRPr>
-                  <a:solidFill>
-                    <a:schemeClr val="tx1"/>
-                  </a:solidFill>
-                  <a:latin typeface="Arial" panose="020B0604020202020204" pitchFamily="34" charset="0"/>
-                </a:defRPr>
-              </a:lvl8pPr>
-              <a:lvl9pPr eaLnBrk="0" fontAlgn="base" hangingPunct="0">
-                <a:spcBef>
-                  <a:spcPct val="0"/>
-                </a:spcBef>
-                <a:spcAft>
-                  <a:spcPct val="0"/>
-                </a:spcAft>
-                <a:defRPr>
-                  <a:solidFill>
-                    <a:schemeClr val="tx1"/>
-                  </a:solidFill>
-                  <a:latin typeface="Arial" panose="020B0604020202020204" pitchFamily="34" charset="0"/>
-                </a:defRPr>
-              </a:lvl9pPr>
-            </a:lstStyle>
-            <a:p>
-              <a:pPr marL="0" marR="0" lvl="0" indent="0" algn="l" defTabSz="914400" rtl="0" eaLnBrk="0" fontAlgn="base" latinLnBrk="0" hangingPunct="0">
-                <a:lnSpc>
-                  <a:spcPct val="100000"/>
-                </a:lnSpc>
-                <a:spcBef>
-                  <a:spcPct val="0"/>
-                </a:spcBef>
-                <a:spcAft>
-                  <a:spcPct val="0"/>
-                </a:spcAft>
-                <a:buClrTx/>
-                <a:buSzTx/>
-                <a:buFontTx/>
-                <a:buNone/>
-                <a:tabLst/>
-              </a:pPr>
-              <a:r>
-                <a:rPr kumimoji="0" lang="en-US" altLang="en-US" sz="1000" b="0" i="0" u="none" strike="noStrike" cap="none" normalizeH="0" baseline="0">
-                  <a:ln>
-                    <a:noFill/>
-                  </a:ln>
-                  <a:solidFill>
-                    <a:srgbClr val="262626"/>
-                  </a:solidFill>
-                  <a:effectLst/>
-                  <a:latin typeface="Arial" panose="020B0604020202020204" pitchFamily="34" charset="0"/>
-                </a:rPr>
-                <a:t>0.6</a:t>
-              </a:r>
-              <a:endParaRPr kumimoji="0" lang="en-US" altLang="en-US" sz="1800" b="0" i="0" u="none" strike="noStrike" cap="none" normalizeH="0" baseline="0">
-                <a:ln>
-                  <a:noFill/>
-                </a:ln>
-                <a:solidFill>
-                  <a:schemeClr val="tx1"/>
-                </a:solidFill>
-                <a:effectLst/>
-                <a:latin typeface="Arial" panose="020B0604020202020204" pitchFamily="34" charset="0"/>
-              </a:endParaRPr>
-            </a:p>
-          </p:txBody>
-        </p:sp>
-        <p:sp>
-          <p:nvSpPr>
-            <p:cNvPr id="66" name="Rectangle 63">
-              <a:extLst>
-                <a:ext uri="{FF2B5EF4-FFF2-40B4-BE49-F238E27FC236}">
-                  <a16:creationId xmlns:a16="http://schemas.microsoft.com/office/drawing/2014/main" id="{C52E1AB3-2316-C193-8B3A-7CDB8B348516}"/>
-                </a:ext>
-              </a:extLst>
-            </p:cNvPr>
-            <p:cNvSpPr>
-              <a:spLocks noChangeArrowheads="1"/>
-            </p:cNvSpPr>
-            <p:nvPr/>
-          </p:nvSpPr>
-          <p:spPr bwMode="auto">
-            <a:xfrm>
-              <a:off x="3897313" y="1982788"/>
-              <a:ext cx="228600" cy="152400"/>
-            </a:xfrm>
-            <a:prstGeom prst="rect">
-              <a:avLst/>
-            </a:prstGeom>
-            <a:noFill/>
-            <a:ln>
-              <a:noFill/>
-            </a:ln>
-            <a:extLst>
-              <a:ext uri="{909E8E84-426E-40DD-AFC4-6F175D3DCCD1}">
-                <a14:hiddenFill xmlns:a14="http://schemas.microsoft.com/office/drawing/2010/main">
-                  <a:solidFill>
-                    <a:srgbClr val="FFFFFF"/>
-                  </a:solidFill>
-                </a14:hiddenFill>
-              </a:ext>
-              <a:ext uri="{91240B29-F687-4F45-9708-019B960494DF}">
-                <a14:hiddenLine xmlns:a14="http://schemas.microsoft.com/office/drawing/2010/main" w="9525">
-                  <a:solidFill>
-                    <a:srgbClr val="000000"/>
-                  </a:solidFill>
-                  <a:miter lim="800000"/>
-                  <a:headEnd/>
-                  <a:tailEnd/>
-                </a14:hiddenLine>
-              </a:ext>
-            </a:extLst>
-          </p:spPr>
-          <p:txBody>
-            <a:bodyPr vert="horz" wrap="none" lIns="0" tIns="0" rIns="0" bIns="0" numCol="1" anchor="t" anchorCtr="0" compatLnSpc="1">
-              <a:prstTxWarp prst="textNoShape">
-                <a:avLst/>
-              </a:prstTxWarp>
-              <a:spAutoFit/>
-            </a:bodyPr>
-            <a:lstStyle>
-              <a:lvl1pPr eaLnBrk="0" fontAlgn="base" hangingPunct="0">
-                <a:spcBef>
-                  <a:spcPct val="0"/>
-                </a:spcBef>
-                <a:spcAft>
-                  <a:spcPct val="0"/>
-                </a:spcAft>
-                <a:defRPr>
-                  <a:solidFill>
-                    <a:schemeClr val="tx1"/>
-                  </a:solidFill>
-                  <a:latin typeface="Arial" panose="020B0604020202020204" pitchFamily="34" charset="0"/>
-                </a:defRPr>
-              </a:lvl1pPr>
-              <a:lvl2pPr eaLnBrk="0" fontAlgn="base" hangingPunct="0">
-                <a:spcBef>
-                  <a:spcPct val="0"/>
-                </a:spcBef>
-                <a:spcAft>
-                  <a:spcPct val="0"/>
-                </a:spcAft>
-                <a:defRPr>
-                  <a:solidFill>
-                    <a:schemeClr val="tx1"/>
-                  </a:solidFill>
-                  <a:latin typeface="Arial" panose="020B0604020202020204" pitchFamily="34" charset="0"/>
-                </a:defRPr>
-              </a:lvl2pPr>
-              <a:lvl3pPr eaLnBrk="0" fontAlgn="base" hangingPunct="0">
-                <a:spcBef>
-                  <a:spcPct val="0"/>
-                </a:spcBef>
-                <a:spcAft>
-                  <a:spcPct val="0"/>
-                </a:spcAft>
-                <a:defRPr>
-                  <a:solidFill>
-                    <a:schemeClr val="tx1"/>
-                  </a:solidFill>
-                  <a:latin typeface="Arial" panose="020B0604020202020204" pitchFamily="34" charset="0"/>
-                </a:defRPr>
-              </a:lvl3pPr>
-              <a:lvl4pPr eaLnBrk="0" fontAlgn="base" hangingPunct="0">
-                <a:spcBef>
-                  <a:spcPct val="0"/>
-                </a:spcBef>
-                <a:spcAft>
-                  <a:spcPct val="0"/>
-                </a:spcAft>
-                <a:defRPr>
-                  <a:solidFill>
-                    <a:schemeClr val="tx1"/>
-                  </a:solidFill>
-                  <a:latin typeface="Arial" panose="020B0604020202020204" pitchFamily="34" charset="0"/>
-                </a:defRPr>
-              </a:lvl4pPr>
-              <a:lvl5pPr eaLnBrk="0" fontAlgn="base" hangingPunct="0">
-                <a:spcBef>
-                  <a:spcPct val="0"/>
-                </a:spcBef>
-                <a:spcAft>
-                  <a:spcPct val="0"/>
-                </a:spcAft>
-                <a:defRPr>
-                  <a:solidFill>
-                    <a:schemeClr val="tx1"/>
-                  </a:solidFill>
-                  <a:latin typeface="Arial" panose="020B0604020202020204" pitchFamily="34" charset="0"/>
-                </a:defRPr>
-              </a:lvl5pPr>
-              <a:lvl6pPr eaLnBrk="0" fontAlgn="base" hangingPunct="0">
-                <a:spcBef>
-                  <a:spcPct val="0"/>
-                </a:spcBef>
-                <a:spcAft>
-                  <a:spcPct val="0"/>
-                </a:spcAft>
-                <a:defRPr>
-                  <a:solidFill>
-                    <a:schemeClr val="tx1"/>
-                  </a:solidFill>
-                  <a:latin typeface="Arial" panose="020B0604020202020204" pitchFamily="34" charset="0"/>
-                </a:defRPr>
-              </a:lvl6pPr>
-              <a:lvl7pPr eaLnBrk="0" fontAlgn="base" hangingPunct="0">
-                <a:spcBef>
-                  <a:spcPct val="0"/>
-                </a:spcBef>
-                <a:spcAft>
-                  <a:spcPct val="0"/>
-                </a:spcAft>
-                <a:defRPr>
-                  <a:solidFill>
-                    <a:schemeClr val="tx1"/>
-                  </a:solidFill>
-                  <a:latin typeface="Arial" panose="020B0604020202020204" pitchFamily="34" charset="0"/>
-                </a:defRPr>
-              </a:lvl7pPr>
-              <a:lvl8pPr eaLnBrk="0" fontAlgn="base" hangingPunct="0">
-                <a:spcBef>
-                  <a:spcPct val="0"/>
-                </a:spcBef>
-                <a:spcAft>
-                  <a:spcPct val="0"/>
-                </a:spcAft>
-                <a:defRPr>
-                  <a:solidFill>
-                    <a:schemeClr val="tx1"/>
-                  </a:solidFill>
-                  <a:latin typeface="Arial" panose="020B0604020202020204" pitchFamily="34" charset="0"/>
-                </a:defRPr>
-              </a:lvl8pPr>
-              <a:lvl9pPr eaLnBrk="0" fontAlgn="base" hangingPunct="0">
-                <a:spcBef>
-                  <a:spcPct val="0"/>
-                </a:spcBef>
-                <a:spcAft>
-                  <a:spcPct val="0"/>
-                </a:spcAft>
-                <a:defRPr>
-                  <a:solidFill>
-                    <a:schemeClr val="tx1"/>
-                  </a:solidFill>
-                  <a:latin typeface="Arial" panose="020B0604020202020204" pitchFamily="34" charset="0"/>
-                </a:defRPr>
-              </a:lvl9pPr>
-            </a:lstStyle>
-            <a:p>
-              <a:pPr marL="0" marR="0" lvl="0" indent="0" algn="l" defTabSz="914400" rtl="0" eaLnBrk="0" fontAlgn="base" latinLnBrk="0" hangingPunct="0">
-                <a:lnSpc>
-                  <a:spcPct val="100000"/>
-                </a:lnSpc>
-                <a:spcBef>
-                  <a:spcPct val="0"/>
-                </a:spcBef>
-                <a:spcAft>
-                  <a:spcPct val="0"/>
-                </a:spcAft>
-                <a:buClrTx/>
-                <a:buSzTx/>
-                <a:buFontTx/>
-                <a:buNone/>
-                <a:tabLst/>
-              </a:pPr>
-              <a:r>
-                <a:rPr kumimoji="0" lang="en-US" altLang="en-US" sz="1000" b="0" i="0" u="none" strike="noStrike" cap="none" normalizeH="0" baseline="0">
-                  <a:ln>
-                    <a:noFill/>
-                  </a:ln>
-                  <a:solidFill>
-                    <a:srgbClr val="262626"/>
-                  </a:solidFill>
-                  <a:effectLst/>
-                  <a:latin typeface="Arial" panose="020B0604020202020204" pitchFamily="34" charset="0"/>
-                </a:rPr>
-                <a:t>0.8</a:t>
-              </a:r>
-              <a:endParaRPr kumimoji="0" lang="en-US" altLang="en-US" sz="1800" b="0" i="0" u="none" strike="noStrike" cap="none" normalizeH="0" baseline="0">
-                <a:ln>
-                  <a:noFill/>
-                </a:ln>
-                <a:solidFill>
-                  <a:schemeClr val="tx1"/>
-                </a:solidFill>
-                <a:effectLst/>
-                <a:latin typeface="Arial" panose="020B0604020202020204" pitchFamily="34" charset="0"/>
-              </a:endParaRPr>
-            </a:p>
-          </p:txBody>
-        </p:sp>
-        <p:sp>
-          <p:nvSpPr>
-            <p:cNvPr id="67" name="Rectangle 64">
-              <a:extLst>
-                <a:ext uri="{FF2B5EF4-FFF2-40B4-BE49-F238E27FC236}">
-                  <a16:creationId xmlns:a16="http://schemas.microsoft.com/office/drawing/2014/main" id="{BDE892E1-B032-60D8-FBB4-3E3D38FA6575}"/>
-                </a:ext>
-              </a:extLst>
-            </p:cNvPr>
-            <p:cNvSpPr>
-              <a:spLocks noChangeArrowheads="1"/>
-            </p:cNvSpPr>
-            <p:nvPr/>
-          </p:nvSpPr>
-          <p:spPr bwMode="auto">
-            <a:xfrm>
-              <a:off x="4002088" y="1658938"/>
-              <a:ext cx="123825" cy="152400"/>
-            </a:xfrm>
-            <a:prstGeom prst="rect">
-              <a:avLst/>
-            </a:prstGeom>
-            <a:noFill/>
-            <a:ln>
-              <a:noFill/>
-            </a:ln>
-            <a:extLst>
-              <a:ext uri="{909E8E84-426E-40DD-AFC4-6F175D3DCCD1}">
-                <a14:hiddenFill xmlns:a14="http://schemas.microsoft.com/office/drawing/2010/main">
-                  <a:solidFill>
-                    <a:srgbClr val="FFFFFF"/>
-                  </a:solidFill>
-                </a14:hiddenFill>
-              </a:ext>
-              <a:ext uri="{91240B29-F687-4F45-9708-019B960494DF}">
-                <a14:hiddenLine xmlns:a14="http://schemas.microsoft.com/office/drawing/2010/main" w="9525">
-                  <a:solidFill>
-                    <a:srgbClr val="000000"/>
-                  </a:solidFill>
-                  <a:miter lim="800000"/>
-                  <a:headEnd/>
-                  <a:tailEnd/>
-                </a14:hiddenLine>
-              </a:ext>
-            </a:extLst>
-          </p:spPr>
-          <p:txBody>
-            <a:bodyPr vert="horz" wrap="none" lIns="0" tIns="0" rIns="0" bIns="0" numCol="1" anchor="t" anchorCtr="0" compatLnSpc="1">
-              <a:prstTxWarp prst="textNoShape">
-                <a:avLst/>
-              </a:prstTxWarp>
-              <a:spAutoFit/>
-            </a:bodyPr>
-            <a:lstStyle>
-              <a:lvl1pPr eaLnBrk="0" fontAlgn="base" hangingPunct="0">
-                <a:spcBef>
-                  <a:spcPct val="0"/>
-                </a:spcBef>
-                <a:spcAft>
-                  <a:spcPct val="0"/>
-                </a:spcAft>
-                <a:defRPr>
-                  <a:solidFill>
-                    <a:schemeClr val="tx1"/>
-                  </a:solidFill>
-                  <a:latin typeface="Arial" panose="020B0604020202020204" pitchFamily="34" charset="0"/>
-                </a:defRPr>
-              </a:lvl1pPr>
-              <a:lvl2pPr eaLnBrk="0" fontAlgn="base" hangingPunct="0">
-                <a:spcBef>
-                  <a:spcPct val="0"/>
-                </a:spcBef>
-                <a:spcAft>
-                  <a:spcPct val="0"/>
-                </a:spcAft>
-                <a:defRPr>
-                  <a:solidFill>
-                    <a:schemeClr val="tx1"/>
-                  </a:solidFill>
-                  <a:latin typeface="Arial" panose="020B0604020202020204" pitchFamily="34" charset="0"/>
-                </a:defRPr>
-              </a:lvl2pPr>
-              <a:lvl3pPr eaLnBrk="0" fontAlgn="base" hangingPunct="0">
-                <a:spcBef>
-                  <a:spcPct val="0"/>
-                </a:spcBef>
-                <a:spcAft>
-                  <a:spcPct val="0"/>
-                </a:spcAft>
-                <a:defRPr>
-                  <a:solidFill>
-                    <a:schemeClr val="tx1"/>
-                  </a:solidFill>
-                  <a:latin typeface="Arial" panose="020B0604020202020204" pitchFamily="34" charset="0"/>
-                </a:defRPr>
-              </a:lvl3pPr>
-              <a:lvl4pPr eaLnBrk="0" fontAlgn="base" hangingPunct="0">
-                <a:spcBef>
-                  <a:spcPct val="0"/>
-                </a:spcBef>
-                <a:spcAft>
-                  <a:spcPct val="0"/>
-                </a:spcAft>
-                <a:defRPr>
-                  <a:solidFill>
-                    <a:schemeClr val="tx1"/>
-                  </a:solidFill>
-                  <a:latin typeface="Arial" panose="020B0604020202020204" pitchFamily="34" charset="0"/>
-                </a:defRPr>
-              </a:lvl4pPr>
-              <a:lvl5pPr eaLnBrk="0" fontAlgn="base" hangingPunct="0">
-                <a:spcBef>
-                  <a:spcPct val="0"/>
-                </a:spcBef>
-                <a:spcAft>
-                  <a:spcPct val="0"/>
-                </a:spcAft>
-                <a:defRPr>
-                  <a:solidFill>
-                    <a:schemeClr val="tx1"/>
-                  </a:solidFill>
-                  <a:latin typeface="Arial" panose="020B0604020202020204" pitchFamily="34" charset="0"/>
-                </a:defRPr>
-              </a:lvl5pPr>
-              <a:lvl6pPr eaLnBrk="0" fontAlgn="base" hangingPunct="0">
-                <a:spcBef>
-                  <a:spcPct val="0"/>
-                </a:spcBef>
-                <a:spcAft>
-                  <a:spcPct val="0"/>
-                </a:spcAft>
-                <a:defRPr>
-                  <a:solidFill>
-                    <a:schemeClr val="tx1"/>
-                  </a:solidFill>
-                  <a:latin typeface="Arial" panose="020B0604020202020204" pitchFamily="34" charset="0"/>
-                </a:defRPr>
-              </a:lvl6pPr>
-              <a:lvl7pPr eaLnBrk="0" fontAlgn="base" hangingPunct="0">
-                <a:spcBef>
-                  <a:spcPct val="0"/>
-                </a:spcBef>
-                <a:spcAft>
-                  <a:spcPct val="0"/>
-                </a:spcAft>
-                <a:defRPr>
-                  <a:solidFill>
-                    <a:schemeClr val="tx1"/>
-                  </a:solidFill>
-                  <a:latin typeface="Arial" panose="020B0604020202020204" pitchFamily="34" charset="0"/>
-                </a:defRPr>
-              </a:lvl7pPr>
-              <a:lvl8pPr eaLnBrk="0" fontAlgn="base" hangingPunct="0">
-                <a:spcBef>
-                  <a:spcPct val="0"/>
-                </a:spcBef>
-                <a:spcAft>
-                  <a:spcPct val="0"/>
-                </a:spcAft>
-                <a:defRPr>
-                  <a:solidFill>
-                    <a:schemeClr val="tx1"/>
-                  </a:solidFill>
-                  <a:latin typeface="Arial" panose="020B0604020202020204" pitchFamily="34" charset="0"/>
-                </a:defRPr>
-              </a:lvl8pPr>
-              <a:lvl9pPr eaLnBrk="0" fontAlgn="base" hangingPunct="0">
-                <a:spcBef>
-                  <a:spcPct val="0"/>
-                </a:spcBef>
-                <a:spcAft>
-                  <a:spcPct val="0"/>
-                </a:spcAft>
-                <a:defRPr>
-                  <a:solidFill>
-                    <a:schemeClr val="tx1"/>
-                  </a:solidFill>
-                  <a:latin typeface="Arial" panose="020B0604020202020204" pitchFamily="34" charset="0"/>
-                </a:defRPr>
-              </a:lvl9pPr>
-            </a:lstStyle>
-            <a:p>
-              <a:pPr marL="0" marR="0" lvl="0" indent="0" algn="l" defTabSz="914400" rtl="0" eaLnBrk="0" fontAlgn="base" latinLnBrk="0" hangingPunct="0">
-                <a:lnSpc>
-                  <a:spcPct val="100000"/>
-                </a:lnSpc>
-                <a:spcBef>
-                  <a:spcPct val="0"/>
-                </a:spcBef>
-                <a:spcAft>
-                  <a:spcPct val="0"/>
-                </a:spcAft>
-                <a:buClrTx/>
-                <a:buSzTx/>
-                <a:buFontTx/>
-                <a:buNone/>
-                <a:tabLst/>
-              </a:pPr>
-              <a:r>
-                <a:rPr kumimoji="0" lang="en-US" altLang="en-US" sz="1000" b="0" i="0" u="none" strike="noStrike" cap="none" normalizeH="0" baseline="0">
-                  <a:ln>
-                    <a:noFill/>
-                  </a:ln>
-                  <a:solidFill>
-                    <a:srgbClr val="262626"/>
-                  </a:solidFill>
-                  <a:effectLst/>
-                  <a:latin typeface="Arial" panose="020B0604020202020204" pitchFamily="34" charset="0"/>
-                </a:rPr>
-                <a:t>1</a:t>
-              </a:r>
-              <a:endParaRPr kumimoji="0" lang="en-US" altLang="en-US" sz="1800" b="0" i="0" u="none" strike="noStrike" cap="none" normalizeH="0" baseline="0">
-                <a:ln>
-                  <a:noFill/>
-                </a:ln>
-                <a:solidFill>
-                  <a:schemeClr val="tx1"/>
-                </a:solidFill>
-                <a:effectLst/>
-                <a:latin typeface="Arial" panose="020B0604020202020204" pitchFamily="34" charset="0"/>
-              </a:endParaRPr>
-            </a:p>
-          </p:txBody>
-        </p:sp>
-        <p:sp>
-          <p:nvSpPr>
-            <p:cNvPr id="68" name="Rectangle 65">
-              <a:extLst>
-                <a:ext uri="{FF2B5EF4-FFF2-40B4-BE49-F238E27FC236}">
-                  <a16:creationId xmlns:a16="http://schemas.microsoft.com/office/drawing/2014/main" id="{97110A61-D30B-A363-C4C3-59EB868AAEA3}"/>
-                </a:ext>
-              </a:extLst>
-            </p:cNvPr>
-            <p:cNvSpPr>
-              <a:spLocks noChangeArrowheads="1"/>
-            </p:cNvSpPr>
-            <p:nvPr/>
-          </p:nvSpPr>
-          <p:spPr bwMode="auto">
-            <a:xfrm rot="16200000">
-              <a:off x="3681413" y="3370263"/>
-              <a:ext cx="142875" cy="209550"/>
-            </a:xfrm>
-            <a:prstGeom prst="rect">
-              <a:avLst/>
-            </a:prstGeom>
-            <a:noFill/>
-            <a:ln>
-              <a:noFill/>
-            </a:ln>
-            <a:extLst>
-              <a:ext uri="{909E8E84-426E-40DD-AFC4-6F175D3DCCD1}">
-                <a14:hiddenFill xmlns:a14="http://schemas.microsoft.com/office/drawing/2010/main">
-                  <a:solidFill>
-                    <a:srgbClr val="FFFFFF"/>
-                  </a:solidFill>
-                </a14:hiddenFill>
-              </a:ext>
-              <a:ext uri="{91240B29-F687-4F45-9708-019B960494DF}">
-                <a14:hiddenLine xmlns:a14="http://schemas.microsoft.com/office/drawing/2010/main" w="9525">
-                  <a:solidFill>
-                    <a:srgbClr val="000000"/>
-                  </a:solidFill>
-                  <a:miter lim="800000"/>
-                  <a:headEnd/>
-                  <a:tailEnd/>
-                </a14:hiddenLine>
-              </a:ext>
-            </a:extLst>
-          </p:spPr>
-          <p:txBody>
-            <a:bodyPr vert="horz" wrap="none" lIns="0" tIns="0" rIns="0" bIns="0" numCol="1" anchor="t" anchorCtr="0" compatLnSpc="1">
-              <a:prstTxWarp prst="textNoShape">
-                <a:avLst/>
-              </a:prstTxWarp>
-              <a:spAutoFit/>
-            </a:bodyPr>
-            <a:lstStyle>
-              <a:lvl1pPr eaLnBrk="0" fontAlgn="base" hangingPunct="0">
-                <a:spcBef>
-                  <a:spcPct val="0"/>
-                </a:spcBef>
-                <a:spcAft>
-                  <a:spcPct val="0"/>
-                </a:spcAft>
-                <a:defRPr>
-                  <a:solidFill>
-                    <a:schemeClr val="tx1"/>
-                  </a:solidFill>
-                  <a:latin typeface="Arial" panose="020B0604020202020204" pitchFamily="34" charset="0"/>
-                </a:defRPr>
-              </a:lvl1pPr>
-              <a:lvl2pPr eaLnBrk="0" fontAlgn="base" hangingPunct="0">
-                <a:spcBef>
-                  <a:spcPct val="0"/>
-                </a:spcBef>
-                <a:spcAft>
-                  <a:spcPct val="0"/>
-                </a:spcAft>
-                <a:defRPr>
-                  <a:solidFill>
-                    <a:schemeClr val="tx1"/>
-                  </a:solidFill>
-                  <a:latin typeface="Arial" panose="020B0604020202020204" pitchFamily="34" charset="0"/>
-                </a:defRPr>
-              </a:lvl2pPr>
-              <a:lvl3pPr eaLnBrk="0" fontAlgn="base" hangingPunct="0">
-                <a:spcBef>
-                  <a:spcPct val="0"/>
-                </a:spcBef>
-                <a:spcAft>
-                  <a:spcPct val="0"/>
-                </a:spcAft>
-                <a:defRPr>
-                  <a:solidFill>
-                    <a:schemeClr val="tx1"/>
-                  </a:solidFill>
-                  <a:latin typeface="Arial" panose="020B0604020202020204" pitchFamily="34" charset="0"/>
-                </a:defRPr>
-              </a:lvl3pPr>
-              <a:lvl4pPr eaLnBrk="0" fontAlgn="base" hangingPunct="0">
-                <a:spcBef>
-                  <a:spcPct val="0"/>
-                </a:spcBef>
-                <a:spcAft>
-                  <a:spcPct val="0"/>
-                </a:spcAft>
-                <a:defRPr>
-                  <a:solidFill>
-                    <a:schemeClr val="tx1"/>
-                  </a:solidFill>
-                  <a:latin typeface="Arial" panose="020B0604020202020204" pitchFamily="34" charset="0"/>
-                </a:defRPr>
-              </a:lvl4pPr>
-              <a:lvl5pPr eaLnBrk="0" fontAlgn="base" hangingPunct="0">
-                <a:spcBef>
-                  <a:spcPct val="0"/>
-                </a:spcBef>
-                <a:spcAft>
-                  <a:spcPct val="0"/>
-                </a:spcAft>
-                <a:defRPr>
-                  <a:solidFill>
-                    <a:schemeClr val="tx1"/>
-                  </a:solidFill>
-                  <a:latin typeface="Arial" panose="020B0604020202020204" pitchFamily="34" charset="0"/>
-                </a:defRPr>
-              </a:lvl5pPr>
-              <a:lvl6pPr eaLnBrk="0" fontAlgn="base" hangingPunct="0">
-                <a:spcBef>
-                  <a:spcPct val="0"/>
-                </a:spcBef>
-                <a:spcAft>
-                  <a:spcPct val="0"/>
-                </a:spcAft>
-                <a:defRPr>
-                  <a:solidFill>
-                    <a:schemeClr val="tx1"/>
-                  </a:solidFill>
-                  <a:latin typeface="Arial" panose="020B0604020202020204" pitchFamily="34" charset="0"/>
-                </a:defRPr>
-              </a:lvl6pPr>
-              <a:lvl7pPr eaLnBrk="0" fontAlgn="base" hangingPunct="0">
-                <a:spcBef>
-                  <a:spcPct val="0"/>
-                </a:spcBef>
-                <a:spcAft>
-                  <a:spcPct val="0"/>
-                </a:spcAft>
-                <a:defRPr>
-                  <a:solidFill>
-                    <a:schemeClr val="tx1"/>
-                  </a:solidFill>
-                  <a:latin typeface="Arial" panose="020B0604020202020204" pitchFamily="34" charset="0"/>
-                </a:defRPr>
-              </a:lvl7pPr>
-              <a:lvl8pPr eaLnBrk="0" fontAlgn="base" hangingPunct="0">
-                <a:spcBef>
-                  <a:spcPct val="0"/>
-                </a:spcBef>
-                <a:spcAft>
-                  <a:spcPct val="0"/>
-                </a:spcAft>
-                <a:defRPr>
-                  <a:solidFill>
-                    <a:schemeClr val="tx1"/>
-                  </a:solidFill>
-                  <a:latin typeface="Arial" panose="020B0604020202020204" pitchFamily="34" charset="0"/>
-                </a:defRPr>
-              </a:lvl8pPr>
-              <a:lvl9pPr eaLnBrk="0" fontAlgn="base" hangingPunct="0">
-                <a:spcBef>
-                  <a:spcPct val="0"/>
-                </a:spcBef>
-                <a:spcAft>
-                  <a:spcPct val="0"/>
-                </a:spcAft>
-                <a:defRPr>
-                  <a:solidFill>
-                    <a:schemeClr val="tx1"/>
-                  </a:solidFill>
-                  <a:latin typeface="Arial" panose="020B0604020202020204" pitchFamily="34" charset="0"/>
-                </a:defRPr>
-              </a:lvl9pPr>
-            </a:lstStyle>
-            <a:p>
-              <a:pPr marL="0" marR="0" lvl="0" indent="0" algn="l" defTabSz="914400" rtl="0" eaLnBrk="0" fontAlgn="base" latinLnBrk="0" hangingPunct="0">
-                <a:lnSpc>
-                  <a:spcPct val="100000"/>
-                </a:lnSpc>
-                <a:spcBef>
-                  <a:spcPct val="0"/>
-                </a:spcBef>
-                <a:spcAft>
-                  <a:spcPct val="0"/>
-                </a:spcAft>
-                <a:buClrTx/>
-                <a:buSzTx/>
-                <a:buFontTx/>
-                <a:buNone/>
-                <a:tabLst/>
-              </a:pPr>
-              <a:r>
-                <a:rPr kumimoji="0" lang="en-US" altLang="en-US" sz="1100" b="0" i="0" u="none" strike="noStrike" cap="none" normalizeH="0" baseline="0">
-                  <a:ln>
-                    <a:noFill/>
-                  </a:ln>
-                  <a:solidFill>
-                    <a:srgbClr val="262626"/>
-                  </a:solidFill>
-                  <a:effectLst/>
-                  <a:latin typeface="Arial" panose="020B0604020202020204" pitchFamily="34" charset="0"/>
-                </a:rPr>
-                <a:t>y</a:t>
-              </a:r>
-              <a:endParaRPr kumimoji="0" lang="en-US" altLang="en-US" sz="1800" b="0" i="0" u="none" strike="noStrike" cap="none" normalizeH="0" baseline="0">
-                <a:ln>
-                  <a:noFill/>
-                </a:ln>
-                <a:solidFill>
-                  <a:schemeClr val="tx1"/>
-                </a:solidFill>
-                <a:effectLst/>
-                <a:latin typeface="Arial" panose="020B0604020202020204" pitchFamily="34" charset="0"/>
-              </a:endParaRPr>
-            </a:p>
-          </p:txBody>
-        </p:sp>
-        <p:sp>
-          <p:nvSpPr>
-            <p:cNvPr id="69" name="Rectangle 66">
-              <a:extLst>
-                <a:ext uri="{FF2B5EF4-FFF2-40B4-BE49-F238E27FC236}">
-                  <a16:creationId xmlns:a16="http://schemas.microsoft.com/office/drawing/2014/main" id="{78E7A189-E463-DD05-F4FC-AC8D8FBA6EC9}"/>
-                </a:ext>
-              </a:extLst>
-            </p:cNvPr>
-            <p:cNvSpPr>
-              <a:spLocks noChangeArrowheads="1"/>
-            </p:cNvSpPr>
-            <p:nvPr/>
-          </p:nvSpPr>
-          <p:spPr bwMode="auto">
-            <a:xfrm rot="16200000">
-              <a:off x="3695700" y="3317875"/>
-              <a:ext cx="114300" cy="209550"/>
-            </a:xfrm>
-            <a:prstGeom prst="rect">
-              <a:avLst/>
-            </a:prstGeom>
-            <a:noFill/>
-            <a:ln>
-              <a:noFill/>
-            </a:ln>
-            <a:extLst>
-              <a:ext uri="{909E8E84-426E-40DD-AFC4-6F175D3DCCD1}">
-                <a14:hiddenFill xmlns:a14="http://schemas.microsoft.com/office/drawing/2010/main">
-                  <a:solidFill>
-                    <a:srgbClr val="FFFFFF"/>
-                  </a:solidFill>
-                </a14:hiddenFill>
-              </a:ext>
-              <a:ext uri="{91240B29-F687-4F45-9708-019B960494DF}">
-                <a14:hiddenLine xmlns:a14="http://schemas.microsoft.com/office/drawing/2010/main" w="9525">
-                  <a:solidFill>
-                    <a:srgbClr val="000000"/>
-                  </a:solidFill>
-                  <a:miter lim="800000"/>
-                  <a:headEnd/>
-                  <a:tailEnd/>
-                </a14:hiddenLine>
-              </a:ext>
-            </a:extLst>
-          </p:spPr>
-          <p:txBody>
-            <a:bodyPr vert="horz" wrap="none" lIns="0" tIns="0" rIns="0" bIns="0" numCol="1" anchor="t" anchorCtr="0" compatLnSpc="1">
-              <a:prstTxWarp prst="textNoShape">
-                <a:avLst/>
-              </a:prstTxWarp>
-              <a:spAutoFit/>
-            </a:bodyPr>
-            <a:lstStyle>
-              <a:lvl1pPr eaLnBrk="0" fontAlgn="base" hangingPunct="0">
-                <a:spcBef>
-                  <a:spcPct val="0"/>
-                </a:spcBef>
-                <a:spcAft>
-                  <a:spcPct val="0"/>
-                </a:spcAft>
-                <a:defRPr>
-                  <a:solidFill>
-                    <a:schemeClr val="tx1"/>
-                  </a:solidFill>
-                  <a:latin typeface="Arial" panose="020B0604020202020204" pitchFamily="34" charset="0"/>
-                </a:defRPr>
-              </a:lvl1pPr>
-              <a:lvl2pPr eaLnBrk="0" fontAlgn="base" hangingPunct="0">
-                <a:spcBef>
-                  <a:spcPct val="0"/>
-                </a:spcBef>
-                <a:spcAft>
-                  <a:spcPct val="0"/>
-                </a:spcAft>
-                <a:defRPr>
-                  <a:solidFill>
-                    <a:schemeClr val="tx1"/>
-                  </a:solidFill>
-                  <a:latin typeface="Arial" panose="020B0604020202020204" pitchFamily="34" charset="0"/>
-                </a:defRPr>
-              </a:lvl2pPr>
-              <a:lvl3pPr eaLnBrk="0" fontAlgn="base" hangingPunct="0">
-                <a:spcBef>
-                  <a:spcPct val="0"/>
-                </a:spcBef>
-                <a:spcAft>
-                  <a:spcPct val="0"/>
-                </a:spcAft>
-                <a:defRPr>
-                  <a:solidFill>
-                    <a:schemeClr val="tx1"/>
-                  </a:solidFill>
-                  <a:latin typeface="Arial" panose="020B0604020202020204" pitchFamily="34" charset="0"/>
-                </a:defRPr>
-              </a:lvl3pPr>
-              <a:lvl4pPr eaLnBrk="0" fontAlgn="base" hangingPunct="0">
-                <a:spcBef>
-                  <a:spcPct val="0"/>
-                </a:spcBef>
-                <a:spcAft>
-                  <a:spcPct val="0"/>
-                </a:spcAft>
-                <a:defRPr>
-                  <a:solidFill>
-                    <a:schemeClr val="tx1"/>
-                  </a:solidFill>
-                  <a:latin typeface="Arial" panose="020B0604020202020204" pitchFamily="34" charset="0"/>
-                </a:defRPr>
-              </a:lvl4pPr>
-              <a:lvl5pPr eaLnBrk="0" fontAlgn="base" hangingPunct="0">
-                <a:spcBef>
-                  <a:spcPct val="0"/>
-                </a:spcBef>
-                <a:spcAft>
-                  <a:spcPct val="0"/>
-                </a:spcAft>
-                <a:defRPr>
-                  <a:solidFill>
-                    <a:schemeClr val="tx1"/>
-                  </a:solidFill>
-                  <a:latin typeface="Arial" panose="020B0604020202020204" pitchFamily="34" charset="0"/>
-                </a:defRPr>
-              </a:lvl5pPr>
-              <a:lvl6pPr eaLnBrk="0" fontAlgn="base" hangingPunct="0">
-                <a:spcBef>
-                  <a:spcPct val="0"/>
-                </a:spcBef>
-                <a:spcAft>
-                  <a:spcPct val="0"/>
-                </a:spcAft>
-                <a:defRPr>
-                  <a:solidFill>
-                    <a:schemeClr val="tx1"/>
-                  </a:solidFill>
-                  <a:latin typeface="Arial" panose="020B0604020202020204" pitchFamily="34" charset="0"/>
-                </a:defRPr>
-              </a:lvl6pPr>
-              <a:lvl7pPr eaLnBrk="0" fontAlgn="base" hangingPunct="0">
-                <a:spcBef>
-                  <a:spcPct val="0"/>
-                </a:spcBef>
-                <a:spcAft>
-                  <a:spcPct val="0"/>
-                </a:spcAft>
-                <a:defRPr>
-                  <a:solidFill>
-                    <a:schemeClr val="tx1"/>
-                  </a:solidFill>
-                  <a:latin typeface="Arial" panose="020B0604020202020204" pitchFamily="34" charset="0"/>
-                </a:defRPr>
-              </a:lvl7pPr>
-              <a:lvl8pPr eaLnBrk="0" fontAlgn="base" hangingPunct="0">
-                <a:spcBef>
-                  <a:spcPct val="0"/>
-                </a:spcBef>
-                <a:spcAft>
-                  <a:spcPct val="0"/>
-                </a:spcAft>
-                <a:defRPr>
-                  <a:solidFill>
-                    <a:schemeClr val="tx1"/>
-                  </a:solidFill>
-                  <a:latin typeface="Arial" panose="020B0604020202020204" pitchFamily="34" charset="0"/>
-                </a:defRPr>
-              </a:lvl8pPr>
-              <a:lvl9pPr eaLnBrk="0" fontAlgn="base" hangingPunct="0">
-                <a:spcBef>
-                  <a:spcPct val="0"/>
-                </a:spcBef>
-                <a:spcAft>
-                  <a:spcPct val="0"/>
-                </a:spcAft>
-                <a:defRPr>
-                  <a:solidFill>
-                    <a:schemeClr val="tx1"/>
-                  </a:solidFill>
-                  <a:latin typeface="Arial" panose="020B0604020202020204" pitchFamily="34" charset="0"/>
-                </a:defRPr>
-              </a:lvl9pPr>
-            </a:lstStyle>
-            <a:p>
-              <a:pPr marL="0" marR="0" lvl="0" indent="0" algn="l" defTabSz="914400" rtl="0" eaLnBrk="0" fontAlgn="base" latinLnBrk="0" hangingPunct="0">
-                <a:lnSpc>
-                  <a:spcPct val="100000"/>
-                </a:lnSpc>
-                <a:spcBef>
-                  <a:spcPct val="0"/>
-                </a:spcBef>
-                <a:spcAft>
-                  <a:spcPct val="0"/>
-                </a:spcAft>
-                <a:buClrTx/>
-                <a:buSzTx/>
-                <a:buFontTx/>
-                <a:buNone/>
-                <a:tabLst/>
-              </a:pPr>
-              <a:r>
-                <a:rPr kumimoji="0" lang="en-US" altLang="en-US" sz="1100" b="0" i="0" u="none" strike="noStrike" cap="none" normalizeH="0" baseline="0">
-                  <a:ln>
-                    <a:noFill/>
-                  </a:ln>
-                  <a:solidFill>
-                    <a:srgbClr val="262626"/>
-                  </a:solidFill>
-                  <a:effectLst/>
-                  <a:latin typeface="Arial" panose="020B0604020202020204" pitchFamily="34" charset="0"/>
-                </a:rPr>
-                <a:t>-</a:t>
-              </a:r>
-              <a:endParaRPr kumimoji="0" lang="en-US" altLang="en-US" sz="1800" b="0" i="0" u="none" strike="noStrike" cap="none" normalizeH="0" baseline="0">
-                <a:ln>
-                  <a:noFill/>
-                </a:ln>
-                <a:solidFill>
-                  <a:schemeClr val="tx1"/>
-                </a:solidFill>
-                <a:effectLst/>
-                <a:latin typeface="Arial" panose="020B0604020202020204" pitchFamily="34" charset="0"/>
-              </a:endParaRPr>
-            </a:p>
-          </p:txBody>
-        </p:sp>
-        <p:sp>
-          <p:nvSpPr>
-            <p:cNvPr id="70" name="Rectangle 67">
-              <a:extLst>
-                <a:ext uri="{FF2B5EF4-FFF2-40B4-BE49-F238E27FC236}">
-                  <a16:creationId xmlns:a16="http://schemas.microsoft.com/office/drawing/2014/main" id="{3481CFF9-98FD-4796-C56E-2E57AEFA5B9A}"/>
-                </a:ext>
-              </a:extLst>
-            </p:cNvPr>
-            <p:cNvSpPr>
-              <a:spLocks noChangeArrowheads="1"/>
-            </p:cNvSpPr>
-            <p:nvPr/>
-          </p:nvSpPr>
-          <p:spPr bwMode="auto">
-            <a:xfrm rot="16200000">
-              <a:off x="3676650" y="3251200"/>
-              <a:ext cx="152400" cy="209550"/>
-            </a:xfrm>
-            <a:prstGeom prst="rect">
-              <a:avLst/>
-            </a:prstGeom>
-            <a:noFill/>
-            <a:ln>
-              <a:noFill/>
-            </a:ln>
-            <a:extLst>
-              <a:ext uri="{909E8E84-426E-40DD-AFC4-6F175D3DCCD1}">
-                <a14:hiddenFill xmlns:a14="http://schemas.microsoft.com/office/drawing/2010/main">
-                  <a:solidFill>
-                    <a:srgbClr val="FFFFFF"/>
-                  </a:solidFill>
-                </a14:hiddenFill>
-              </a:ext>
-              <a:ext uri="{91240B29-F687-4F45-9708-019B960494DF}">
-                <a14:hiddenLine xmlns:a14="http://schemas.microsoft.com/office/drawing/2010/main" w="9525">
-                  <a:solidFill>
-                    <a:srgbClr val="000000"/>
-                  </a:solidFill>
-                  <a:miter lim="800000"/>
-                  <a:headEnd/>
-                  <a:tailEnd/>
-                </a14:hiddenLine>
-              </a:ext>
-            </a:extLst>
-          </p:spPr>
-          <p:txBody>
-            <a:bodyPr vert="horz" wrap="none" lIns="0" tIns="0" rIns="0" bIns="0" numCol="1" anchor="t" anchorCtr="0" compatLnSpc="1">
-              <a:prstTxWarp prst="textNoShape">
-                <a:avLst/>
-              </a:prstTxWarp>
-              <a:spAutoFit/>
-            </a:bodyPr>
-            <a:lstStyle>
-              <a:lvl1pPr eaLnBrk="0" fontAlgn="base" hangingPunct="0">
-                <a:spcBef>
-                  <a:spcPct val="0"/>
-                </a:spcBef>
-                <a:spcAft>
-                  <a:spcPct val="0"/>
-                </a:spcAft>
-                <a:defRPr>
-                  <a:solidFill>
-                    <a:schemeClr val="tx1"/>
-                  </a:solidFill>
-                  <a:latin typeface="Arial" panose="020B0604020202020204" pitchFamily="34" charset="0"/>
-                </a:defRPr>
-              </a:lvl1pPr>
-              <a:lvl2pPr eaLnBrk="0" fontAlgn="base" hangingPunct="0">
-                <a:spcBef>
-                  <a:spcPct val="0"/>
-                </a:spcBef>
-                <a:spcAft>
-                  <a:spcPct val="0"/>
-                </a:spcAft>
-                <a:defRPr>
-                  <a:solidFill>
-                    <a:schemeClr val="tx1"/>
-                  </a:solidFill>
-                  <a:latin typeface="Arial" panose="020B0604020202020204" pitchFamily="34" charset="0"/>
-                </a:defRPr>
-              </a:lvl2pPr>
-              <a:lvl3pPr eaLnBrk="0" fontAlgn="base" hangingPunct="0">
-                <a:spcBef>
-                  <a:spcPct val="0"/>
-                </a:spcBef>
-                <a:spcAft>
-                  <a:spcPct val="0"/>
-                </a:spcAft>
-                <a:defRPr>
-                  <a:solidFill>
-                    <a:schemeClr val="tx1"/>
-                  </a:solidFill>
-                  <a:latin typeface="Arial" panose="020B0604020202020204" pitchFamily="34" charset="0"/>
-                </a:defRPr>
-              </a:lvl3pPr>
-              <a:lvl4pPr eaLnBrk="0" fontAlgn="base" hangingPunct="0">
-                <a:spcBef>
-                  <a:spcPct val="0"/>
-                </a:spcBef>
-                <a:spcAft>
-                  <a:spcPct val="0"/>
-                </a:spcAft>
-                <a:defRPr>
-                  <a:solidFill>
-                    <a:schemeClr val="tx1"/>
-                  </a:solidFill>
-                  <a:latin typeface="Arial" panose="020B0604020202020204" pitchFamily="34" charset="0"/>
-                </a:defRPr>
-              </a:lvl4pPr>
-              <a:lvl5pPr eaLnBrk="0" fontAlgn="base" hangingPunct="0">
-                <a:spcBef>
-                  <a:spcPct val="0"/>
-                </a:spcBef>
-                <a:spcAft>
-                  <a:spcPct val="0"/>
-                </a:spcAft>
-                <a:defRPr>
-                  <a:solidFill>
-                    <a:schemeClr val="tx1"/>
-                  </a:solidFill>
-                  <a:latin typeface="Arial" panose="020B0604020202020204" pitchFamily="34" charset="0"/>
-                </a:defRPr>
-              </a:lvl5pPr>
-              <a:lvl6pPr eaLnBrk="0" fontAlgn="base" hangingPunct="0">
-                <a:spcBef>
-                  <a:spcPct val="0"/>
-                </a:spcBef>
-                <a:spcAft>
-                  <a:spcPct val="0"/>
-                </a:spcAft>
-                <a:defRPr>
-                  <a:solidFill>
-                    <a:schemeClr val="tx1"/>
-                  </a:solidFill>
-                  <a:latin typeface="Arial" panose="020B0604020202020204" pitchFamily="34" charset="0"/>
-                </a:defRPr>
-              </a:lvl6pPr>
-              <a:lvl7pPr eaLnBrk="0" fontAlgn="base" hangingPunct="0">
-                <a:spcBef>
-                  <a:spcPct val="0"/>
-                </a:spcBef>
-                <a:spcAft>
-                  <a:spcPct val="0"/>
-                </a:spcAft>
-                <a:defRPr>
-                  <a:solidFill>
-                    <a:schemeClr val="tx1"/>
-                  </a:solidFill>
-                  <a:latin typeface="Arial" panose="020B0604020202020204" pitchFamily="34" charset="0"/>
-                </a:defRPr>
-              </a:lvl7pPr>
-              <a:lvl8pPr eaLnBrk="0" fontAlgn="base" hangingPunct="0">
-                <a:spcBef>
-                  <a:spcPct val="0"/>
-                </a:spcBef>
-                <a:spcAft>
-                  <a:spcPct val="0"/>
-                </a:spcAft>
-                <a:defRPr>
-                  <a:solidFill>
-                    <a:schemeClr val="tx1"/>
-                  </a:solidFill>
-                  <a:latin typeface="Arial" panose="020B0604020202020204" pitchFamily="34" charset="0"/>
-                </a:defRPr>
-              </a:lvl8pPr>
-              <a:lvl9pPr eaLnBrk="0" fontAlgn="base" hangingPunct="0">
-                <a:spcBef>
-                  <a:spcPct val="0"/>
-                </a:spcBef>
-                <a:spcAft>
-                  <a:spcPct val="0"/>
-                </a:spcAft>
-                <a:defRPr>
-                  <a:solidFill>
-                    <a:schemeClr val="tx1"/>
-                  </a:solidFill>
-                  <a:latin typeface="Arial" panose="020B0604020202020204" pitchFamily="34" charset="0"/>
-                </a:defRPr>
-              </a:lvl9pPr>
-            </a:lstStyle>
-            <a:p>
-              <a:pPr marL="0" marR="0" lvl="0" indent="0" algn="l" defTabSz="914400" rtl="0" eaLnBrk="0" fontAlgn="base" latinLnBrk="0" hangingPunct="0">
-                <a:lnSpc>
-                  <a:spcPct val="100000"/>
-                </a:lnSpc>
-                <a:spcBef>
-                  <a:spcPct val="0"/>
-                </a:spcBef>
-                <a:spcAft>
-                  <a:spcPct val="0"/>
-                </a:spcAft>
-                <a:buClrTx/>
-                <a:buSzTx/>
-                <a:buFontTx/>
-                <a:buNone/>
-                <a:tabLst/>
-              </a:pPr>
-              <a:r>
-                <a:rPr kumimoji="0" lang="en-US" altLang="en-US" sz="1100" b="0" i="0" u="none" strike="noStrike" cap="none" normalizeH="0" baseline="0">
-                  <a:ln>
-                    <a:noFill/>
-                  </a:ln>
-                  <a:solidFill>
-                    <a:srgbClr val="262626"/>
-                  </a:solidFill>
-                  <a:effectLst/>
-                  <a:latin typeface="Arial" panose="020B0604020202020204" pitchFamily="34" charset="0"/>
-                </a:rPr>
-                <a:t>a</a:t>
-              </a:r>
-              <a:endParaRPr kumimoji="0" lang="en-US" altLang="en-US" sz="1800" b="0" i="0" u="none" strike="noStrike" cap="none" normalizeH="0" baseline="0">
-                <a:ln>
-                  <a:noFill/>
-                </a:ln>
-                <a:solidFill>
-                  <a:schemeClr val="tx1"/>
-                </a:solidFill>
-                <a:effectLst/>
-                <a:latin typeface="Arial" panose="020B0604020202020204" pitchFamily="34" charset="0"/>
-              </a:endParaRPr>
-            </a:p>
-          </p:txBody>
-        </p:sp>
-        <p:sp>
-          <p:nvSpPr>
-            <p:cNvPr id="71" name="Rectangle 68">
-              <a:extLst>
-                <a:ext uri="{FF2B5EF4-FFF2-40B4-BE49-F238E27FC236}">
-                  <a16:creationId xmlns:a16="http://schemas.microsoft.com/office/drawing/2014/main" id="{D2452DA0-4DB3-3D00-C103-CE9C7D51E263}"/>
-                </a:ext>
-              </a:extLst>
-            </p:cNvPr>
-            <p:cNvSpPr>
-              <a:spLocks noChangeArrowheads="1"/>
-            </p:cNvSpPr>
-            <p:nvPr/>
-          </p:nvSpPr>
-          <p:spPr bwMode="auto">
-            <a:xfrm rot="16200000">
-              <a:off x="3681413" y="3179763"/>
-              <a:ext cx="142875" cy="209550"/>
-            </a:xfrm>
-            <a:prstGeom prst="rect">
-              <a:avLst/>
-            </a:prstGeom>
-            <a:noFill/>
-            <a:ln>
-              <a:noFill/>
-            </a:ln>
-            <a:extLst>
-              <a:ext uri="{909E8E84-426E-40DD-AFC4-6F175D3DCCD1}">
-                <a14:hiddenFill xmlns:a14="http://schemas.microsoft.com/office/drawing/2010/main">
-                  <a:solidFill>
-                    <a:srgbClr val="FFFFFF"/>
-                  </a:solidFill>
-                </a14:hiddenFill>
-              </a:ext>
-              <a:ext uri="{91240B29-F687-4F45-9708-019B960494DF}">
-                <a14:hiddenLine xmlns:a14="http://schemas.microsoft.com/office/drawing/2010/main" w="9525">
-                  <a:solidFill>
-                    <a:srgbClr val="000000"/>
-                  </a:solidFill>
-                  <a:miter lim="800000"/>
-                  <a:headEnd/>
-                  <a:tailEnd/>
-                </a14:hiddenLine>
-              </a:ext>
-            </a:extLst>
-          </p:spPr>
-          <p:txBody>
-            <a:bodyPr vert="horz" wrap="none" lIns="0" tIns="0" rIns="0" bIns="0" numCol="1" anchor="t" anchorCtr="0" compatLnSpc="1">
-              <a:prstTxWarp prst="textNoShape">
-                <a:avLst/>
-              </a:prstTxWarp>
-              <a:spAutoFit/>
-            </a:bodyPr>
-            <a:lstStyle>
-              <a:lvl1pPr eaLnBrk="0" fontAlgn="base" hangingPunct="0">
-                <a:spcBef>
-                  <a:spcPct val="0"/>
-                </a:spcBef>
-                <a:spcAft>
-                  <a:spcPct val="0"/>
-                </a:spcAft>
-                <a:defRPr>
-                  <a:solidFill>
-                    <a:schemeClr val="tx1"/>
-                  </a:solidFill>
-                  <a:latin typeface="Arial" panose="020B0604020202020204" pitchFamily="34" charset="0"/>
-                </a:defRPr>
-              </a:lvl1pPr>
-              <a:lvl2pPr eaLnBrk="0" fontAlgn="base" hangingPunct="0">
-                <a:spcBef>
-                  <a:spcPct val="0"/>
-                </a:spcBef>
-                <a:spcAft>
-                  <a:spcPct val="0"/>
-                </a:spcAft>
-                <a:defRPr>
-                  <a:solidFill>
-                    <a:schemeClr val="tx1"/>
-                  </a:solidFill>
-                  <a:latin typeface="Arial" panose="020B0604020202020204" pitchFamily="34" charset="0"/>
-                </a:defRPr>
-              </a:lvl2pPr>
-              <a:lvl3pPr eaLnBrk="0" fontAlgn="base" hangingPunct="0">
-                <a:spcBef>
-                  <a:spcPct val="0"/>
-                </a:spcBef>
-                <a:spcAft>
-                  <a:spcPct val="0"/>
-                </a:spcAft>
-                <a:defRPr>
-                  <a:solidFill>
-                    <a:schemeClr val="tx1"/>
-                  </a:solidFill>
-                  <a:latin typeface="Arial" panose="020B0604020202020204" pitchFamily="34" charset="0"/>
-                </a:defRPr>
-              </a:lvl3pPr>
-              <a:lvl4pPr eaLnBrk="0" fontAlgn="base" hangingPunct="0">
-                <a:spcBef>
-                  <a:spcPct val="0"/>
-                </a:spcBef>
-                <a:spcAft>
-                  <a:spcPct val="0"/>
-                </a:spcAft>
-                <a:defRPr>
-                  <a:solidFill>
-                    <a:schemeClr val="tx1"/>
-                  </a:solidFill>
-                  <a:latin typeface="Arial" panose="020B0604020202020204" pitchFamily="34" charset="0"/>
-                </a:defRPr>
-              </a:lvl4pPr>
-              <a:lvl5pPr eaLnBrk="0" fontAlgn="base" hangingPunct="0">
-                <a:spcBef>
-                  <a:spcPct val="0"/>
-                </a:spcBef>
-                <a:spcAft>
-                  <a:spcPct val="0"/>
-                </a:spcAft>
-                <a:defRPr>
-                  <a:solidFill>
-                    <a:schemeClr val="tx1"/>
-                  </a:solidFill>
-                  <a:latin typeface="Arial" panose="020B0604020202020204" pitchFamily="34" charset="0"/>
-                </a:defRPr>
-              </a:lvl5pPr>
-              <a:lvl6pPr eaLnBrk="0" fontAlgn="base" hangingPunct="0">
-                <a:spcBef>
-                  <a:spcPct val="0"/>
-                </a:spcBef>
-                <a:spcAft>
-                  <a:spcPct val="0"/>
-                </a:spcAft>
-                <a:defRPr>
-                  <a:solidFill>
-                    <a:schemeClr val="tx1"/>
-                  </a:solidFill>
-                  <a:latin typeface="Arial" panose="020B0604020202020204" pitchFamily="34" charset="0"/>
-                </a:defRPr>
-              </a:lvl6pPr>
-              <a:lvl7pPr eaLnBrk="0" fontAlgn="base" hangingPunct="0">
-                <a:spcBef>
-                  <a:spcPct val="0"/>
-                </a:spcBef>
-                <a:spcAft>
-                  <a:spcPct val="0"/>
-                </a:spcAft>
-                <a:defRPr>
-                  <a:solidFill>
-                    <a:schemeClr val="tx1"/>
-                  </a:solidFill>
-                  <a:latin typeface="Arial" panose="020B0604020202020204" pitchFamily="34" charset="0"/>
-                </a:defRPr>
-              </a:lvl7pPr>
-              <a:lvl8pPr eaLnBrk="0" fontAlgn="base" hangingPunct="0">
-                <a:spcBef>
-                  <a:spcPct val="0"/>
-                </a:spcBef>
-                <a:spcAft>
-                  <a:spcPct val="0"/>
-                </a:spcAft>
-                <a:defRPr>
-                  <a:solidFill>
-                    <a:schemeClr val="tx1"/>
-                  </a:solidFill>
-                  <a:latin typeface="Arial" panose="020B0604020202020204" pitchFamily="34" charset="0"/>
-                </a:defRPr>
-              </a:lvl8pPr>
-              <a:lvl9pPr eaLnBrk="0" fontAlgn="base" hangingPunct="0">
-                <a:spcBef>
-                  <a:spcPct val="0"/>
-                </a:spcBef>
-                <a:spcAft>
-                  <a:spcPct val="0"/>
-                </a:spcAft>
-                <a:defRPr>
-                  <a:solidFill>
-                    <a:schemeClr val="tx1"/>
-                  </a:solidFill>
-                  <a:latin typeface="Arial" panose="020B0604020202020204" pitchFamily="34" charset="0"/>
-                </a:defRPr>
-              </a:lvl9pPr>
-            </a:lstStyle>
-            <a:p>
-              <a:pPr marL="0" marR="0" lvl="0" indent="0" algn="l" defTabSz="914400" rtl="0" eaLnBrk="0" fontAlgn="base" latinLnBrk="0" hangingPunct="0">
-                <a:lnSpc>
-                  <a:spcPct val="100000"/>
-                </a:lnSpc>
-                <a:spcBef>
-                  <a:spcPct val="0"/>
-                </a:spcBef>
-                <a:spcAft>
-                  <a:spcPct val="0"/>
-                </a:spcAft>
-                <a:buClrTx/>
-                <a:buSzTx/>
-                <a:buFontTx/>
-                <a:buNone/>
-                <a:tabLst/>
-              </a:pPr>
-              <a:r>
-                <a:rPr kumimoji="0" lang="en-US" altLang="en-US" sz="1100" b="0" i="0" u="none" strike="noStrike" cap="none" normalizeH="0" baseline="0">
-                  <a:ln>
-                    <a:noFill/>
-                  </a:ln>
-                  <a:solidFill>
-                    <a:srgbClr val="262626"/>
-                  </a:solidFill>
-                  <a:effectLst/>
-                  <a:latin typeface="Arial" panose="020B0604020202020204" pitchFamily="34" charset="0"/>
-                </a:rPr>
-                <a:t>x</a:t>
-              </a:r>
-              <a:endParaRPr kumimoji="0" lang="en-US" altLang="en-US" sz="1800" b="0" i="0" u="none" strike="noStrike" cap="none" normalizeH="0" baseline="0">
-                <a:ln>
-                  <a:noFill/>
-                </a:ln>
-                <a:solidFill>
-                  <a:schemeClr val="tx1"/>
-                </a:solidFill>
-                <a:effectLst/>
-                <a:latin typeface="Arial" panose="020B0604020202020204" pitchFamily="34" charset="0"/>
-              </a:endParaRPr>
-            </a:p>
-          </p:txBody>
-        </p:sp>
-        <p:sp>
-          <p:nvSpPr>
-            <p:cNvPr id="72" name="Rectangle 69">
-              <a:extLst>
-                <a:ext uri="{FF2B5EF4-FFF2-40B4-BE49-F238E27FC236}">
-                  <a16:creationId xmlns:a16="http://schemas.microsoft.com/office/drawing/2014/main" id="{AFC7C0B3-821A-6FE6-F63C-3294E11711BE}"/>
-                </a:ext>
-              </a:extLst>
-            </p:cNvPr>
-            <p:cNvSpPr>
-              <a:spLocks noChangeArrowheads="1"/>
-            </p:cNvSpPr>
-            <p:nvPr/>
-          </p:nvSpPr>
-          <p:spPr bwMode="auto">
-            <a:xfrm rot="16200000">
-              <a:off x="3705225" y="3136900"/>
-              <a:ext cx="95250" cy="209550"/>
-            </a:xfrm>
-            <a:prstGeom prst="rect">
-              <a:avLst/>
-            </a:prstGeom>
-            <a:noFill/>
-            <a:ln>
-              <a:noFill/>
-            </a:ln>
-            <a:extLst>
-              <a:ext uri="{909E8E84-426E-40DD-AFC4-6F175D3DCCD1}">
-                <a14:hiddenFill xmlns:a14="http://schemas.microsoft.com/office/drawing/2010/main">
-                  <a:solidFill>
-                    <a:srgbClr val="FFFFFF"/>
-                  </a:solidFill>
-                </a14:hiddenFill>
-              </a:ext>
-              <a:ext uri="{91240B29-F687-4F45-9708-019B960494DF}">
-                <a14:hiddenLine xmlns:a14="http://schemas.microsoft.com/office/drawing/2010/main" w="9525">
-                  <a:solidFill>
-                    <a:srgbClr val="000000"/>
-                  </a:solidFill>
-                  <a:miter lim="800000"/>
-                  <a:headEnd/>
-                  <a:tailEnd/>
-                </a14:hiddenLine>
-              </a:ext>
-            </a:extLst>
-          </p:spPr>
-          <p:txBody>
-            <a:bodyPr vert="horz" wrap="none" lIns="0" tIns="0" rIns="0" bIns="0" numCol="1" anchor="t" anchorCtr="0" compatLnSpc="1">
-              <a:prstTxWarp prst="textNoShape">
-                <a:avLst/>
-              </a:prstTxWarp>
-              <a:spAutoFit/>
-            </a:bodyPr>
-            <a:lstStyle>
-              <a:lvl1pPr eaLnBrk="0" fontAlgn="base" hangingPunct="0">
-                <a:spcBef>
-                  <a:spcPct val="0"/>
-                </a:spcBef>
-                <a:spcAft>
-                  <a:spcPct val="0"/>
-                </a:spcAft>
-                <a:defRPr>
-                  <a:solidFill>
-                    <a:schemeClr val="tx1"/>
-                  </a:solidFill>
-                  <a:latin typeface="Arial" panose="020B0604020202020204" pitchFamily="34" charset="0"/>
-                </a:defRPr>
-              </a:lvl1pPr>
-              <a:lvl2pPr eaLnBrk="0" fontAlgn="base" hangingPunct="0">
-                <a:spcBef>
-                  <a:spcPct val="0"/>
-                </a:spcBef>
-                <a:spcAft>
-                  <a:spcPct val="0"/>
-                </a:spcAft>
-                <a:defRPr>
-                  <a:solidFill>
-                    <a:schemeClr val="tx1"/>
-                  </a:solidFill>
-                  <a:latin typeface="Arial" panose="020B0604020202020204" pitchFamily="34" charset="0"/>
-                </a:defRPr>
-              </a:lvl2pPr>
-              <a:lvl3pPr eaLnBrk="0" fontAlgn="base" hangingPunct="0">
-                <a:spcBef>
-                  <a:spcPct val="0"/>
-                </a:spcBef>
-                <a:spcAft>
-                  <a:spcPct val="0"/>
-                </a:spcAft>
-                <a:defRPr>
-                  <a:solidFill>
-                    <a:schemeClr val="tx1"/>
-                  </a:solidFill>
-                  <a:latin typeface="Arial" panose="020B0604020202020204" pitchFamily="34" charset="0"/>
-                </a:defRPr>
-              </a:lvl3pPr>
-              <a:lvl4pPr eaLnBrk="0" fontAlgn="base" hangingPunct="0">
-                <a:spcBef>
-                  <a:spcPct val="0"/>
-                </a:spcBef>
-                <a:spcAft>
-                  <a:spcPct val="0"/>
-                </a:spcAft>
-                <a:defRPr>
-                  <a:solidFill>
-                    <a:schemeClr val="tx1"/>
-                  </a:solidFill>
-                  <a:latin typeface="Arial" panose="020B0604020202020204" pitchFamily="34" charset="0"/>
-                </a:defRPr>
-              </a:lvl4pPr>
-              <a:lvl5pPr eaLnBrk="0" fontAlgn="base" hangingPunct="0">
-                <a:spcBef>
-                  <a:spcPct val="0"/>
-                </a:spcBef>
-                <a:spcAft>
-                  <a:spcPct val="0"/>
-                </a:spcAft>
-                <a:defRPr>
-                  <a:solidFill>
-                    <a:schemeClr val="tx1"/>
-                  </a:solidFill>
-                  <a:latin typeface="Arial" panose="020B0604020202020204" pitchFamily="34" charset="0"/>
-                </a:defRPr>
-              </a:lvl5pPr>
-              <a:lvl6pPr eaLnBrk="0" fontAlgn="base" hangingPunct="0">
-                <a:spcBef>
-                  <a:spcPct val="0"/>
-                </a:spcBef>
-                <a:spcAft>
-                  <a:spcPct val="0"/>
-                </a:spcAft>
-                <a:defRPr>
-                  <a:solidFill>
-                    <a:schemeClr val="tx1"/>
-                  </a:solidFill>
-                  <a:latin typeface="Arial" panose="020B0604020202020204" pitchFamily="34" charset="0"/>
-                </a:defRPr>
-              </a:lvl6pPr>
-              <a:lvl7pPr eaLnBrk="0" fontAlgn="base" hangingPunct="0">
-                <a:spcBef>
-                  <a:spcPct val="0"/>
-                </a:spcBef>
-                <a:spcAft>
-                  <a:spcPct val="0"/>
-                </a:spcAft>
-                <a:defRPr>
-                  <a:solidFill>
-                    <a:schemeClr val="tx1"/>
-                  </a:solidFill>
-                  <a:latin typeface="Arial" panose="020B0604020202020204" pitchFamily="34" charset="0"/>
-                </a:defRPr>
-              </a:lvl7pPr>
-              <a:lvl8pPr eaLnBrk="0" fontAlgn="base" hangingPunct="0">
-                <a:spcBef>
-                  <a:spcPct val="0"/>
-                </a:spcBef>
-                <a:spcAft>
-                  <a:spcPct val="0"/>
-                </a:spcAft>
-                <a:defRPr>
-                  <a:solidFill>
-                    <a:schemeClr val="tx1"/>
-                  </a:solidFill>
-                  <a:latin typeface="Arial" panose="020B0604020202020204" pitchFamily="34" charset="0"/>
-                </a:defRPr>
-              </a:lvl8pPr>
-              <a:lvl9pPr eaLnBrk="0" fontAlgn="base" hangingPunct="0">
-                <a:spcBef>
-                  <a:spcPct val="0"/>
-                </a:spcBef>
-                <a:spcAft>
-                  <a:spcPct val="0"/>
-                </a:spcAft>
-                <a:defRPr>
-                  <a:solidFill>
-                    <a:schemeClr val="tx1"/>
-                  </a:solidFill>
-                  <a:latin typeface="Arial" panose="020B0604020202020204" pitchFamily="34" charset="0"/>
-                </a:defRPr>
-              </a:lvl9pPr>
-            </a:lstStyle>
-            <a:p>
-              <a:pPr marL="0" marR="0" lvl="0" indent="0" algn="l" defTabSz="914400" rtl="0" eaLnBrk="0" fontAlgn="base" latinLnBrk="0" hangingPunct="0">
-                <a:lnSpc>
-                  <a:spcPct val="100000"/>
-                </a:lnSpc>
-                <a:spcBef>
-                  <a:spcPct val="0"/>
-                </a:spcBef>
-                <a:spcAft>
-                  <a:spcPct val="0"/>
-                </a:spcAft>
-                <a:buClrTx/>
-                <a:buSzTx/>
-                <a:buFontTx/>
-                <a:buNone/>
-                <a:tabLst/>
-              </a:pPr>
-              <a:r>
-                <a:rPr kumimoji="0" lang="en-US" altLang="en-US" sz="1100" b="0" i="0" u="none" strike="noStrike" cap="none" normalizeH="0" baseline="0">
-                  <a:ln>
-                    <a:noFill/>
-                  </a:ln>
-                  <a:solidFill>
-                    <a:srgbClr val="262626"/>
-                  </a:solidFill>
-                  <a:effectLst/>
-                  <a:latin typeface="Arial" panose="020B0604020202020204" pitchFamily="34" charset="0"/>
-                </a:rPr>
-                <a:t>i</a:t>
-              </a:r>
-              <a:endParaRPr kumimoji="0" lang="en-US" altLang="en-US" sz="1800" b="0" i="0" u="none" strike="noStrike" cap="none" normalizeH="0" baseline="0">
-                <a:ln>
-                  <a:noFill/>
-                </a:ln>
-                <a:solidFill>
-                  <a:schemeClr val="tx1"/>
-                </a:solidFill>
-                <a:effectLst/>
-                <a:latin typeface="Arial" panose="020B0604020202020204" pitchFamily="34" charset="0"/>
-              </a:endParaRPr>
-            </a:p>
-          </p:txBody>
-        </p:sp>
-        <p:sp>
-          <p:nvSpPr>
-            <p:cNvPr id="73" name="Rectangle 70">
-              <a:extLst>
-                <a:ext uri="{FF2B5EF4-FFF2-40B4-BE49-F238E27FC236}">
-                  <a16:creationId xmlns:a16="http://schemas.microsoft.com/office/drawing/2014/main" id="{2C17D5F4-B0EA-F0B5-9FC9-022210406A2B}"/>
-                </a:ext>
-              </a:extLst>
-            </p:cNvPr>
-            <p:cNvSpPr>
-              <a:spLocks noChangeArrowheads="1"/>
-            </p:cNvSpPr>
-            <p:nvPr/>
-          </p:nvSpPr>
-          <p:spPr bwMode="auto">
-            <a:xfrm rot="16200000">
-              <a:off x="3681413" y="3084513"/>
-              <a:ext cx="142875" cy="209550"/>
-            </a:xfrm>
-            <a:prstGeom prst="rect">
-              <a:avLst/>
-            </a:prstGeom>
-            <a:noFill/>
-            <a:ln>
-              <a:noFill/>
-            </a:ln>
-            <a:extLst>
-              <a:ext uri="{909E8E84-426E-40DD-AFC4-6F175D3DCCD1}">
-                <a14:hiddenFill xmlns:a14="http://schemas.microsoft.com/office/drawing/2010/main">
-                  <a:solidFill>
-                    <a:srgbClr val="FFFFFF"/>
-                  </a:solidFill>
-                </a14:hiddenFill>
-              </a:ext>
-              <a:ext uri="{91240B29-F687-4F45-9708-019B960494DF}">
-                <a14:hiddenLine xmlns:a14="http://schemas.microsoft.com/office/drawing/2010/main" w="9525">
-                  <a:solidFill>
-                    <a:srgbClr val="000000"/>
-                  </a:solidFill>
-                  <a:miter lim="800000"/>
-                  <a:headEnd/>
-                  <a:tailEnd/>
-                </a14:hiddenLine>
-              </a:ext>
-            </a:extLst>
-          </p:spPr>
-          <p:txBody>
-            <a:bodyPr vert="horz" wrap="none" lIns="0" tIns="0" rIns="0" bIns="0" numCol="1" anchor="t" anchorCtr="0" compatLnSpc="1">
-              <a:prstTxWarp prst="textNoShape">
-                <a:avLst/>
-              </a:prstTxWarp>
-              <a:spAutoFit/>
-            </a:bodyPr>
-            <a:lstStyle>
-              <a:lvl1pPr eaLnBrk="0" fontAlgn="base" hangingPunct="0">
-                <a:spcBef>
-                  <a:spcPct val="0"/>
-                </a:spcBef>
-                <a:spcAft>
-                  <a:spcPct val="0"/>
-                </a:spcAft>
-                <a:defRPr>
-                  <a:solidFill>
-                    <a:schemeClr val="tx1"/>
-                  </a:solidFill>
-                  <a:latin typeface="Arial" panose="020B0604020202020204" pitchFamily="34" charset="0"/>
-                </a:defRPr>
-              </a:lvl1pPr>
-              <a:lvl2pPr eaLnBrk="0" fontAlgn="base" hangingPunct="0">
-                <a:spcBef>
-                  <a:spcPct val="0"/>
-                </a:spcBef>
-                <a:spcAft>
-                  <a:spcPct val="0"/>
-                </a:spcAft>
-                <a:defRPr>
-                  <a:solidFill>
-                    <a:schemeClr val="tx1"/>
-                  </a:solidFill>
-                  <a:latin typeface="Arial" panose="020B0604020202020204" pitchFamily="34" charset="0"/>
-                </a:defRPr>
-              </a:lvl2pPr>
-              <a:lvl3pPr eaLnBrk="0" fontAlgn="base" hangingPunct="0">
-                <a:spcBef>
-                  <a:spcPct val="0"/>
-                </a:spcBef>
-                <a:spcAft>
-                  <a:spcPct val="0"/>
-                </a:spcAft>
-                <a:defRPr>
-                  <a:solidFill>
-                    <a:schemeClr val="tx1"/>
-                  </a:solidFill>
-                  <a:latin typeface="Arial" panose="020B0604020202020204" pitchFamily="34" charset="0"/>
-                </a:defRPr>
-              </a:lvl3pPr>
-              <a:lvl4pPr eaLnBrk="0" fontAlgn="base" hangingPunct="0">
-                <a:spcBef>
-                  <a:spcPct val="0"/>
-                </a:spcBef>
-                <a:spcAft>
-                  <a:spcPct val="0"/>
-                </a:spcAft>
-                <a:defRPr>
-                  <a:solidFill>
-                    <a:schemeClr val="tx1"/>
-                  </a:solidFill>
-                  <a:latin typeface="Arial" panose="020B0604020202020204" pitchFamily="34" charset="0"/>
-                </a:defRPr>
-              </a:lvl4pPr>
-              <a:lvl5pPr eaLnBrk="0" fontAlgn="base" hangingPunct="0">
-                <a:spcBef>
-                  <a:spcPct val="0"/>
-                </a:spcBef>
-                <a:spcAft>
-                  <a:spcPct val="0"/>
-                </a:spcAft>
-                <a:defRPr>
-                  <a:solidFill>
-                    <a:schemeClr val="tx1"/>
-                  </a:solidFill>
-                  <a:latin typeface="Arial" panose="020B0604020202020204" pitchFamily="34" charset="0"/>
-                </a:defRPr>
-              </a:lvl5pPr>
-              <a:lvl6pPr eaLnBrk="0" fontAlgn="base" hangingPunct="0">
-                <a:spcBef>
-                  <a:spcPct val="0"/>
-                </a:spcBef>
-                <a:spcAft>
-                  <a:spcPct val="0"/>
-                </a:spcAft>
-                <a:defRPr>
-                  <a:solidFill>
-                    <a:schemeClr val="tx1"/>
-                  </a:solidFill>
-                  <a:latin typeface="Arial" panose="020B0604020202020204" pitchFamily="34" charset="0"/>
-                </a:defRPr>
-              </a:lvl6pPr>
-              <a:lvl7pPr eaLnBrk="0" fontAlgn="base" hangingPunct="0">
-                <a:spcBef>
-                  <a:spcPct val="0"/>
-                </a:spcBef>
-                <a:spcAft>
-                  <a:spcPct val="0"/>
-                </a:spcAft>
-                <a:defRPr>
-                  <a:solidFill>
-                    <a:schemeClr val="tx1"/>
-                  </a:solidFill>
-                  <a:latin typeface="Arial" panose="020B0604020202020204" pitchFamily="34" charset="0"/>
-                </a:defRPr>
-              </a:lvl7pPr>
-              <a:lvl8pPr eaLnBrk="0" fontAlgn="base" hangingPunct="0">
-                <a:spcBef>
-                  <a:spcPct val="0"/>
-                </a:spcBef>
-                <a:spcAft>
-                  <a:spcPct val="0"/>
-                </a:spcAft>
-                <a:defRPr>
-                  <a:solidFill>
-                    <a:schemeClr val="tx1"/>
-                  </a:solidFill>
-                  <a:latin typeface="Arial" panose="020B0604020202020204" pitchFamily="34" charset="0"/>
-                </a:defRPr>
-              </a:lvl8pPr>
-              <a:lvl9pPr eaLnBrk="0" fontAlgn="base" hangingPunct="0">
-                <a:spcBef>
-                  <a:spcPct val="0"/>
-                </a:spcBef>
-                <a:spcAft>
-                  <a:spcPct val="0"/>
-                </a:spcAft>
-                <a:defRPr>
-                  <a:solidFill>
-                    <a:schemeClr val="tx1"/>
-                  </a:solidFill>
-                  <a:latin typeface="Arial" panose="020B0604020202020204" pitchFamily="34" charset="0"/>
-                </a:defRPr>
-              </a:lvl9pPr>
-            </a:lstStyle>
-            <a:p>
-              <a:pPr marL="0" marR="0" lvl="0" indent="0" algn="l" defTabSz="914400" rtl="0" eaLnBrk="0" fontAlgn="base" latinLnBrk="0" hangingPunct="0">
-                <a:lnSpc>
-                  <a:spcPct val="100000"/>
-                </a:lnSpc>
-                <a:spcBef>
-                  <a:spcPct val="0"/>
-                </a:spcBef>
-                <a:spcAft>
-                  <a:spcPct val="0"/>
-                </a:spcAft>
-                <a:buClrTx/>
-                <a:buSzTx/>
-                <a:buFontTx/>
-                <a:buNone/>
-                <a:tabLst/>
-              </a:pPr>
-              <a:r>
-                <a:rPr kumimoji="0" lang="en-US" altLang="en-US" sz="1100" b="0" i="0" u="none" strike="noStrike" cap="none" normalizeH="0" baseline="0">
-                  <a:ln>
-                    <a:noFill/>
-                  </a:ln>
-                  <a:solidFill>
-                    <a:srgbClr val="262626"/>
-                  </a:solidFill>
-                  <a:effectLst/>
-                  <a:latin typeface="Arial" panose="020B0604020202020204" pitchFamily="34" charset="0"/>
-                </a:rPr>
-                <a:t>s</a:t>
-              </a:r>
-              <a:endParaRPr kumimoji="0" lang="en-US" altLang="en-US" sz="1800" b="0" i="0" u="none" strike="noStrike" cap="none" normalizeH="0" baseline="0">
-                <a:ln>
-                  <a:noFill/>
-                </a:ln>
-                <a:solidFill>
-                  <a:schemeClr val="tx1"/>
-                </a:solidFill>
-                <a:effectLst/>
-                <a:latin typeface="Arial" panose="020B0604020202020204" pitchFamily="34" charset="0"/>
-              </a:endParaRPr>
-            </a:p>
-          </p:txBody>
-        </p:sp>
-      </p:grpSp>
+                <a:effectLst>
+                  <a:glow rad="101600">
+                    <a:schemeClr val="accent3">
+                      <a:satMod val="175000"/>
+                      <a:alpha val="40000"/>
+                    </a:schemeClr>
+                  </a:glow>
+                </a:effectLst>
+              </a:rPr>
+              <a:t>of lines inside legend?</a:t>
+            </a:r>
+          </a:p>
+        </p:txBody>
+      </p:sp>
     </p:spTree>
     <p:extLst>
       <p:ext uri="{BB962C8B-B14F-4D97-AF65-F5344CB8AC3E}">
